--- a/lectures/E06-Why-We-Fight/E06 - Why We Fight.pptx
+++ b/lectures/E06-Why-We-Fight/E06 - Why We Fight.pptx
@@ -15,14 +15,14 @@
     <p:sldId id="268" r:id="rId3"/>
     <p:sldId id="354" r:id="rId4"/>
     <p:sldId id="355" r:id="rId5"/>
-    <p:sldId id="357" r:id="rId6"/>
-    <p:sldId id="358" r:id="rId7"/>
-    <p:sldId id="359" r:id="rId8"/>
-    <p:sldId id="360" r:id="rId9"/>
-    <p:sldId id="362" r:id="rId10"/>
-    <p:sldId id="364" r:id="rId11"/>
-    <p:sldId id="363" r:id="rId12"/>
-    <p:sldId id="386" r:id="rId13"/>
+    <p:sldId id="358" r:id="rId6"/>
+    <p:sldId id="359" r:id="rId7"/>
+    <p:sldId id="360" r:id="rId8"/>
+    <p:sldId id="362" r:id="rId9"/>
+    <p:sldId id="364" r:id="rId10"/>
+    <p:sldId id="363" r:id="rId11"/>
+    <p:sldId id="386" r:id="rId12"/>
+    <p:sldId id="387" r:id="rId13"/>
     <p:sldId id="365" r:id="rId14"/>
     <p:sldId id="367" r:id="rId15"/>
     <p:sldId id="370" r:id="rId16"/>
@@ -42,29 +42,6 @@
   </p:sldIdLst>
   <p:sldSz cx="9144000" cy="5715000" type="screen16x10"/>
   <p:notesSz cx="7099300" cy="10234613"/>
-  <p:embeddedFontLst>
-    <p:embeddedFont>
-      <p:font typeface="Minya Nouvelle" charset="0"/>
-      <p:regular r:id="rId32"/>
-      <p:bold r:id="rId33"/>
-      <p:italic r:id="rId34"/>
-      <p:boldItalic r:id="rId35"/>
-    </p:embeddedFont>
-    <p:embeddedFont>
-      <p:font typeface="Verdana" pitchFamily="34" charset="0"/>
-      <p:regular r:id="rId36"/>
-      <p:bold r:id="rId37"/>
-      <p:italic r:id="rId38"/>
-      <p:boldItalic r:id="rId39"/>
-    </p:embeddedFont>
-    <p:embeddedFont>
-      <p:font typeface="Calibri" pitchFamily="34" charset="0"/>
-      <p:regular r:id="rId40"/>
-      <p:bold r:id="rId41"/>
-      <p:italic r:id="rId42"/>
-      <p:boldItalic r:id="rId43"/>
-    </p:embeddedFont>
-  </p:embeddedFontLst>
   <p:defaultTextStyle>
     <a:defPPr>
       <a:defRPr lang="sv-SE"/>
@@ -246,7 +223,7 @@
             <a:fld id="{D591C14E-198E-48A7-ABEC-7FB80E868E55}" type="datetimeFigureOut">
               <a:rPr lang="sv-SE" smtClean="0"/>
               <a:pPr/>
-              <a:t>2012-11-26</a:t>
+              <a:t>2013-11-25</a:t>
             </a:fld>
             <a:endParaRPr lang="sv-SE"/>
           </a:p>
@@ -413,7 +390,7 @@
             <a:fld id="{188BB863-C913-48B5-BD1A-638D82A0C76B}" type="datetimeFigureOut">
               <a:rPr lang="sv-SE" smtClean="0"/>
               <a:pPr/>
-              <a:t>2012-11-26</a:t>
+              <a:t>2013-11-25</a:t>
             </a:fld>
             <a:endParaRPr lang="sv-SE"/>
           </a:p>
@@ -729,33 +706,14 @@
           <a:lstStyle/>
           <a:p>
             <a:r>
-              <a:rPr lang="sv-SE" dirty="0" err="1" smtClean="0"/>
-              <a:t>Sunspider</a:t>
+              <a:rPr lang="sv-SE" dirty="0" smtClean="0">
+                <a:hlinkClick r:id="rId3"/>
+              </a:rPr>
+              <a:t>http://www.youtube.com/watch?v=Y2Y0U-2qJMs</a:t>
             </a:r>
             <a:r>
               <a:rPr lang="sv-SE" dirty="0" smtClean="0"/>
-              <a:t>, V8, Kraken, </a:t>
-            </a:r>
-            <a:r>
-              <a:rPr lang="sv-SE" dirty="0" err="1" smtClean="0"/>
-              <a:t>Peace</a:t>
-            </a:r>
-            <a:r>
-              <a:rPr lang="sv-SE" baseline="0" dirty="0" err="1" smtClean="0"/>
-              <a:t>kepper</a:t>
-            </a:r>
-            <a:r>
-              <a:rPr lang="sv-SE" baseline="0" dirty="0" smtClean="0"/>
-              <a:t> Benchmark</a:t>
-            </a:r>
-          </a:p>
-          <a:p>
-            <a:endParaRPr lang="sv-SE" baseline="0" dirty="0" smtClean="0"/>
-          </a:p>
-          <a:p>
-            <a:r>
-              <a:rPr lang="sv-SE" dirty="0" smtClean="0"/>
-              <a:t>http://www.zdnet.com/blog/hardware/the-big-browser-benchmark-chrome-17-vs-opera-11-vs-firefox-11-vs-ie9-vs-safari-5/19079</a:t>
+              <a:t> -7:33</a:t>
             </a:r>
             <a:endParaRPr lang="sv-SE" dirty="0"/>
           </a:p>
@@ -779,7 +737,7 @@
             <a:fld id="{87A2DC32-3504-46EA-A4CB-95ED6A325EDF}" type="slidenum">
               <a:rPr lang="sv-SE" smtClean="0"/>
               <a:pPr/>
-              <a:t>5</a:t>
+              <a:t>7</a:t>
             </a:fld>
             <a:endParaRPr lang="sv-SE"/>
           </a:p>
@@ -788,7 +746,7 @@
     </p:spTree>
     <p:extLst>
       <p:ext uri="{BB962C8B-B14F-4D97-AF65-F5344CB8AC3E}">
-        <p14:creationId xmlns:p14="http://schemas.microsoft.com/office/powerpoint/2010/main" val="2696696886"/>
+        <p14:creationId xmlns:p14="http://schemas.microsoft.com/office/powerpoint/2010/main" val="279177031"/>
       </p:ext>
     </p:extLst>
   </p:cSld>
@@ -843,14 +801,20 @@
           <a:lstStyle/>
           <a:p>
             <a:r>
-              <a:rPr lang="sv-SE" dirty="0" smtClean="0">
-                <a:hlinkClick r:id="rId3"/>
-              </a:rPr>
-              <a:t>http://www.youtube.com/watch?v=Y2Y0U-2qJMs</a:t>
-            </a:r>
-            <a:r>
               <a:rPr lang="sv-SE" dirty="0" smtClean="0"/>
-              <a:t> -7:33</a:t>
+              <a:t>Det går att komma åt dessa konstanter</a:t>
+            </a:r>
+            <a:r>
+              <a:rPr lang="sv-SE" baseline="0" dirty="0" smtClean="0"/>
+              <a:t> via </a:t>
+            </a:r>
+            <a:r>
+              <a:rPr lang="sv-SE" baseline="0" dirty="0" err="1" smtClean="0"/>
+              <a:t>Node.TEXT_NODE</a:t>
+            </a:r>
+            <a:r>
+              <a:rPr lang="sv-SE" baseline="0" dirty="0" smtClean="0"/>
+              <a:t> i alla webbläsare IE &gt;=8</a:t>
             </a:r>
             <a:endParaRPr lang="sv-SE" dirty="0"/>
           </a:p>
@@ -883,7 +847,7 @@
     </p:spTree>
     <p:extLst>
       <p:ext uri="{BB962C8B-B14F-4D97-AF65-F5344CB8AC3E}">
-        <p14:creationId xmlns:p14="http://schemas.microsoft.com/office/powerpoint/2010/main" val="279177031"/>
+        <p14:creationId xmlns:p14="http://schemas.microsoft.com/office/powerpoint/2010/main" val="3913639106"/>
       </p:ext>
     </p:extLst>
   </p:cSld>
@@ -938,22 +902,136 @@
           <a:lstStyle/>
           <a:p>
             <a:r>
-              <a:rPr lang="sv-SE" dirty="0" smtClean="0"/>
-              <a:t>Det går att komma åt dessa konstanter</a:t>
-            </a:r>
-            <a:r>
-              <a:rPr lang="sv-SE" baseline="0" dirty="0" smtClean="0"/>
-              <a:t> via </a:t>
-            </a:r>
-            <a:r>
-              <a:rPr lang="sv-SE" baseline="0" dirty="0" err="1" smtClean="0"/>
-              <a:t>Node.TEXT_NODE</a:t>
-            </a:r>
-            <a:r>
-              <a:rPr lang="sv-SE" baseline="0" dirty="0" smtClean="0"/>
-              <a:t> i alla webbläsare IE &gt;=8</a:t>
-            </a:r>
-            <a:endParaRPr lang="sv-SE" dirty="0"/>
+              <a:rPr lang="en-US" dirty="0" smtClean="0"/>
+              <a:t>if(!</a:t>
+            </a:r>
+            <a:r>
+              <a:rPr lang="en-US" dirty="0" err="1" smtClean="0"/>
+              <a:t>NodeList.prototype.forEach</a:t>
+            </a:r>
+            <a:r>
+              <a:rPr lang="en-US" dirty="0" smtClean="0"/>
+              <a:t>){</a:t>
+            </a:r>
+          </a:p>
+          <a:p>
+            <a:r>
+              <a:rPr lang="en-US" dirty="0" smtClean="0"/>
+              <a:t>    </a:t>
+            </a:r>
+            <a:r>
+              <a:rPr lang="en-US" dirty="0" err="1" smtClean="0"/>
+              <a:t>NodeList.prototype.forEach</a:t>
+            </a:r>
+            <a:r>
+              <a:rPr lang="en-US" dirty="0" smtClean="0"/>
+              <a:t> = </a:t>
+            </a:r>
+            <a:r>
+              <a:rPr lang="en-US" dirty="0" err="1" smtClean="0"/>
+              <a:t>Array.prototype.forEach</a:t>
+            </a:r>
+            <a:r>
+              <a:rPr lang="en-US" dirty="0" smtClean="0"/>
+              <a:t>;</a:t>
+            </a:r>
+          </a:p>
+          <a:p>
+            <a:r>
+              <a:rPr lang="en-US" dirty="0" smtClean="0"/>
+              <a:t>}</a:t>
+            </a:r>
+          </a:p>
+          <a:p>
+            <a:endParaRPr lang="en-US" dirty="0" smtClean="0"/>
+          </a:p>
+          <a:p>
+            <a:r>
+              <a:rPr lang="en-US" dirty="0" err="1" smtClean="0"/>
+              <a:t>var</a:t>
+            </a:r>
+            <a:r>
+              <a:rPr lang="en-US" dirty="0" smtClean="0"/>
+              <a:t> nodes = </a:t>
+            </a:r>
+            <a:r>
+              <a:rPr lang="en-US" dirty="0" err="1" smtClean="0"/>
+              <a:t>document.querySelectorAll</a:t>
+            </a:r>
+            <a:r>
+              <a:rPr lang="en-US" dirty="0" smtClean="0"/>
+              <a:t>("#</a:t>
+            </a:r>
+            <a:r>
+              <a:rPr lang="en-US" dirty="0" err="1" smtClean="0"/>
+              <a:t>kalle</a:t>
+            </a:r>
+            <a:r>
+              <a:rPr lang="en-US" dirty="0" smtClean="0"/>
+              <a:t> li");</a:t>
+            </a:r>
+          </a:p>
+          <a:p>
+            <a:endParaRPr lang="en-US" dirty="0" smtClean="0"/>
+          </a:p>
+          <a:p>
+            <a:r>
+              <a:rPr lang="en-US" dirty="0" err="1" smtClean="0"/>
+              <a:t>nodes.forEach</a:t>
+            </a:r>
+            <a:r>
+              <a:rPr lang="en-US" dirty="0" smtClean="0"/>
+              <a:t>( </a:t>
+            </a:r>
+            <a:r>
+              <a:rPr lang="en-US" dirty="0" err="1" smtClean="0"/>
+              <a:t>doSomething</a:t>
+            </a:r>
+            <a:r>
+              <a:rPr lang="en-US" dirty="0" smtClean="0"/>
+              <a:t>);</a:t>
+            </a:r>
+          </a:p>
+          <a:p>
+            <a:endParaRPr lang="en-US" dirty="0" smtClean="0"/>
+          </a:p>
+          <a:p>
+            <a:r>
+              <a:rPr lang="en-US" dirty="0" smtClean="0"/>
+              <a:t>function </a:t>
+            </a:r>
+            <a:r>
+              <a:rPr lang="en-US" dirty="0" err="1" smtClean="0"/>
+              <a:t>doSomething</a:t>
+            </a:r>
+            <a:r>
+              <a:rPr lang="en-US" dirty="0" smtClean="0"/>
+              <a:t> (node){</a:t>
+            </a:r>
+          </a:p>
+          <a:p>
+            <a:r>
+              <a:rPr lang="en-US" dirty="0" smtClean="0"/>
+              <a:t>    alert(</a:t>
+            </a:r>
+            <a:r>
+              <a:rPr lang="en-US" dirty="0" err="1" smtClean="0"/>
+              <a:t>node.nodeName</a:t>
+            </a:r>
+            <a:r>
+              <a:rPr lang="en-US" dirty="0" smtClean="0"/>
+              <a:t>)</a:t>
+            </a:r>
+          </a:p>
+          <a:p>
+            <a:endParaRPr lang="en-US" dirty="0" smtClean="0"/>
+          </a:p>
+          <a:p>
+            <a:r>
+              <a:rPr lang="en-US" smtClean="0"/>
+              <a:t>}</a:t>
+            </a:r>
+            <a:endParaRPr lang="en-US"/>
           </a:p>
         </p:txBody>
       </p:sp>
@@ -975,7 +1053,7 @@
             <a:fld id="{87A2DC32-3504-46EA-A4CB-95ED6A325EDF}" type="slidenum">
               <a:rPr lang="sv-SE" smtClean="0"/>
               <a:pPr/>
-              <a:t>9</a:t>
+              <a:t>12</a:t>
             </a:fld>
             <a:endParaRPr lang="sv-SE"/>
           </a:p>
@@ -984,7 +1062,7 @@
     </p:spTree>
     <p:extLst>
       <p:ext uri="{BB962C8B-B14F-4D97-AF65-F5344CB8AC3E}">
-        <p14:creationId xmlns:p14="http://schemas.microsoft.com/office/powerpoint/2010/main" val="3913639106"/>
+        <p14:creationId xmlns:p14="http://schemas.microsoft.com/office/powerpoint/2010/main" val="3412570918"/>
       </p:ext>
     </p:extLst>
   </p:cSld>
@@ -1475,7 +1553,7 @@
   <p:timing>
     <p:tnLst>
       <p:par>
-        <p:cTn id="1" dur="indefinite" restart="never" nodeType="tmRoot"/>
+        <p:cTn xmlns:p14="http://schemas.microsoft.com/office/powerpoint/2010/main" id="1" dur="indefinite" restart="never" nodeType="tmRoot"/>
       </p:par>
     </p:tnLst>
   </p:timing>
@@ -1700,7 +1778,7 @@
   <p:timing>
     <p:tnLst>
       <p:par>
-        <p:cTn id="1" dur="indefinite" restart="never" nodeType="tmRoot"/>
+        <p:cTn xmlns:p14="http://schemas.microsoft.com/office/powerpoint/2010/main" id="1" dur="indefinite" restart="never" nodeType="tmRoot"/>
       </p:par>
     </p:tnLst>
   </p:timing>
@@ -7795,7 +7873,7 @@
               <a:rPr lang="sv-SE" sz="2800" b="1" dirty="0" smtClean="0">
                 <a:latin typeface="Minya Nouvelle" pitchFamily="2" charset="0"/>
               </a:rPr>
-              <a:t>HT2012</a:t>
+              <a:t>HT2013</a:t>
             </a:r>
             <a:endParaRPr lang="sv-SE" sz="2800" b="1" dirty="0" smtClean="0">
               <a:latin typeface="Minya Nouvelle" pitchFamily="2" charset="0"/>
@@ -7919,7 +7997,7 @@
           </a:prstGeom>
           <a:noFill/>
           <a:extLst>
-            <a:ext uri="{909E8E84-426E-40DD-AFC4-6F175D3DCCD1}">
+            <a:ext uri="{909E8E84-426E-40dd-AFC4-6F175D3DCCD1}">
               <a14:hiddenFill xmlns:a14="http://schemas.microsoft.com/office/drawing/2010/main">
                 <a:solidFill>
                   <a:srgbClr val="FFFFFF"/>
@@ -7974,7 +8052,7 @@
   <p:timing>
     <p:tnLst>
       <p:par>
-        <p:cTn id="1" dur="indefinite" restart="never" nodeType="tmRoot"/>
+        <p:cTn xmlns:p14="http://schemas.microsoft.com/office/powerpoint/2010/main" id="1" dur="indefinite" restart="never" nodeType="tmRoot"/>
       </p:par>
     </p:tnLst>
   </p:timing>
@@ -7982,1054 +8060,6 @@
 </file>
 
 <file path=ppt/slides/slide10.xml><?xml version="1.0" encoding="utf-8"?>
-<p:sld xmlns:a="http://schemas.openxmlformats.org/drawingml/2006/main" xmlns:r="http://schemas.openxmlformats.org/officeDocument/2006/relationships" xmlns:p="http://schemas.openxmlformats.org/presentationml/2006/main">
-  <p:cSld>
-    <p:spTree>
-      <p:nvGrpSpPr>
-        <p:cNvPr id="1" name=""/>
-        <p:cNvGrpSpPr/>
-        <p:nvPr/>
-      </p:nvGrpSpPr>
-      <p:grpSpPr>
-        <a:xfrm>
-          <a:off x="0" y="0"/>
-          <a:ext cx="0" cy="0"/>
-          <a:chOff x="0" y="0"/>
-          <a:chExt cx="0" cy="0"/>
-        </a:xfrm>
-      </p:grpSpPr>
-      <p:sp>
-        <p:nvSpPr>
-          <p:cNvPr id="2" name="Title 1"/>
-          <p:cNvSpPr>
-            <a:spLocks noGrp="1"/>
-          </p:cNvSpPr>
-          <p:nvPr>
-            <p:ph type="ctrTitle"/>
-          </p:nvPr>
-        </p:nvSpPr>
-        <p:spPr/>
-        <p:txBody>
-          <a:bodyPr/>
-          <a:lstStyle/>
-          <a:p>
-            <a:r>
-              <a:rPr lang="sv-SE" dirty="0" smtClean="0"/>
-              <a:t>Välja ut element</a:t>
-            </a:r>
-            <a:endParaRPr lang="sv-SE" dirty="0"/>
-          </a:p>
-        </p:txBody>
-      </p:sp>
-      <p:sp>
-        <p:nvSpPr>
-          <p:cNvPr id="3" name="Subtitle 2"/>
-          <p:cNvSpPr>
-            <a:spLocks noGrp="1"/>
-          </p:cNvSpPr>
-          <p:nvPr>
-            <p:ph type="subTitle" idx="1"/>
-          </p:nvPr>
-        </p:nvSpPr>
-        <p:spPr>
-          <a:xfrm>
-            <a:off x="354308" y="1036960"/>
-            <a:ext cx="7962108" cy="1460500"/>
-          </a:xfrm>
-        </p:spPr>
-        <p:txBody>
-          <a:bodyPr/>
-          <a:lstStyle/>
-          <a:p>
-            <a:r>
-              <a:rPr lang="sv-SE" dirty="0" smtClean="0"/>
-              <a:t>För att komma åt en eller flera noder i trädet kan vi t.ex. använda dessa metoder:</a:t>
-            </a:r>
-            <a:endParaRPr lang="sv-SE" dirty="0"/>
-          </a:p>
-        </p:txBody>
-      </p:sp>
-      <p:graphicFrame>
-        <p:nvGraphicFramePr>
-          <p:cNvPr id="4" name="Group 19"/>
-          <p:cNvGraphicFramePr>
-            <a:graphicFrameLocks noGrp="1"/>
-          </p:cNvGraphicFramePr>
-          <p:nvPr>
-            <p:extLst>
-              <p:ext uri="{D42A27DB-BD31-4B8C-83A1-F6EECF244321}">
-                <p14:modId xmlns:p14="http://schemas.microsoft.com/office/powerpoint/2010/main" val="893397887"/>
-              </p:ext>
-            </p:extLst>
-          </p:nvPr>
-        </p:nvGraphicFramePr>
-        <p:xfrm>
-          <a:off x="394146" y="2042608"/>
-          <a:ext cx="8282310" cy="2098146"/>
-        </p:xfrm>
-        <a:graphic>
-          <a:graphicData uri="http://schemas.openxmlformats.org/drawingml/2006/table">
-            <a:tbl>
-              <a:tblPr>
-                <a:tableStyleId>{8A107856-5554-42FB-B03E-39F5DBC370BA}</a:tableStyleId>
-              </a:tblPr>
-              <a:tblGrid>
-                <a:gridCol w="3727772"/>
-                <a:gridCol w="4554538"/>
-              </a:tblGrid>
-              <a:tr h="539750">
-                <a:tc>
-                  <a:txBody>
-                    <a:bodyPr/>
-                    <a:lstStyle/>
-                    <a:p>
-                      <a:pPr marL="0" marR="0" lvl="0" indent="0" algn="l" defTabSz="914400" rtl="0" eaLnBrk="1" fontAlgn="base" latinLnBrk="0" hangingPunct="1">
-                        <a:lnSpc>
-                          <a:spcPct val="100000"/>
-                        </a:lnSpc>
-                        <a:spcBef>
-                          <a:spcPct val="20000"/>
-                        </a:spcBef>
-                        <a:spcAft>
-                          <a:spcPct val="0"/>
-                        </a:spcAft>
-                        <a:buClrTx/>
-                        <a:buSzTx/>
-                        <a:buFontTx/>
-                        <a:buNone/>
-                        <a:tabLst/>
-                      </a:pPr>
-                      <a:r>
-                        <a:rPr kumimoji="0" lang="sv-SE" sz="1200" b="1" u="none" strike="noStrike" cap="none" normalizeH="0" baseline="0" dirty="0" err="1" smtClean="0">
-                          <a:ln>
-                            <a:noFill/>
-                          </a:ln>
-                          <a:effectLst/>
-                          <a:latin typeface="Courier New" pitchFamily="49" charset="0"/>
-                          <a:cs typeface="Courier New" pitchFamily="49" charset="0"/>
-                        </a:rPr>
-                        <a:t>document.getElementById</a:t>
-                      </a:r>
-                      <a:r>
-                        <a:rPr kumimoji="0" lang="sv-SE" sz="1200" b="1" u="none" strike="noStrike" cap="none" normalizeH="0" baseline="0" dirty="0" smtClean="0">
-                          <a:ln>
-                            <a:noFill/>
-                          </a:ln>
-                          <a:effectLst/>
-                          <a:latin typeface="Courier New" pitchFamily="49" charset="0"/>
-                          <a:cs typeface="Courier New" pitchFamily="49" charset="0"/>
-                        </a:rPr>
-                        <a:t>( </a:t>
-                      </a:r>
-                      <a:r>
-                        <a:rPr kumimoji="0" lang="sv-SE" sz="1200" b="1" u="none" strike="noStrike" cap="none" normalizeH="0" baseline="0" dirty="0" err="1" smtClean="0">
-                          <a:ln>
-                            <a:noFill/>
-                          </a:ln>
-                          <a:effectLst/>
-                          <a:latin typeface="Courier New" pitchFamily="49" charset="0"/>
-                          <a:cs typeface="Courier New" pitchFamily="49" charset="0"/>
-                        </a:rPr>
-                        <a:t>idvalue</a:t>
-                      </a:r>
-                      <a:r>
-                        <a:rPr kumimoji="0" lang="sv-SE" sz="1200" b="1" u="none" strike="noStrike" cap="none" normalizeH="0" baseline="0" dirty="0" smtClean="0">
-                          <a:ln>
-                            <a:noFill/>
-                          </a:ln>
-                          <a:effectLst/>
-                          <a:latin typeface="Courier New" pitchFamily="49" charset="0"/>
-                          <a:cs typeface="Courier New" pitchFamily="49" charset="0"/>
-                        </a:rPr>
-                        <a:t> )</a:t>
-                      </a:r>
-                      <a:endParaRPr kumimoji="0" lang="en-US" sz="1200" b="1" i="0" u="none" strike="noStrike" cap="none" normalizeH="0" baseline="0" dirty="0" smtClean="0">
-                        <a:ln>
-                          <a:noFill/>
-                        </a:ln>
-                        <a:solidFill>
-                          <a:schemeClr val="tx1"/>
-                        </a:solidFill>
-                        <a:effectLst/>
-                        <a:latin typeface="Courier New" pitchFamily="49" charset="0"/>
-                        <a:cs typeface="Courier New" pitchFamily="49" charset="0"/>
-                      </a:endParaRPr>
-                    </a:p>
-                  </a:txBody>
-                  <a:tcPr marT="38100" marB="38100" horzOverflow="overflow"/>
-                </a:tc>
-                <a:tc>
-                  <a:txBody>
-                    <a:bodyPr/>
-                    <a:lstStyle/>
-                    <a:p>
-                      <a:pPr marL="0" marR="0" lvl="0" indent="0" algn="l" defTabSz="914400" rtl="0" eaLnBrk="1" fontAlgn="base" latinLnBrk="0" hangingPunct="1">
-                        <a:lnSpc>
-                          <a:spcPct val="100000"/>
-                        </a:lnSpc>
-                        <a:spcBef>
-                          <a:spcPct val="20000"/>
-                        </a:spcBef>
-                        <a:spcAft>
-                          <a:spcPct val="0"/>
-                        </a:spcAft>
-                        <a:buClrTx/>
-                        <a:buSzTx/>
-                        <a:buFontTx/>
-                        <a:buNone/>
-                        <a:tabLst/>
-                      </a:pPr>
-                      <a:r>
-                        <a:rPr kumimoji="0" lang="sv-SE" sz="1400" u="none" strike="noStrike" cap="none" normalizeH="0" baseline="0" dirty="0" smtClean="0">
-                          <a:ln>
-                            <a:noFill/>
-                          </a:ln>
-                          <a:effectLst/>
-                        </a:rPr>
-                        <a:t>Returnerar en referens till den nod i trädet som har det angivna </a:t>
-                      </a:r>
-                      <a:r>
-                        <a:rPr kumimoji="0" lang="sv-SE" sz="1400" u="none" strike="noStrike" cap="none" normalizeH="0" baseline="0" dirty="0" err="1" smtClean="0">
-                          <a:ln>
-                            <a:noFill/>
-                          </a:ln>
-                          <a:effectLst/>
-                        </a:rPr>
-                        <a:t>ID:t</a:t>
-                      </a:r>
-                      <a:r>
-                        <a:rPr kumimoji="0" lang="sv-SE" sz="1400" u="none" strike="noStrike" cap="none" normalizeH="0" baseline="0" dirty="0" smtClean="0">
-                          <a:ln>
-                            <a:noFill/>
-                          </a:ln>
-                          <a:effectLst/>
-                        </a:rPr>
-                        <a:t>.</a:t>
-                      </a:r>
-                      <a:endParaRPr kumimoji="0" lang="en-US" sz="1400" b="0" i="0" u="none" strike="noStrike" cap="none" normalizeH="0" baseline="0" dirty="0" smtClean="0">
-                        <a:ln>
-                          <a:noFill/>
-                        </a:ln>
-                        <a:solidFill>
-                          <a:schemeClr val="tx1"/>
-                        </a:solidFill>
-                        <a:effectLst/>
-                        <a:latin typeface="Minya Nouvelle" charset="0"/>
-                      </a:endParaRPr>
-                    </a:p>
-                  </a:txBody>
-                  <a:tcPr marT="38100" marB="38100" horzOverflow="overflow"/>
-                </a:tc>
-              </a:tr>
-              <a:tr h="779198">
-                <a:tc>
-                  <a:txBody>
-                    <a:bodyPr/>
-                    <a:lstStyle/>
-                    <a:p>
-                      <a:pPr marL="0" marR="0" lvl="0" indent="0" algn="l" defTabSz="914400" rtl="0" eaLnBrk="1" fontAlgn="base" latinLnBrk="0" hangingPunct="1">
-                        <a:lnSpc>
-                          <a:spcPct val="100000"/>
-                        </a:lnSpc>
-                        <a:spcBef>
-                          <a:spcPct val="20000"/>
-                        </a:spcBef>
-                        <a:spcAft>
-                          <a:spcPct val="0"/>
-                        </a:spcAft>
-                        <a:buClrTx/>
-                        <a:buSzTx/>
-                        <a:buFontTx/>
-                        <a:buNone/>
-                        <a:tabLst/>
-                        <a:defRPr/>
-                      </a:pPr>
-                      <a:r>
-                        <a:rPr kumimoji="0" lang="sv-SE" sz="1100" b="1" u="none" strike="noStrike" cap="none" normalizeH="0" baseline="0" dirty="0" err="1" smtClean="0">
-                          <a:ln>
-                            <a:noFill/>
-                          </a:ln>
-                          <a:effectLst/>
-                          <a:latin typeface="Courier New" pitchFamily="49" charset="0"/>
-                          <a:cs typeface="Courier New" pitchFamily="49" charset="0"/>
-                        </a:rPr>
-                        <a:t>document.getElementsByTagName</a:t>
-                      </a:r>
-                      <a:r>
-                        <a:rPr kumimoji="0" lang="sv-SE" sz="1100" b="1" u="none" strike="noStrike" cap="none" normalizeH="0" baseline="0" dirty="0" smtClean="0">
-                          <a:ln>
-                            <a:noFill/>
-                          </a:ln>
-                          <a:effectLst/>
-                          <a:latin typeface="Courier New" pitchFamily="49" charset="0"/>
-                          <a:cs typeface="Courier New" pitchFamily="49" charset="0"/>
-                        </a:rPr>
-                        <a:t>(</a:t>
-                      </a:r>
-                      <a:r>
-                        <a:rPr kumimoji="0" lang="sv-SE" sz="1100" b="1" u="none" strike="noStrike" cap="none" normalizeH="0" baseline="0" dirty="0" err="1" smtClean="0">
-                          <a:ln>
-                            <a:noFill/>
-                          </a:ln>
-                          <a:effectLst/>
-                          <a:latin typeface="Courier New" pitchFamily="49" charset="0"/>
-                          <a:cs typeface="Courier New" pitchFamily="49" charset="0"/>
-                        </a:rPr>
-                        <a:t>tagname</a:t>
-                      </a:r>
-                      <a:r>
-                        <a:rPr kumimoji="0" lang="sv-SE" sz="1100" b="1" u="none" strike="noStrike" cap="none" normalizeH="0" baseline="0" dirty="0" smtClean="0">
-                          <a:ln>
-                            <a:noFill/>
-                          </a:ln>
-                          <a:effectLst/>
-                          <a:latin typeface="Courier New" pitchFamily="49" charset="0"/>
-                          <a:cs typeface="Courier New" pitchFamily="49" charset="0"/>
-                        </a:rPr>
-                        <a:t>)</a:t>
-                      </a:r>
-                      <a:endParaRPr kumimoji="0" lang="en-US" sz="1100" b="1" u="none" strike="noStrike" cap="none" normalizeH="0" baseline="0" dirty="0" smtClean="0">
-                        <a:ln>
-                          <a:noFill/>
-                        </a:ln>
-                        <a:effectLst/>
-                        <a:latin typeface="Courier New" pitchFamily="49" charset="0"/>
-                        <a:cs typeface="Courier New" pitchFamily="49" charset="0"/>
-                      </a:endParaRPr>
-                    </a:p>
-                    <a:p>
-                      <a:pPr marL="0" marR="0" lvl="0" indent="0" algn="l" defTabSz="914400" rtl="0" eaLnBrk="1" fontAlgn="base" latinLnBrk="0" hangingPunct="1">
-                        <a:lnSpc>
-                          <a:spcPct val="100000"/>
-                        </a:lnSpc>
-                        <a:spcBef>
-                          <a:spcPct val="20000"/>
-                        </a:spcBef>
-                        <a:spcAft>
-                          <a:spcPct val="0"/>
-                        </a:spcAft>
-                        <a:buClrTx/>
-                        <a:buSzTx/>
-                        <a:buFontTx/>
-                        <a:buNone/>
-                        <a:tabLst/>
-                      </a:pPr>
-                      <a:r>
-                        <a:rPr kumimoji="0" lang="sv-SE" sz="1100" b="1" u="none" strike="noStrike" cap="none" normalizeH="0" baseline="0" dirty="0" smtClean="0">
-                          <a:ln>
-                            <a:noFill/>
-                          </a:ln>
-                          <a:effectLst/>
-                          <a:latin typeface="Courier New" pitchFamily="49" charset="0"/>
-                          <a:cs typeface="Courier New" pitchFamily="49" charset="0"/>
-                        </a:rPr>
-                        <a:t/>
-                      </a:r>
-                      <a:br>
-                        <a:rPr kumimoji="0" lang="sv-SE" sz="1100" b="1" u="none" strike="noStrike" cap="none" normalizeH="0" baseline="0" dirty="0" smtClean="0">
-                          <a:ln>
-                            <a:noFill/>
-                          </a:ln>
-                          <a:effectLst/>
-                          <a:latin typeface="Courier New" pitchFamily="49" charset="0"/>
-                          <a:cs typeface="Courier New" pitchFamily="49" charset="0"/>
-                        </a:rPr>
-                      </a:br>
-                      <a:r>
-                        <a:rPr kumimoji="0" lang="sv-SE" sz="1100" b="1" u="none" strike="noStrike" cap="none" normalizeH="0" baseline="0" dirty="0" err="1" smtClean="0">
-                          <a:ln>
-                            <a:noFill/>
-                          </a:ln>
-                          <a:effectLst/>
-                          <a:latin typeface="Courier New" pitchFamily="49" charset="0"/>
-                          <a:cs typeface="Courier New" pitchFamily="49" charset="0"/>
-                        </a:rPr>
-                        <a:t>node.getElementsByTagName</a:t>
-                      </a:r>
-                      <a:r>
-                        <a:rPr kumimoji="0" lang="sv-SE" sz="1100" b="1" u="none" strike="noStrike" cap="none" normalizeH="0" baseline="0" dirty="0" smtClean="0">
-                          <a:ln>
-                            <a:noFill/>
-                          </a:ln>
-                          <a:effectLst/>
-                          <a:latin typeface="Courier New" pitchFamily="49" charset="0"/>
-                          <a:cs typeface="Courier New" pitchFamily="49" charset="0"/>
-                        </a:rPr>
-                        <a:t>(</a:t>
-                      </a:r>
-                      <a:r>
-                        <a:rPr kumimoji="0" lang="sv-SE" sz="1100" b="1" u="none" strike="noStrike" cap="none" normalizeH="0" baseline="0" dirty="0" err="1" smtClean="0">
-                          <a:ln>
-                            <a:noFill/>
-                          </a:ln>
-                          <a:effectLst/>
-                          <a:latin typeface="Courier New" pitchFamily="49" charset="0"/>
-                          <a:cs typeface="Courier New" pitchFamily="49" charset="0"/>
-                        </a:rPr>
-                        <a:t>tagname</a:t>
-                      </a:r>
-                      <a:r>
-                        <a:rPr kumimoji="0" lang="sv-SE" sz="1100" b="1" u="none" strike="noStrike" cap="none" normalizeH="0" baseline="0" dirty="0" smtClean="0">
-                          <a:ln>
-                            <a:noFill/>
-                          </a:ln>
-                          <a:effectLst/>
-                          <a:latin typeface="Courier New" pitchFamily="49" charset="0"/>
-                          <a:cs typeface="Courier New" pitchFamily="49" charset="0"/>
-                        </a:rPr>
-                        <a:t>)</a:t>
-                      </a:r>
-                      <a:endParaRPr kumimoji="0" lang="en-US" sz="1100" b="1" i="0" u="none" strike="noStrike" cap="none" normalizeH="0" baseline="0" dirty="0" smtClean="0">
-                        <a:ln>
-                          <a:noFill/>
-                        </a:ln>
-                        <a:solidFill>
-                          <a:schemeClr val="tx1"/>
-                        </a:solidFill>
-                        <a:effectLst/>
-                        <a:latin typeface="Courier New" pitchFamily="49" charset="0"/>
-                        <a:cs typeface="Courier New" pitchFamily="49" charset="0"/>
-                      </a:endParaRPr>
-                    </a:p>
-                  </a:txBody>
-                  <a:tcPr marT="38100" marB="38100" horzOverflow="overflow"/>
-                </a:tc>
-                <a:tc>
-                  <a:txBody>
-                    <a:bodyPr/>
-                    <a:lstStyle/>
-                    <a:p>
-                      <a:pPr marL="0" marR="0" lvl="0" indent="0" algn="l" defTabSz="914400" rtl="0" eaLnBrk="1" fontAlgn="base" latinLnBrk="0" hangingPunct="1">
-                        <a:lnSpc>
-                          <a:spcPct val="100000"/>
-                        </a:lnSpc>
-                        <a:spcBef>
-                          <a:spcPct val="20000"/>
-                        </a:spcBef>
-                        <a:spcAft>
-                          <a:spcPct val="0"/>
-                        </a:spcAft>
-                        <a:buClrTx/>
-                        <a:buSzTx/>
-                        <a:buFontTx/>
-                        <a:buNone/>
-                        <a:tabLst/>
-                      </a:pPr>
-                      <a:r>
-                        <a:rPr kumimoji="0" lang="sv-SE" sz="1400" u="none" strike="noStrike" cap="none" normalizeH="0" baseline="0" dirty="0" smtClean="0">
-                          <a:ln>
-                            <a:noFill/>
-                          </a:ln>
-                          <a:effectLst/>
-                        </a:rPr>
-                        <a:t>Returnerar en </a:t>
-                      </a:r>
-                      <a:r>
-                        <a:rPr kumimoji="0" lang="sv-SE" sz="1400" u="none" strike="noStrike" cap="none" normalizeH="0" baseline="0" dirty="0" err="1" smtClean="0">
-                          <a:ln>
-                            <a:noFill/>
-                          </a:ln>
-                          <a:effectLst/>
-                        </a:rPr>
-                        <a:t>nodlista</a:t>
-                      </a:r>
-                      <a:r>
-                        <a:rPr kumimoji="0" lang="sv-SE" sz="1400" u="none" strike="noStrike" cap="none" normalizeH="0" baseline="0" dirty="0" smtClean="0">
-                          <a:ln>
-                            <a:noFill/>
-                          </a:ln>
-                          <a:effectLst/>
-                        </a:rPr>
-                        <a:t> med noder (0 eller flera) med det angivna tagg-namnet.</a:t>
-                      </a:r>
-                    </a:p>
-                    <a:p>
-                      <a:pPr marL="0" marR="0" lvl="0" indent="0" algn="l" defTabSz="914400" rtl="0" eaLnBrk="1" fontAlgn="base" latinLnBrk="0" hangingPunct="1">
-                        <a:lnSpc>
-                          <a:spcPct val="100000"/>
-                        </a:lnSpc>
-                        <a:spcBef>
-                          <a:spcPct val="20000"/>
-                        </a:spcBef>
-                        <a:spcAft>
-                          <a:spcPct val="0"/>
-                        </a:spcAft>
-                        <a:buClrTx/>
-                        <a:buSzTx/>
-                        <a:buFontTx/>
-                        <a:buNone/>
-                        <a:tabLst/>
-                      </a:pPr>
-                      <a:r>
-                        <a:rPr kumimoji="0" lang="sv-SE" sz="1400" u="none" strike="noStrike" cap="none" normalizeH="0" baseline="0" dirty="0" smtClean="0">
-                          <a:ln>
-                            <a:noFill/>
-                          </a:ln>
-                          <a:effectLst/>
-                        </a:rPr>
-                        <a:t>Listan fungerar ungefär som en </a:t>
-                      </a:r>
-                      <a:r>
-                        <a:rPr kumimoji="0" lang="sv-SE" sz="1400" u="none" strike="noStrike" cap="none" normalizeH="0" baseline="0" dirty="0" err="1" smtClean="0">
-                          <a:ln>
-                            <a:noFill/>
-                          </a:ln>
-                          <a:effectLst/>
-                        </a:rPr>
-                        <a:t>array</a:t>
-                      </a:r>
-                      <a:r>
-                        <a:rPr kumimoji="0" lang="sv-SE" sz="1400" u="none" strike="noStrike" cap="none" normalizeH="0" baseline="0" dirty="0" smtClean="0">
-                          <a:ln>
-                            <a:noFill/>
-                          </a:ln>
-                          <a:effectLst/>
-                        </a:rPr>
-                        <a:t>.</a:t>
-                      </a:r>
-                      <a:endParaRPr kumimoji="0" lang="en-US" sz="1400" b="0" i="0" u="none" strike="noStrike" cap="none" normalizeH="0" baseline="0" dirty="0" smtClean="0">
-                        <a:ln>
-                          <a:noFill/>
-                        </a:ln>
-                        <a:solidFill>
-                          <a:schemeClr val="tx1"/>
-                        </a:solidFill>
-                        <a:effectLst/>
-                        <a:latin typeface="Minya Nouvelle" charset="0"/>
-                      </a:endParaRPr>
-                    </a:p>
-                  </a:txBody>
-                  <a:tcPr marT="38100" marB="38100" horzOverflow="overflow"/>
-                </a:tc>
-              </a:tr>
-              <a:tr h="779198">
-                <a:tc>
-                  <a:txBody>
-                    <a:bodyPr/>
-                    <a:lstStyle/>
-                    <a:p>
-                      <a:pPr marL="0" marR="0" lvl="0" indent="0" algn="l" defTabSz="914400" rtl="0" eaLnBrk="1" fontAlgn="base" latinLnBrk="0" hangingPunct="1">
-                        <a:lnSpc>
-                          <a:spcPct val="100000"/>
-                        </a:lnSpc>
-                        <a:spcBef>
-                          <a:spcPct val="20000"/>
-                        </a:spcBef>
-                        <a:spcAft>
-                          <a:spcPct val="0"/>
-                        </a:spcAft>
-                        <a:buClrTx/>
-                        <a:buSzTx/>
-                        <a:buFontTx/>
-                        <a:buNone/>
-                        <a:tabLst/>
-                      </a:pPr>
-                      <a:r>
-                        <a:rPr kumimoji="0" lang="en-US" sz="1100" b="1" i="0" u="none" strike="noStrike" cap="none" normalizeH="0" baseline="0" dirty="0" err="1" smtClean="0">
-                          <a:ln>
-                            <a:noFill/>
-                          </a:ln>
-                          <a:solidFill>
-                            <a:schemeClr val="tx1"/>
-                          </a:solidFill>
-                          <a:effectLst/>
-                          <a:latin typeface="Courier New" pitchFamily="49" charset="0"/>
-                          <a:cs typeface="Courier New" pitchFamily="49" charset="0"/>
-                        </a:rPr>
-                        <a:t>document.getElementsByClassName</a:t>
-                      </a:r>
-                      <a:r>
-                        <a:rPr kumimoji="0" lang="en-US" sz="1100" b="1" i="0" u="none" strike="noStrike" cap="none" normalizeH="0" baseline="0" dirty="0" smtClean="0">
-                          <a:ln>
-                            <a:noFill/>
-                          </a:ln>
-                          <a:solidFill>
-                            <a:schemeClr val="tx1"/>
-                          </a:solidFill>
-                          <a:effectLst/>
-                          <a:latin typeface="Courier New" pitchFamily="49" charset="0"/>
-                          <a:cs typeface="Courier New" pitchFamily="49" charset="0"/>
-                        </a:rPr>
-                        <a:t>(</a:t>
-                      </a:r>
-                      <a:r>
-                        <a:rPr kumimoji="0" lang="en-US" sz="1100" b="1" i="0" u="none" strike="noStrike" cap="none" normalizeH="0" baseline="0" dirty="0" err="1" smtClean="0">
-                          <a:ln>
-                            <a:noFill/>
-                          </a:ln>
-                          <a:solidFill>
-                            <a:schemeClr val="tx1"/>
-                          </a:solidFill>
-                          <a:effectLst/>
-                          <a:latin typeface="Courier New" pitchFamily="49" charset="0"/>
-                          <a:cs typeface="Courier New" pitchFamily="49" charset="0"/>
-                        </a:rPr>
-                        <a:t>classname</a:t>
-                      </a:r>
-                      <a:r>
-                        <a:rPr kumimoji="0" lang="en-US" sz="1100" b="1" i="0" u="none" strike="noStrike" cap="none" normalizeH="0" baseline="0" dirty="0" smtClean="0">
-                          <a:ln>
-                            <a:noFill/>
-                          </a:ln>
-                          <a:solidFill>
-                            <a:schemeClr val="tx1"/>
-                          </a:solidFill>
-                          <a:effectLst/>
-                          <a:latin typeface="Courier New" pitchFamily="49" charset="0"/>
-                          <a:cs typeface="Courier New" pitchFamily="49" charset="0"/>
-                        </a:rPr>
-                        <a:t>)</a:t>
-                      </a:r>
-                    </a:p>
-                    <a:p>
-                      <a:pPr marL="0" marR="0" lvl="0" indent="0" algn="l" defTabSz="914400" rtl="0" eaLnBrk="1" fontAlgn="base" latinLnBrk="0" hangingPunct="1">
-                        <a:lnSpc>
-                          <a:spcPct val="100000"/>
-                        </a:lnSpc>
-                        <a:spcBef>
-                          <a:spcPct val="20000"/>
-                        </a:spcBef>
-                        <a:spcAft>
-                          <a:spcPct val="0"/>
-                        </a:spcAft>
-                        <a:buClrTx/>
-                        <a:buSzTx/>
-                        <a:buFontTx/>
-                        <a:buNone/>
-                        <a:tabLst/>
-                      </a:pPr>
-                      <a:endParaRPr kumimoji="0" lang="en-US" sz="1100" b="1" i="0" u="none" strike="noStrike" cap="none" normalizeH="0" baseline="0" dirty="0" smtClean="0">
-                        <a:ln>
-                          <a:noFill/>
-                        </a:ln>
-                        <a:solidFill>
-                          <a:schemeClr val="tx1"/>
-                        </a:solidFill>
-                        <a:effectLst/>
-                        <a:latin typeface="Courier New" pitchFamily="49" charset="0"/>
-                        <a:cs typeface="Courier New" pitchFamily="49" charset="0"/>
-                      </a:endParaRPr>
-                    </a:p>
-                    <a:p>
-                      <a:pPr marL="0" marR="0" lvl="0" indent="0" algn="l" defTabSz="914400" rtl="0" eaLnBrk="1" fontAlgn="base" latinLnBrk="0" hangingPunct="1">
-                        <a:lnSpc>
-                          <a:spcPct val="100000"/>
-                        </a:lnSpc>
-                        <a:spcBef>
-                          <a:spcPct val="20000"/>
-                        </a:spcBef>
-                        <a:spcAft>
-                          <a:spcPct val="0"/>
-                        </a:spcAft>
-                        <a:buClrTx/>
-                        <a:buSzTx/>
-                        <a:buFontTx/>
-                        <a:buNone/>
-                        <a:tabLst/>
-                      </a:pPr>
-                      <a:r>
-                        <a:rPr kumimoji="0" lang="en-US" sz="1100" b="1" i="0" u="none" strike="noStrike" cap="none" normalizeH="0" baseline="0" dirty="0" err="1" smtClean="0">
-                          <a:ln>
-                            <a:noFill/>
-                          </a:ln>
-                          <a:solidFill>
-                            <a:schemeClr val="tx1"/>
-                          </a:solidFill>
-                          <a:effectLst/>
-                          <a:latin typeface="Courier New" pitchFamily="49" charset="0"/>
-                          <a:cs typeface="Courier New" pitchFamily="49" charset="0"/>
-                        </a:rPr>
-                        <a:t>node.getElementsByClassName</a:t>
-                      </a:r>
-                      <a:r>
-                        <a:rPr kumimoji="0" lang="en-US" sz="1100" b="1" i="0" u="none" strike="noStrike" cap="none" normalizeH="0" baseline="0" dirty="0" smtClean="0">
-                          <a:ln>
-                            <a:noFill/>
-                          </a:ln>
-                          <a:solidFill>
-                            <a:schemeClr val="tx1"/>
-                          </a:solidFill>
-                          <a:effectLst/>
-                          <a:latin typeface="Courier New" pitchFamily="49" charset="0"/>
-                          <a:cs typeface="Courier New" pitchFamily="49" charset="0"/>
-                        </a:rPr>
-                        <a:t>(</a:t>
-                      </a:r>
-                      <a:r>
-                        <a:rPr kumimoji="0" lang="en-US" sz="1100" b="1" i="0" u="none" strike="noStrike" cap="none" normalizeH="0" baseline="0" dirty="0" err="1" smtClean="0">
-                          <a:ln>
-                            <a:noFill/>
-                          </a:ln>
-                          <a:solidFill>
-                            <a:schemeClr val="tx1"/>
-                          </a:solidFill>
-                          <a:effectLst/>
-                          <a:latin typeface="Courier New" pitchFamily="49" charset="0"/>
-                          <a:cs typeface="Courier New" pitchFamily="49" charset="0"/>
-                        </a:rPr>
-                        <a:t>classname</a:t>
-                      </a:r>
-                      <a:r>
-                        <a:rPr kumimoji="0" lang="en-US" sz="1100" b="1" i="0" u="none" strike="noStrike" cap="none" normalizeH="0" baseline="0" dirty="0" smtClean="0">
-                          <a:ln>
-                            <a:noFill/>
-                          </a:ln>
-                          <a:solidFill>
-                            <a:schemeClr val="tx1"/>
-                          </a:solidFill>
-                          <a:effectLst/>
-                          <a:latin typeface="Courier New" pitchFamily="49" charset="0"/>
-                          <a:cs typeface="Courier New" pitchFamily="49" charset="0"/>
-                        </a:rPr>
-                        <a:t>)</a:t>
-                      </a:r>
-                      <a:endParaRPr kumimoji="0" lang="en-US" sz="1100" b="1" i="0" u="none" strike="noStrike" cap="none" normalizeH="0" baseline="0" dirty="0" smtClean="0">
-                        <a:ln>
-                          <a:noFill/>
-                        </a:ln>
-                        <a:solidFill>
-                          <a:schemeClr val="tx1"/>
-                        </a:solidFill>
-                        <a:effectLst/>
-                        <a:latin typeface="Courier New" pitchFamily="49" charset="0"/>
-                        <a:cs typeface="Courier New" pitchFamily="49" charset="0"/>
-                      </a:endParaRPr>
-                    </a:p>
-                  </a:txBody>
-                  <a:tcPr marT="38100" marB="38100" horzOverflow="overflow"/>
-                </a:tc>
-                <a:tc>
-                  <a:txBody>
-                    <a:bodyPr/>
-                    <a:lstStyle/>
-                    <a:p>
-                      <a:pPr marL="0" marR="0" lvl="0" indent="0" algn="l" defTabSz="914400" rtl="0" eaLnBrk="1" fontAlgn="base" latinLnBrk="0" hangingPunct="1">
-                        <a:lnSpc>
-                          <a:spcPct val="100000"/>
-                        </a:lnSpc>
-                        <a:spcBef>
-                          <a:spcPct val="20000"/>
-                        </a:spcBef>
-                        <a:spcAft>
-                          <a:spcPct val="0"/>
-                        </a:spcAft>
-                        <a:buClrTx/>
-                        <a:buSzTx/>
-                        <a:buFontTx/>
-                        <a:buNone/>
-                        <a:tabLst/>
-                      </a:pPr>
-                      <a:r>
-                        <a:rPr kumimoji="0" lang="sv-SE" sz="1400" u="none" strike="noStrike" cap="none" normalizeH="0" baseline="0" dirty="0" smtClean="0">
-                          <a:ln>
-                            <a:noFill/>
-                          </a:ln>
-                          <a:effectLst/>
-                        </a:rPr>
-                        <a:t>Likt ovan men observera, Internet Explorer 9+</a:t>
-                      </a:r>
-                      <a:br>
-                        <a:rPr kumimoji="0" lang="sv-SE" sz="1400" u="none" strike="noStrike" cap="none" normalizeH="0" baseline="0" dirty="0" smtClean="0">
-                          <a:ln>
-                            <a:noFill/>
-                          </a:ln>
-                          <a:effectLst/>
-                        </a:rPr>
-                      </a:br>
-                      <a:r>
-                        <a:rPr kumimoji="0" lang="sv-SE" sz="1400" i="1" u="none" strike="noStrike" cap="none" normalizeH="0" baseline="0" dirty="0" smtClean="0">
-                          <a:ln>
-                            <a:noFill/>
-                          </a:ln>
-                          <a:effectLst/>
-                        </a:rPr>
-                        <a:t>(HTML5-utökning av DOM lvl1)</a:t>
-                      </a:r>
-                      <a:endParaRPr kumimoji="0" lang="en-US" sz="1400" b="0" i="1" u="none" strike="noStrike" cap="none" normalizeH="0" baseline="0" dirty="0" smtClean="0">
-                        <a:ln>
-                          <a:noFill/>
-                        </a:ln>
-                        <a:solidFill>
-                          <a:schemeClr val="tx1"/>
-                        </a:solidFill>
-                        <a:effectLst/>
-                        <a:latin typeface="Minya Nouvelle" charset="0"/>
-                      </a:endParaRPr>
-                    </a:p>
-                  </a:txBody>
-                  <a:tcPr marT="38100" marB="38100" horzOverflow="overflow"/>
-                </a:tc>
-              </a:tr>
-            </a:tbl>
-          </a:graphicData>
-        </a:graphic>
-      </p:graphicFrame>
-      <p:sp>
-        <p:nvSpPr>
-          <p:cNvPr id="5" name="Subtitle 2"/>
-          <p:cNvSpPr txBox="1">
-            <a:spLocks/>
-          </p:cNvSpPr>
-          <p:nvPr/>
-        </p:nvSpPr>
-        <p:spPr>
-          <a:xfrm>
-            <a:off x="354308" y="4421336"/>
-            <a:ext cx="7962108" cy="1460500"/>
-          </a:xfrm>
-          <a:prstGeom prst="rect">
-            <a:avLst/>
-          </a:prstGeom>
-        </p:spPr>
-        <p:txBody>
-          <a:bodyPr/>
-          <a:lstStyle>
-            <a:lvl1pPr marL="0" indent="0" algn="l" defTabSz="914400" rtl="0" eaLnBrk="1" latinLnBrk="0" hangingPunct="1">
-              <a:spcBef>
-                <a:spcPct val="20000"/>
-              </a:spcBef>
-              <a:buFont typeface="Arial" pitchFamily="34" charset="0"/>
-              <a:buNone/>
-              <a:defRPr sz="2400" kern="1200">
-                <a:solidFill>
-                  <a:schemeClr val="tx1"/>
-                </a:solidFill>
-                <a:latin typeface="Minya Nouvelle" pitchFamily="2" charset="0"/>
-                <a:ea typeface="+mn-ea"/>
-                <a:cs typeface="+mn-cs"/>
-              </a:defRPr>
-            </a:lvl1pPr>
-            <a:lvl2pPr marL="457200" indent="0" algn="ctr" defTabSz="914400" rtl="0" eaLnBrk="1" latinLnBrk="0" hangingPunct="1">
-              <a:spcBef>
-                <a:spcPct val="20000"/>
-              </a:spcBef>
-              <a:buFont typeface="Arial" pitchFamily="34" charset="0"/>
-              <a:buNone/>
-              <a:defRPr sz="2800" kern="1200">
-                <a:solidFill>
-                  <a:schemeClr val="tx1">
-                    <a:tint val="75000"/>
-                  </a:schemeClr>
-                </a:solidFill>
-                <a:latin typeface="+mn-lt"/>
-                <a:ea typeface="+mn-ea"/>
-                <a:cs typeface="+mn-cs"/>
-              </a:defRPr>
-            </a:lvl2pPr>
-            <a:lvl3pPr marL="914400" indent="0" algn="ctr" defTabSz="914400" rtl="0" eaLnBrk="1" latinLnBrk="0" hangingPunct="1">
-              <a:spcBef>
-                <a:spcPct val="20000"/>
-              </a:spcBef>
-              <a:buFont typeface="Arial" pitchFamily="34" charset="0"/>
-              <a:buNone/>
-              <a:defRPr sz="2400" kern="1200">
-                <a:solidFill>
-                  <a:schemeClr val="tx1">
-                    <a:tint val="75000"/>
-                  </a:schemeClr>
-                </a:solidFill>
-                <a:latin typeface="+mn-lt"/>
-                <a:ea typeface="+mn-ea"/>
-                <a:cs typeface="+mn-cs"/>
-              </a:defRPr>
-            </a:lvl3pPr>
-            <a:lvl4pPr marL="1371600" indent="0" algn="ctr" defTabSz="914400" rtl="0" eaLnBrk="1" latinLnBrk="0" hangingPunct="1">
-              <a:spcBef>
-                <a:spcPct val="20000"/>
-              </a:spcBef>
-              <a:buFont typeface="Arial" pitchFamily="34" charset="0"/>
-              <a:buNone/>
-              <a:defRPr sz="2000" kern="1200">
-                <a:solidFill>
-                  <a:schemeClr val="tx1">
-                    <a:tint val="75000"/>
-                  </a:schemeClr>
-                </a:solidFill>
-                <a:latin typeface="+mn-lt"/>
-                <a:ea typeface="+mn-ea"/>
-                <a:cs typeface="+mn-cs"/>
-              </a:defRPr>
-            </a:lvl4pPr>
-            <a:lvl5pPr marL="1828800" indent="0" algn="ctr" defTabSz="914400" rtl="0" eaLnBrk="1" latinLnBrk="0" hangingPunct="1">
-              <a:spcBef>
-                <a:spcPct val="20000"/>
-              </a:spcBef>
-              <a:buFont typeface="Arial" pitchFamily="34" charset="0"/>
-              <a:buNone/>
-              <a:defRPr sz="2000" kern="1200">
-                <a:solidFill>
-                  <a:schemeClr val="tx1">
-                    <a:tint val="75000"/>
-                  </a:schemeClr>
-                </a:solidFill>
-                <a:latin typeface="+mn-lt"/>
-                <a:ea typeface="+mn-ea"/>
-                <a:cs typeface="+mn-cs"/>
-              </a:defRPr>
-            </a:lvl5pPr>
-            <a:lvl6pPr marL="2286000" indent="0" algn="ctr" defTabSz="914400" rtl="0" eaLnBrk="1" latinLnBrk="0" hangingPunct="1">
-              <a:spcBef>
-                <a:spcPct val="20000"/>
-              </a:spcBef>
-              <a:buFont typeface="Arial" pitchFamily="34" charset="0"/>
-              <a:buNone/>
-              <a:defRPr sz="2000" kern="1200">
-                <a:solidFill>
-                  <a:schemeClr val="tx1">
-                    <a:tint val="75000"/>
-                  </a:schemeClr>
-                </a:solidFill>
-                <a:latin typeface="+mn-lt"/>
-                <a:ea typeface="+mn-ea"/>
-                <a:cs typeface="+mn-cs"/>
-              </a:defRPr>
-            </a:lvl6pPr>
-            <a:lvl7pPr marL="2743200" indent="0" algn="ctr" defTabSz="914400" rtl="0" eaLnBrk="1" latinLnBrk="0" hangingPunct="1">
-              <a:spcBef>
-                <a:spcPct val="20000"/>
-              </a:spcBef>
-              <a:buFont typeface="Arial" pitchFamily="34" charset="0"/>
-              <a:buNone/>
-              <a:defRPr sz="2000" kern="1200">
-                <a:solidFill>
-                  <a:schemeClr val="tx1">
-                    <a:tint val="75000"/>
-                  </a:schemeClr>
-                </a:solidFill>
-                <a:latin typeface="+mn-lt"/>
-                <a:ea typeface="+mn-ea"/>
-                <a:cs typeface="+mn-cs"/>
-              </a:defRPr>
-            </a:lvl7pPr>
-            <a:lvl8pPr marL="3200400" indent="0" algn="ctr" defTabSz="914400" rtl="0" eaLnBrk="1" latinLnBrk="0" hangingPunct="1">
-              <a:spcBef>
-                <a:spcPct val="20000"/>
-              </a:spcBef>
-              <a:buFont typeface="Arial" pitchFamily="34" charset="0"/>
-              <a:buNone/>
-              <a:defRPr sz="2000" kern="1200">
-                <a:solidFill>
-                  <a:schemeClr val="tx1">
-                    <a:tint val="75000"/>
-                  </a:schemeClr>
-                </a:solidFill>
-                <a:latin typeface="+mn-lt"/>
-                <a:ea typeface="+mn-ea"/>
-                <a:cs typeface="+mn-cs"/>
-              </a:defRPr>
-            </a:lvl8pPr>
-            <a:lvl9pPr marL="3657600" indent="0" algn="ctr" defTabSz="914400" rtl="0" eaLnBrk="1" latinLnBrk="0" hangingPunct="1">
-              <a:spcBef>
-                <a:spcPct val="20000"/>
-              </a:spcBef>
-              <a:buFont typeface="Arial" pitchFamily="34" charset="0"/>
-              <a:buNone/>
-              <a:defRPr sz="2000" kern="1200">
-                <a:solidFill>
-                  <a:schemeClr val="tx1">
-                    <a:tint val="75000"/>
-                  </a:schemeClr>
-                </a:solidFill>
-                <a:latin typeface="+mn-lt"/>
-                <a:ea typeface="+mn-ea"/>
-                <a:cs typeface="+mn-cs"/>
-              </a:defRPr>
-            </a:lvl9pPr>
-          </a:lstStyle>
-          <a:p>
-            <a:r>
-              <a:rPr lang="sv-SE" dirty="0" smtClean="0"/>
-              <a:t>Vi får </a:t>
-            </a:r>
-            <a:r>
-              <a:rPr lang="sv-SE" dirty="0" err="1" smtClean="0"/>
-              <a:t>refrenser</a:t>
-            </a:r>
-            <a:r>
-              <a:rPr lang="sv-SE" dirty="0" smtClean="0"/>
-              <a:t> till noderna direkt i </a:t>
-            </a:r>
-            <a:r>
-              <a:rPr lang="sv-SE" dirty="0" err="1" smtClean="0"/>
-              <a:t>DOMen</a:t>
-            </a:r>
-            <a:r>
-              <a:rPr lang="sv-SE" dirty="0" smtClean="0"/>
-              <a:t>. Vi får alltså </a:t>
-            </a:r>
-            <a:r>
-              <a:rPr lang="sv-SE" u="sng" dirty="0" smtClean="0"/>
-              <a:t>inte</a:t>
-            </a:r>
-            <a:r>
-              <a:rPr lang="sv-SE" dirty="0" smtClean="0"/>
-              <a:t> en kopia av noderna.</a:t>
-            </a:r>
-          </a:p>
-        </p:txBody>
-      </p:sp>
-      <p:pic>
-        <p:nvPicPr>
-          <p:cNvPr id="6" name="Picture 3" descr="P:\Icons\48x48\shadow\text_tree.png"/>
-          <p:cNvPicPr>
-            <a:picLocks noChangeAspect="1" noChangeArrowheads="1"/>
-          </p:cNvPicPr>
-          <p:nvPr/>
-        </p:nvPicPr>
-        <p:blipFill>
-          <a:blip r:embed="rId2">
-            <a:extLst>
-              <a:ext uri="{28A0092B-C50C-407E-A947-70E740481C1C}">
-                <a14:useLocalDpi xmlns:a14="http://schemas.microsoft.com/office/drawing/2010/main" val="0"/>
-              </a:ext>
-            </a:extLst>
-          </a:blip>
-          <a:srcRect/>
-          <a:stretch>
-            <a:fillRect/>
-          </a:stretch>
-        </p:blipFill>
-        <p:spPr bwMode="auto">
-          <a:xfrm>
-            <a:off x="8244408" y="265212"/>
-            <a:ext cx="617538" cy="617537"/>
-          </a:xfrm>
-          <a:prstGeom prst="rect">
-            <a:avLst/>
-          </a:prstGeom>
-          <a:noFill/>
-          <a:extLst>
-            <a:ext uri="{909E8E84-426E-40DD-AFC4-6F175D3DCCD1}">
-              <a14:hiddenFill xmlns:a14="http://schemas.microsoft.com/office/drawing/2010/main">
-                <a:solidFill>
-                  <a:srgbClr val="FFFFFF"/>
-                </a:solidFill>
-              </a14:hiddenFill>
-            </a:ext>
-          </a:extLst>
-        </p:spPr>
-      </p:pic>
-    </p:spTree>
-    <p:extLst>
-      <p:ext uri="{BB962C8B-B14F-4D97-AF65-F5344CB8AC3E}">
-        <p14:creationId xmlns:p14="http://schemas.microsoft.com/office/powerpoint/2010/main" val="2953897707"/>
-      </p:ext>
-    </p:extLst>
-  </p:cSld>
-  <p:clrMapOvr>
-    <a:masterClrMapping/>
-  </p:clrMapOvr>
-  <p:timing>
-    <p:tnLst>
-      <p:par>
-        <p:cTn id="1" dur="indefinite" restart="never" nodeType="tmRoot"/>
-      </p:par>
-    </p:tnLst>
-  </p:timing>
-</p:sld>
-</file>
-
-<file path=ppt/slides/slide11.xml><?xml version="1.0" encoding="utf-8"?>
 <p:sld xmlns:a="http://schemas.openxmlformats.org/drawingml/2006/main" xmlns:r="http://schemas.openxmlformats.org/officeDocument/2006/relationships" xmlns:p="http://schemas.openxmlformats.org/presentationml/2006/main">
   <p:cSld>
     <p:spTree>
@@ -9806,7 +8836,7 @@
           </a:prstGeom>
           <a:noFill/>
           <a:extLst>
-            <a:ext uri="{909E8E84-426E-40DD-AFC4-6F175D3DCCD1}">
+            <a:ext uri="{909E8E84-426E-40dd-AFC4-6F175D3DCCD1}">
               <a14:hiddenFill xmlns:a14="http://schemas.microsoft.com/office/drawing/2010/main">
                 <a:solidFill>
                   <a:srgbClr val="FFFFFF"/>
@@ -9829,14 +8859,14 @@
   <p:timing>
     <p:tnLst>
       <p:par>
-        <p:cTn id="1" dur="indefinite" restart="never" nodeType="tmRoot"/>
+        <p:cTn xmlns:p14="http://schemas.microsoft.com/office/powerpoint/2010/main" id="1" dur="indefinite" restart="never" nodeType="tmRoot"/>
       </p:par>
     </p:tnLst>
   </p:timing>
 </p:sld>
 </file>
 
-<file path=ppt/slides/slide12.xml><?xml version="1.0" encoding="utf-8"?>
+<file path=ppt/slides/slide11.xml><?xml version="1.0" encoding="utf-8"?>
 <p:sld xmlns:a="http://schemas.openxmlformats.org/drawingml/2006/main" xmlns:r="http://schemas.openxmlformats.org/officeDocument/2006/relationships" xmlns:p="http://schemas.openxmlformats.org/presentationml/2006/main">
   <p:cSld>
     <p:spTree>
@@ -9932,7 +8962,7 @@
         </p:nvGraphicFramePr>
         <p:xfrm>
           <a:off x="394146" y="1921396"/>
-          <a:ext cx="8282310" cy="1944624"/>
+          <a:ext cx="8282310" cy="1944623"/>
         </p:xfrm>
         <a:graphic>
           <a:graphicData uri="http://schemas.openxmlformats.org/drawingml/2006/table">
@@ -10156,34 +9186,7 @@
                           </a:ln>
                           <a:effectLst/>
                         </a:rPr>
-                        <a:t>Returnerar </a:t>
-                      </a:r>
-                      <a:r>
-                        <a:rPr kumimoji="0" lang="sv-SE" sz="1400" u="none" strike="noStrike" cap="none" normalizeH="0" baseline="0" dirty="0" smtClean="0">
-                          <a:ln>
-                            <a:noFill/>
-                          </a:ln>
-                          <a:effectLst/>
-                        </a:rPr>
-                        <a:t>första </a:t>
-                      </a:r>
-                      <a:r>
-                        <a:rPr kumimoji="0" lang="sv-SE" sz="1400" u="none" strike="noStrike" cap="none" normalizeH="0" baseline="0" dirty="0" smtClean="0">
-                          <a:ln>
-                            <a:noFill/>
-                          </a:ln>
-                          <a:effectLst/>
-                        </a:rPr>
-                        <a:t>nod som stämmer mot selektorn</a:t>
-                      </a:r>
-                      <a:r>
-                        <a:rPr kumimoji="0" lang="sv-SE" sz="1400" u="none" strike="noStrike" cap="none" normalizeH="0" baseline="0" dirty="0" smtClean="0">
-                          <a:ln>
-                            <a:noFill/>
-                          </a:ln>
-                          <a:effectLst/>
-                        </a:rPr>
-                        <a:t>.</a:t>
+                        <a:t>Returnerar första nod som stämmer mot selektorn.</a:t>
                       </a:r>
                       <a:br>
                         <a:rPr kumimoji="0" lang="sv-SE" sz="1400" u="none" strike="noStrike" cap="none" normalizeH="0" baseline="0" dirty="0" smtClean="0">
@@ -10201,15 +9204,6 @@
                           <a:effectLst/>
                         </a:rPr>
                         <a:t>Kastar undantag vid syntaxfel eller okänd selektor.</a:t>
-                      </a:r>
-                      <a:r>
-                        <a:rPr kumimoji="0" lang="sv-SE" sz="1400" u="none" strike="noStrike" cap="none" normalizeH="0" baseline="0" dirty="0" smtClean="0">
-                          <a:ln>
-                            <a:noFill/>
-                          </a:ln>
-                          <a:effectLst/>
-                        </a:rPr>
-                        <a:t/>
                       </a:r>
                       <a:br>
                         <a:rPr kumimoji="0" lang="sv-SE" sz="1400" u="none" strike="noStrike" cap="none" normalizeH="0" baseline="0" dirty="0" smtClean="0">
@@ -10250,25 +9244,7 @@
                           </a:ln>
                           <a:effectLst/>
                         </a:rPr>
-                        <a:t>Internet </a:t>
-                      </a:r>
-                      <a:r>
-                        <a:rPr kumimoji="0" lang="sv-SE" sz="1400" i="1" u="none" strike="noStrike" cap="none" normalizeH="0" baseline="0" dirty="0" smtClean="0">
-                          <a:ln>
-                            <a:noFill/>
-                          </a:ln>
-                          <a:effectLst/>
-                        </a:rPr>
-                        <a:t>Explorer 8</a:t>
-                      </a:r>
-                      <a:r>
-                        <a:rPr kumimoji="0" lang="sv-SE" sz="1400" i="1" u="none" strike="noStrike" cap="none" normalizeH="0" baseline="0" dirty="0" smtClean="0">
-                          <a:ln>
-                            <a:noFill/>
-                          </a:ln>
-                          <a:effectLst/>
-                        </a:rPr>
-                        <a:t>+</a:t>
+                        <a:t>Internet Explorer 8+</a:t>
                       </a:r>
                     </a:p>
                   </a:txBody>
@@ -10600,7 +9576,7 @@
           </a:prstGeom>
           <a:noFill/>
           <a:extLst>
-            <a:ext uri="{909E8E84-426E-40DD-AFC4-6F175D3DCCD1}">
+            <a:ext uri="{909E8E84-426E-40dd-AFC4-6F175D3DCCD1}">
               <a14:hiddenFill xmlns:a14="http://schemas.microsoft.com/office/drawing/2010/main">
                 <a:solidFill>
                   <a:srgbClr val="FFFFFF"/>
@@ -10644,9 +9620,6 @@
               </a:rPr>
               <a:t>: Kap. 11</a:t>
             </a:r>
-            <a:endParaRPr lang="sv-SE" dirty="0" smtClean="0">
-              <a:latin typeface="Minya Nouvelle" pitchFamily="2" charset="0"/>
-            </a:endParaRPr>
           </a:p>
         </p:txBody>
       </p:sp>
@@ -10660,7 +9633,7 @@
         </p:nvSpPr>
         <p:spPr>
           <a:xfrm>
-            <a:off x="899592" y="4153644"/>
+            <a:off x="899592" y="3937620"/>
             <a:ext cx="7128792" cy="1060740"/>
           </a:xfrm>
           <a:prstGeom prst="rect">
@@ -10915,10 +9888,6 @@
               </a:rPr>
               <a:t>);</a:t>
             </a:r>
-            <a:endParaRPr lang="sv-SE" sz="1400" dirty="0" smtClean="0">
-              <a:latin typeface="Courier New" pitchFamily="49" charset="0"/>
-              <a:cs typeface="Courier New" pitchFamily="49" charset="0"/>
-            </a:endParaRPr>
           </a:p>
         </p:txBody>
       </p:sp>
@@ -10935,10 +9904,132 @@
   <p:timing>
     <p:tnLst>
       <p:par>
-        <p:cTn id="1" dur="indefinite" restart="never" nodeType="tmRoot"/>
+        <p:cTn xmlns:p14="http://schemas.microsoft.com/office/powerpoint/2010/main" id="1" dur="indefinite" restart="never" nodeType="tmRoot"/>
       </p:par>
     </p:tnLst>
   </p:timing>
+</p:sld>
+</file>
+
+<file path=ppt/slides/slide12.xml><?xml version="1.0" encoding="utf-8"?>
+<p:sld xmlns:a="http://schemas.openxmlformats.org/drawingml/2006/main" xmlns:r="http://schemas.openxmlformats.org/officeDocument/2006/relationships" xmlns:p="http://schemas.openxmlformats.org/presentationml/2006/main">
+  <p:cSld>
+    <p:spTree>
+      <p:nvGrpSpPr>
+        <p:cNvPr id="1" name=""/>
+        <p:cNvGrpSpPr/>
+        <p:nvPr/>
+      </p:nvGrpSpPr>
+      <p:grpSpPr>
+        <a:xfrm>
+          <a:off x="0" y="0"/>
+          <a:ext cx="0" cy="0"/>
+          <a:chOff x="0" y="0"/>
+          <a:chExt cx="0" cy="0"/>
+        </a:xfrm>
+      </p:grpSpPr>
+      <p:sp>
+        <p:nvSpPr>
+          <p:cNvPr id="2" name="Title 1"/>
+          <p:cNvSpPr>
+            <a:spLocks noGrp="1"/>
+          </p:cNvSpPr>
+          <p:nvPr>
+            <p:ph type="ctrTitle"/>
+          </p:nvPr>
+        </p:nvSpPr>
+        <p:spPr/>
+        <p:txBody>
+          <a:bodyPr/>
+          <a:lstStyle/>
+          <a:p>
+            <a:r>
+              <a:rPr lang="en-US" dirty="0" err="1" smtClean="0"/>
+              <a:t>NodeList</a:t>
+            </a:r>
+            <a:r>
+              <a:rPr lang="en-US" dirty="0" smtClean="0"/>
+              <a:t> != Array</a:t>
+            </a:r>
+            <a:endParaRPr lang="en-US" dirty="0"/>
+          </a:p>
+        </p:txBody>
+      </p:sp>
+      <p:sp>
+        <p:nvSpPr>
+          <p:cNvPr id="4" name="Rectangle 3"/>
+          <p:cNvSpPr/>
+          <p:nvPr/>
+        </p:nvSpPr>
+        <p:spPr>
+          <a:xfrm>
+            <a:off x="271903" y="5140944"/>
+            <a:ext cx="6336704" cy="369332"/>
+          </a:xfrm>
+          <a:prstGeom prst="rect">
+            <a:avLst/>
+          </a:prstGeom>
+        </p:spPr>
+        <p:txBody>
+          <a:bodyPr wrap="square">
+            <a:spAutoFit/>
+          </a:bodyPr>
+          <a:lstStyle/>
+          <a:p>
+            <a:r>
+              <a:rPr lang="en-US" dirty="0"/>
+              <a:t>https://</a:t>
+            </a:r>
+            <a:r>
+              <a:rPr lang="en-US" dirty="0" err="1"/>
+              <a:t>developer.mozilla.org</a:t>
+            </a:r>
+            <a:r>
+              <a:rPr lang="en-US" dirty="0"/>
+              <a:t>/en-US/docs/Web/API/</a:t>
+            </a:r>
+            <a:r>
+              <a:rPr lang="en-US" dirty="0" err="1"/>
+              <a:t>NodeList</a:t>
+            </a:r>
+            <a:endParaRPr lang="en-US" dirty="0"/>
+          </a:p>
+        </p:txBody>
+      </p:sp>
+      <p:pic>
+        <p:nvPicPr>
+          <p:cNvPr id="5" name="Picture 4"/>
+          <p:cNvPicPr>
+            <a:picLocks noChangeAspect="1"/>
+          </p:cNvPicPr>
+          <p:nvPr/>
+        </p:nvPicPr>
+        <p:blipFill>
+          <a:blip r:embed="rId3"/>
+          <a:stretch>
+            <a:fillRect/>
+          </a:stretch>
+        </p:blipFill>
+        <p:spPr>
+          <a:xfrm>
+            <a:off x="1331640" y="1345332"/>
+            <a:ext cx="6360492" cy="3009112"/>
+          </a:xfrm>
+          <a:prstGeom prst="rect">
+            <a:avLst/>
+          </a:prstGeom>
+        </p:spPr>
+      </p:pic>
+    </p:spTree>
+    <p:extLst>
+      <p:ext uri="{BB962C8B-B14F-4D97-AF65-F5344CB8AC3E}">
+        <p14:creationId xmlns:p14="http://schemas.microsoft.com/office/powerpoint/2010/main" val="675918346"/>
+      </p:ext>
+    </p:extLst>
+  </p:cSld>
+  <p:clrMapOvr>
+    <a:masterClrMapping/>
+  </p:clrMapOvr>
 </p:sld>
 </file>
 
@@ -11933,7 +11024,7 @@
           </a:prstGeom>
           <a:noFill/>
           <a:extLst>
-            <a:ext uri="{909E8E84-426E-40DD-AFC4-6F175D3DCCD1}">
+            <a:ext uri="{909E8E84-426E-40dd-AFC4-6F175D3DCCD1}">
               <a14:hiddenFill xmlns:a14="http://schemas.microsoft.com/office/drawing/2010/main">
                 <a:solidFill>
                   <a:srgbClr val="FFFFFF"/>
@@ -12312,7 +11403,7 @@
   <p:timing>
     <p:tnLst>
       <p:par>
-        <p:cTn id="1" dur="indefinite" restart="never" nodeType="tmRoot">
+        <p:cTn xmlns:p14="http://schemas.microsoft.com/office/powerpoint/2010/main" id="1" dur="indefinite" restart="never" nodeType="tmRoot">
           <p:childTnLst>
             <p:seq concurrent="1" nextAc="seek">
               <p:cTn id="2" dur="indefinite" nodeType="mainSeq">
@@ -13793,7 +12884,7 @@
           </a:prstGeom>
           <a:noFill/>
           <a:extLst>
-            <a:ext uri="{909E8E84-426E-40DD-AFC4-6F175D3DCCD1}">
+            <a:ext uri="{909E8E84-426E-40dd-AFC4-6F175D3DCCD1}">
               <a14:hiddenFill xmlns:a14="http://schemas.microsoft.com/office/drawing/2010/main">
                 <a:solidFill>
                   <a:srgbClr val="FFFFFF"/>
@@ -14019,7 +13110,7 @@
   <p:timing>
     <p:tnLst>
       <p:par>
-        <p:cTn id="1" dur="indefinite" restart="never" nodeType="tmRoot">
+        <p:cTn xmlns:p14="http://schemas.microsoft.com/office/powerpoint/2010/main" id="1" dur="indefinite" restart="never" nodeType="tmRoot">
           <p:childTnLst>
             <p:seq concurrent="1" nextAc="seek">
               <p:cTn id="2" dur="indefinite" nodeType="mainSeq">
@@ -15574,7 +14665,7 @@
           </a:prstGeom>
           <a:noFill/>
           <a:extLst>
-            <a:ext uri="{909E8E84-426E-40DD-AFC4-6F175D3DCCD1}">
+            <a:ext uri="{909E8E84-426E-40dd-AFC4-6F175D3DCCD1}">
               <a14:hiddenFill xmlns:a14="http://schemas.microsoft.com/office/drawing/2010/main">
                 <a:solidFill>
                   <a:srgbClr val="FFFFFF"/>
@@ -15597,7 +14688,7 @@
   <p:timing>
     <p:tnLst>
       <p:par>
-        <p:cTn id="1" dur="indefinite" restart="never" nodeType="tmRoot"/>
+        <p:cTn xmlns:p14="http://schemas.microsoft.com/office/powerpoint/2010/main" id="1" dur="indefinite" restart="never" nodeType="tmRoot"/>
       </p:par>
     </p:tnLst>
   </p:timing>
@@ -16283,7 +15374,7 @@
           </a:prstGeom>
           <a:noFill/>
           <a:extLst>
-            <a:ext uri="{909E8E84-426E-40DD-AFC4-6F175D3DCCD1}">
+            <a:ext uri="{909E8E84-426E-40dd-AFC4-6F175D3DCCD1}">
               <a14:hiddenFill xmlns:a14="http://schemas.microsoft.com/office/drawing/2010/main">
                 <a:solidFill>
                   <a:srgbClr val="FFFFFF"/>
@@ -16306,7 +15397,7 @@
   <p:timing>
     <p:tnLst>
       <p:par>
-        <p:cTn id="1" dur="indefinite" restart="never" nodeType="tmRoot"/>
+        <p:cTn xmlns:p14="http://schemas.microsoft.com/office/powerpoint/2010/main" id="1" dur="indefinite" restart="never" nodeType="tmRoot"/>
       </p:par>
     </p:tnLst>
   </p:timing>
@@ -16953,7 +16044,7 @@
           </a:prstGeom>
           <a:noFill/>
           <a:extLst>
-            <a:ext uri="{909E8E84-426E-40DD-AFC4-6F175D3DCCD1}">
+            <a:ext uri="{909E8E84-426E-40dd-AFC4-6F175D3DCCD1}">
               <a14:hiddenFill xmlns:a14="http://schemas.microsoft.com/office/drawing/2010/main">
                 <a:solidFill>
                   <a:srgbClr val="FFFFFF"/>
@@ -16994,7 +16085,7 @@
           </a:prstGeom>
           <a:noFill/>
           <a:extLst>
-            <a:ext uri="{909E8E84-426E-40DD-AFC4-6F175D3DCCD1}">
+            <a:ext uri="{909E8E84-426E-40dd-AFC4-6F175D3DCCD1}">
               <a14:hiddenFill xmlns:a14="http://schemas.microsoft.com/office/drawing/2010/main">
                 <a:solidFill>
                   <a:srgbClr val="FFFFFF"/>
@@ -17077,7 +16168,7 @@
           </a:prstGeom>
           <a:noFill/>
           <a:extLst>
-            <a:ext uri="{909E8E84-426E-40DD-AFC4-6F175D3DCCD1}">
+            <a:ext uri="{909E8E84-426E-40dd-AFC4-6F175D3DCCD1}">
               <a14:hiddenFill xmlns:a14="http://schemas.microsoft.com/office/drawing/2010/main">
                 <a:solidFill>
                   <a:srgbClr val="FFFFFF"/>
@@ -17100,7 +16191,7 @@
   <p:timing>
     <p:tnLst>
       <p:par>
-        <p:cTn id="1" dur="indefinite" restart="never" nodeType="tmRoot">
+        <p:cTn xmlns:p14="http://schemas.microsoft.com/office/powerpoint/2010/main" id="1" dur="indefinite" restart="never" nodeType="tmRoot">
           <p:childTnLst>
             <p:seq concurrent="1" nextAc="seek">
               <p:cTn id="2" dur="indefinite" nodeType="mainSeq">
@@ -17434,7 +16525,7 @@
           </a:prstGeom>
           <a:noFill/>
           <a:extLst>
-            <a:ext uri="{909E8E84-426E-40DD-AFC4-6F175D3DCCD1}">
+            <a:ext uri="{909E8E84-426E-40dd-AFC4-6F175D3DCCD1}">
               <a14:hiddenFill xmlns:a14="http://schemas.microsoft.com/office/drawing/2010/main">
                 <a:solidFill>
                   <a:srgbClr val="FFFFFF"/>
@@ -17457,7 +16548,7 @@
   <p:timing>
     <p:tnLst>
       <p:par>
-        <p:cTn id="1" dur="indefinite" restart="never" nodeType="tmRoot"/>
+        <p:cTn xmlns:p14="http://schemas.microsoft.com/office/powerpoint/2010/main" id="1" dur="indefinite" restart="never" nodeType="tmRoot"/>
       </p:par>
     </p:tnLst>
   </p:timing>
@@ -17909,14 +17000,14 @@
           </a:ln>
           <a:effectLst/>
           <a:extLst>
-            <a:ext uri="{909E8E84-426E-40DD-AFC4-6F175D3DCCD1}">
+            <a:ext uri="{909E8E84-426E-40dd-AFC4-6F175D3DCCD1}">
               <a14:hiddenFill xmlns:a14="http://schemas.microsoft.com/office/drawing/2010/main">
                 <a:solidFill>
                   <a:schemeClr val="accent1"/>
                 </a:solidFill>
               </a14:hiddenFill>
             </a:ext>
-            <a:ext uri="{91240B29-F687-4F45-9708-019B960494DF}">
+            <a:ext uri="{91240B29-F687-4f45-9708-019B960494DF}">
               <a14:hiddenLine xmlns:a14="http://schemas.microsoft.com/office/drawing/2010/main" w="9525">
                 <a:solidFill>
                   <a:schemeClr val="tx1"/>
@@ -17926,7 +17017,7 @@
                 <a:tailEnd/>
               </a14:hiddenLine>
             </a:ext>
-            <a:ext uri="{AF507438-7753-43E0-B8FC-AC1667EBCBE1}">
+            <a:ext uri="{AF507438-7753-43e0-B8FC-AC1667EBCBE1}">
               <a14:hiddenEffects xmlns:a14="http://schemas.microsoft.com/office/drawing/2010/main">
                 <a:effectLst>
                   <a:outerShdw dist="35921" dir="2700000" algn="ctr" rotWithShape="0">
@@ -18008,7 +17099,7 @@
           </a:prstGeom>
           <a:noFill/>
           <a:extLst>
-            <a:ext uri="{909E8E84-426E-40DD-AFC4-6F175D3DCCD1}">
+            <a:ext uri="{909E8E84-426E-40dd-AFC4-6F175D3DCCD1}">
               <a14:hiddenFill xmlns:a14="http://schemas.microsoft.com/office/drawing/2010/main">
                 <a:solidFill>
                   <a:srgbClr val="FFFFFF"/>
@@ -18031,7 +17122,7 @@
   <p:timing>
     <p:tnLst>
       <p:par>
-        <p:cTn id="1" dur="indefinite" restart="never" nodeType="tmRoot">
+        <p:cTn xmlns:p14="http://schemas.microsoft.com/office/powerpoint/2010/main" id="1" dur="indefinite" restart="never" nodeType="tmRoot">
           <p:childTnLst>
             <p:seq concurrent="1" nextAc="seek">
               <p:cTn id="2" dur="indefinite" nodeType="mainSeq">
@@ -18521,7 +17612,7 @@
           </a:prstGeom>
           <a:noFill/>
           <a:extLst>
-            <a:ext uri="{909E8E84-426E-40DD-AFC4-6F175D3DCCD1}">
+            <a:ext uri="{909E8E84-426E-40dd-AFC4-6F175D3DCCD1}">
               <a14:hiddenFill xmlns:a14="http://schemas.microsoft.com/office/drawing/2010/main">
                 <a:solidFill>
                   <a:srgbClr val="FFFFFF"/>
@@ -18539,7 +17630,7 @@
   <p:timing>
     <p:tnLst>
       <p:par>
-        <p:cTn id="1" dur="indefinite" restart="never" nodeType="tmRoot"/>
+        <p:cTn xmlns:p14="http://schemas.microsoft.com/office/powerpoint/2010/main" id="1" dur="indefinite" restart="never" nodeType="tmRoot"/>
       </p:par>
     </p:tnLst>
   </p:timing>
@@ -20154,7 +19245,7 @@
           </a:prstGeom>
           <a:noFill/>
           <a:extLst>
-            <a:ext uri="{909E8E84-426E-40DD-AFC4-6F175D3DCCD1}">
+            <a:ext uri="{909E8E84-426E-40dd-AFC4-6F175D3DCCD1}">
               <a14:hiddenFill xmlns:a14="http://schemas.microsoft.com/office/drawing/2010/main">
                 <a:solidFill>
                   <a:srgbClr val="FFFFFF"/>
@@ -20225,7 +19316,7 @@
   <p:timing>
     <p:tnLst>
       <p:par>
-        <p:cTn id="1" dur="indefinite" restart="never" nodeType="tmRoot"/>
+        <p:cTn xmlns:p14="http://schemas.microsoft.com/office/powerpoint/2010/main" id="1" dur="indefinite" restart="never" nodeType="tmRoot"/>
       </p:par>
     </p:tnLst>
   </p:timing>
@@ -20303,7 +19394,7 @@
           </a:prstGeom>
           <a:noFill/>
           <a:extLst>
-            <a:ext uri="{909E8E84-426E-40DD-AFC4-6F175D3DCCD1}">
+            <a:ext uri="{909E8E84-426E-40dd-AFC4-6F175D3DCCD1}">
               <a14:hiddenFill xmlns:a14="http://schemas.microsoft.com/office/drawing/2010/main">
                 <a:solidFill>
                   <a:srgbClr val="FFFFFF"/>
@@ -21529,7 +20620,7 @@
   <p:timing>
     <p:tnLst>
       <p:par>
-        <p:cTn id="1" dur="indefinite" restart="never" nodeType="tmRoot"/>
+        <p:cTn xmlns:p14="http://schemas.microsoft.com/office/powerpoint/2010/main" id="1" dur="indefinite" restart="never" nodeType="tmRoot"/>
       </p:par>
     </p:tnLst>
   </p:timing>
@@ -21966,7 +21057,7 @@
           </a:prstGeom>
           <a:noFill/>
           <a:extLst>
-            <a:ext uri="{909E8E84-426E-40DD-AFC4-6F175D3DCCD1}">
+            <a:ext uri="{909E8E84-426E-40dd-AFC4-6F175D3DCCD1}">
               <a14:hiddenFill xmlns:a14="http://schemas.microsoft.com/office/drawing/2010/main">
                 <a:solidFill>
                   <a:srgbClr val="FFFFFF"/>
@@ -22074,7 +21165,7 @@
   <p:timing>
     <p:tnLst>
       <p:par>
-        <p:cTn id="1" dur="indefinite" restart="never" nodeType="tmRoot"/>
+        <p:cTn xmlns:p14="http://schemas.microsoft.com/office/powerpoint/2010/main" id="1" dur="indefinite" restart="never" nodeType="tmRoot"/>
       </p:par>
     </p:tnLst>
   </p:timing>
@@ -22152,7 +21243,7 @@
           </a:prstGeom>
           <a:noFill/>
           <a:extLst>
-            <a:ext uri="{909E8E84-426E-40DD-AFC4-6F175D3DCCD1}">
+            <a:ext uri="{909E8E84-426E-40dd-AFC4-6F175D3DCCD1}">
               <a14:hiddenFill xmlns:a14="http://schemas.microsoft.com/office/drawing/2010/main">
                 <a:solidFill>
                   <a:srgbClr val="FFFFFF"/>
@@ -23021,7 +22112,7 @@
           </a:prstGeom>
           <a:noFill/>
           <a:extLst>
-            <a:ext uri="{909E8E84-426E-40DD-AFC4-6F175D3DCCD1}">
+            <a:ext uri="{909E8E84-426E-40dd-AFC4-6F175D3DCCD1}">
               <a14:hiddenFill xmlns:a14="http://schemas.microsoft.com/office/drawing/2010/main">
                 <a:solidFill>
                   <a:srgbClr val="FFFFFF"/>
@@ -23062,7 +22153,7 @@
           </a:prstGeom>
           <a:noFill/>
           <a:extLst>
-            <a:ext uri="{909E8E84-426E-40DD-AFC4-6F175D3DCCD1}">
+            <a:ext uri="{909E8E84-426E-40dd-AFC4-6F175D3DCCD1}">
               <a14:hiddenFill xmlns:a14="http://schemas.microsoft.com/office/drawing/2010/main">
                 <a:solidFill>
                   <a:srgbClr val="FFFFFF"/>
@@ -23103,7 +22194,7 @@
           </a:prstGeom>
           <a:noFill/>
           <a:extLst>
-            <a:ext uri="{909E8E84-426E-40DD-AFC4-6F175D3DCCD1}">
+            <a:ext uri="{909E8E84-426E-40dd-AFC4-6F175D3DCCD1}">
               <a14:hiddenFill xmlns:a14="http://schemas.microsoft.com/office/drawing/2010/main">
                 <a:solidFill>
                   <a:srgbClr val="FFFFFF"/>
@@ -23144,7 +22235,7 @@
           </a:prstGeom>
           <a:noFill/>
           <a:extLst>
-            <a:ext uri="{909E8E84-426E-40DD-AFC4-6F175D3DCCD1}">
+            <a:ext uri="{909E8E84-426E-40dd-AFC4-6F175D3DCCD1}">
               <a14:hiddenFill xmlns:a14="http://schemas.microsoft.com/office/drawing/2010/main">
                 <a:solidFill>
                   <a:srgbClr val="FFFFFF"/>
@@ -23185,7 +22276,7 @@
           </a:prstGeom>
           <a:noFill/>
           <a:extLst>
-            <a:ext uri="{909E8E84-426E-40DD-AFC4-6F175D3DCCD1}">
+            <a:ext uri="{909E8E84-426E-40dd-AFC4-6F175D3DCCD1}">
               <a14:hiddenFill xmlns:a14="http://schemas.microsoft.com/office/drawing/2010/main">
                 <a:solidFill>
                   <a:srgbClr val="FFFFFF"/>
@@ -23226,7 +22317,7 @@
           </a:prstGeom>
           <a:noFill/>
           <a:extLst>
-            <a:ext uri="{909E8E84-426E-40DD-AFC4-6F175D3DCCD1}">
+            <a:ext uri="{909E8E84-426E-40dd-AFC4-6F175D3DCCD1}">
               <a14:hiddenFill xmlns:a14="http://schemas.microsoft.com/office/drawing/2010/main">
                 <a:solidFill>
                   <a:srgbClr val="FFFFFF"/>
@@ -23267,7 +22358,7 @@
           </a:prstGeom>
           <a:noFill/>
           <a:extLst>
-            <a:ext uri="{909E8E84-426E-40DD-AFC4-6F175D3DCCD1}">
+            <a:ext uri="{909E8E84-426E-40dd-AFC4-6F175D3DCCD1}">
               <a14:hiddenFill xmlns:a14="http://schemas.microsoft.com/office/drawing/2010/main">
                 <a:solidFill>
                   <a:srgbClr val="FFFFFF"/>
@@ -23339,7 +22430,7 @@
           </a:prstGeom>
           <a:noFill/>
           <a:extLst>
-            <a:ext uri="{909E8E84-426E-40DD-AFC4-6F175D3DCCD1}">
+            <a:ext uri="{909E8E84-426E-40dd-AFC4-6F175D3DCCD1}">
               <a14:hiddenFill xmlns:a14="http://schemas.microsoft.com/office/drawing/2010/main">
                 <a:solidFill>
                   <a:srgbClr val="FFFFFF"/>
@@ -23393,7 +22484,7 @@
   <p:timing>
     <p:tnLst>
       <p:par>
-        <p:cTn id="1" dur="indefinite" restart="never" nodeType="tmRoot">
+        <p:cTn xmlns:p14="http://schemas.microsoft.com/office/powerpoint/2010/main" id="1" dur="indefinite" restart="never" nodeType="tmRoot">
           <p:childTnLst>
             <p:seq concurrent="1" nextAc="seek">
               <p:cTn id="2" dur="indefinite" nodeType="mainSeq">
@@ -24126,7 +23217,7 @@
           </a:prstGeom>
           <a:noFill/>
           <a:extLst>
-            <a:ext uri="{909E8E84-426E-40DD-AFC4-6F175D3DCCD1}">
+            <a:ext uri="{909E8E84-426E-40dd-AFC4-6F175D3DCCD1}">
               <a14:hiddenFill xmlns:a14="http://schemas.microsoft.com/office/drawing/2010/main">
                 <a:solidFill>
                   <a:srgbClr val="FFFFFF"/>
@@ -24986,7 +24077,7 @@
   <p:timing>
     <p:tnLst>
       <p:par>
-        <p:cTn id="1" dur="indefinite" restart="never" nodeType="tmRoot"/>
+        <p:cTn xmlns:p14="http://schemas.microsoft.com/office/powerpoint/2010/main" id="1" dur="indefinite" restart="never" nodeType="tmRoot"/>
       </p:par>
     </p:tnLst>
   </p:timing>
@@ -25248,14 +24339,7 @@
                 <a:latin typeface="Courier New" pitchFamily="49" charset="0"/>
                 <a:cs typeface="Courier New" pitchFamily="49" charset="0"/>
               </a:rPr>
-              <a:t> += "</a:t>
-            </a:r>
-            <a:r>
-              <a:rPr lang="sv-SE" sz="1400" dirty="0" smtClean="0">
-                <a:latin typeface="Courier New" pitchFamily="49" charset="0"/>
-                <a:cs typeface="Courier New" pitchFamily="49" charset="0"/>
-              </a:rPr>
-              <a:t>Flash </a:t>
+              <a:t> += "Flash </a:t>
             </a:r>
             <a:r>
               <a:rPr lang="sv-SE" sz="1400" dirty="0" err="1" smtClean="0">
@@ -25571,14 +24655,7 @@
                 <a:latin typeface="Courier New" pitchFamily="49" charset="0"/>
                 <a:cs typeface="Courier New" pitchFamily="49" charset="0"/>
               </a:rPr>
-              <a:t> += "</a:t>
-            </a:r>
-            <a:r>
-              <a:rPr lang="sv-SE" sz="1400" dirty="0" smtClean="0">
-                <a:latin typeface="Courier New" pitchFamily="49" charset="0"/>
-                <a:cs typeface="Courier New" pitchFamily="49" charset="0"/>
-              </a:rPr>
-              <a:t>Flash </a:t>
+              <a:t> += "Flash </a:t>
             </a:r>
             <a:r>
               <a:rPr lang="sv-SE" sz="1400" dirty="0" err="1" smtClean="0">
@@ -26039,7 +25116,7 @@
           </a:prstGeom>
           <a:noFill/>
           <a:extLst>
-            <a:ext uri="{909E8E84-426E-40DD-AFC4-6F175D3DCCD1}">
+            <a:ext uri="{909E8E84-426E-40dd-AFC4-6F175D3DCCD1}">
               <a14:hiddenFill xmlns:a14="http://schemas.microsoft.com/office/drawing/2010/main">
                 <a:solidFill>
                   <a:srgbClr val="FFFFFF"/>
@@ -26062,7 +25139,7 @@
   <p:timing>
     <p:tnLst>
       <p:par>
-        <p:cTn id="1" dur="indefinite" restart="never" nodeType="tmRoot"/>
+        <p:cTn xmlns:p14="http://schemas.microsoft.com/office/powerpoint/2010/main" id="1" dur="indefinite" restart="never" nodeType="tmRoot"/>
       </p:par>
     </p:tnLst>
   </p:timing>
@@ -26187,7 +25264,7 @@
           </a:prstGeom>
           <a:noFill/>
           <a:extLst>
-            <a:ext uri="{909E8E84-426E-40DD-AFC4-6F175D3DCCD1}">
+            <a:ext uri="{909E8E84-426E-40dd-AFC4-6F175D3DCCD1}">
               <a14:hiddenFill xmlns:a14="http://schemas.microsoft.com/office/drawing/2010/main">
                 <a:solidFill>
                   <a:srgbClr val="FFFFFF"/>
@@ -26948,7 +26025,7 @@
   <p:timing>
     <p:tnLst>
       <p:par>
-        <p:cTn id="1" dur="indefinite" restart="never" nodeType="tmRoot">
+        <p:cTn xmlns:p14="http://schemas.microsoft.com/office/powerpoint/2010/main" id="1" dur="indefinite" restart="never" nodeType="tmRoot">
           <p:childTnLst>
             <p:seq concurrent="1" nextAc="seek">
               <p:cTn id="2" dur="indefinite" nodeType="mainSeq">
@@ -27266,7 +26343,7 @@
           </a:prstGeom>
           <a:noFill/>
           <a:extLst>
-            <a:ext uri="{909E8E84-426E-40DD-AFC4-6F175D3DCCD1}">
+            <a:ext uri="{909E8E84-426E-40dd-AFC4-6F175D3DCCD1}">
               <a14:hiddenFill xmlns:a14="http://schemas.microsoft.com/office/drawing/2010/main">
                 <a:solidFill>
                   <a:srgbClr val="FFFFFF"/>
@@ -27335,7 +26412,7 @@
   <p:timing>
     <p:tnLst>
       <p:par>
-        <p:cTn id="1" dur="indefinite" restart="never" nodeType="tmRoot">
+        <p:cTn xmlns:p14="http://schemas.microsoft.com/office/powerpoint/2010/main" id="1" dur="indefinite" restart="never" nodeType="tmRoot">
           <p:childTnLst>
             <p:seq concurrent="1" nextAc="seek">
               <p:cTn id="2" dur="indefinite" nodeType="mainSeq">
@@ -27587,7 +26664,7 @@
           </a:prstGeom>
           <a:noFill/>
           <a:extLst>
-            <a:ext uri="{909E8E84-426E-40DD-AFC4-6F175D3DCCD1}">
+            <a:ext uri="{909E8E84-426E-40dd-AFC4-6F175D3DCCD1}">
               <a14:hiddenFill xmlns:a14="http://schemas.microsoft.com/office/drawing/2010/main">
                 <a:solidFill>
                   <a:srgbClr val="FFFFFF"/>
@@ -29461,7 +28538,7 @@
   <p:timing>
     <p:tnLst>
       <p:par>
-        <p:cTn id="1" dur="indefinite" restart="never" nodeType="tmRoot">
+        <p:cTn xmlns:p14="http://schemas.microsoft.com/office/powerpoint/2010/main" id="1" dur="indefinite" restart="never" nodeType="tmRoot">
           <p:childTnLst>
             <p:seq concurrent="1" nextAc="seek">
               <p:cTn id="2" dur="indefinite" nodeType="mainSeq">
@@ -30594,7 +29671,7 @@
           </a:prstGeom>
           <a:noFill/>
           <a:extLst>
-            <a:ext uri="{909E8E84-426E-40DD-AFC4-6F175D3DCCD1}">
+            <a:ext uri="{909E8E84-426E-40dd-AFC4-6F175D3DCCD1}">
               <a14:hiddenFill xmlns:a14="http://schemas.microsoft.com/office/drawing/2010/main">
                 <a:solidFill>
                   <a:srgbClr val="FFFFFF"/>
@@ -30635,7 +29712,7 @@
           </a:prstGeom>
           <a:noFill/>
           <a:extLst>
-            <a:ext uri="{909E8E84-426E-40DD-AFC4-6F175D3DCCD1}">
+            <a:ext uri="{909E8E84-426E-40dd-AFC4-6F175D3DCCD1}">
               <a14:hiddenFill xmlns:a14="http://schemas.microsoft.com/office/drawing/2010/main">
                 <a:solidFill>
                   <a:srgbClr val="FFFFFF"/>
@@ -30676,7 +29753,7 @@
           </a:prstGeom>
           <a:noFill/>
           <a:extLst>
-            <a:ext uri="{909E8E84-426E-40DD-AFC4-6F175D3DCCD1}">
+            <a:ext uri="{909E8E84-426E-40dd-AFC4-6F175D3DCCD1}">
               <a14:hiddenFill xmlns:a14="http://schemas.microsoft.com/office/drawing/2010/main">
                 <a:solidFill>
                   <a:srgbClr val="FFFFFF"/>
@@ -30717,7 +29794,7 @@
           </a:prstGeom>
           <a:noFill/>
           <a:extLst>
-            <a:ext uri="{909E8E84-426E-40DD-AFC4-6F175D3DCCD1}">
+            <a:ext uri="{909E8E84-426E-40dd-AFC4-6F175D3DCCD1}">
               <a14:hiddenFill xmlns:a14="http://schemas.microsoft.com/office/drawing/2010/main">
                 <a:solidFill>
                   <a:srgbClr val="FFFFFF"/>
@@ -30758,7 +29835,7 @@
           </a:prstGeom>
           <a:noFill/>
           <a:extLst>
-            <a:ext uri="{909E8E84-426E-40DD-AFC4-6F175D3DCCD1}">
+            <a:ext uri="{909E8E84-426E-40dd-AFC4-6F175D3DCCD1}">
               <a14:hiddenFill xmlns:a14="http://schemas.microsoft.com/office/drawing/2010/main">
                 <a:solidFill>
                   <a:srgbClr val="FFFFFF"/>
@@ -31114,7 +30191,7 @@
           </a:prstGeom>
           <a:noFill/>
           <a:extLst>
-            <a:ext uri="{909E8E84-426E-40DD-AFC4-6F175D3DCCD1}">
+            <a:ext uri="{909E8E84-426E-40dd-AFC4-6F175D3DCCD1}">
               <a14:hiddenFill xmlns:a14="http://schemas.microsoft.com/office/drawing/2010/main">
                 <a:solidFill>
                   <a:srgbClr val="FFFFFF"/>
@@ -31137,7 +30214,7 @@
   <p:timing>
     <p:tnLst>
       <p:par>
-        <p:cTn id="1" dur="indefinite" restart="never" nodeType="tmRoot"/>
+        <p:cTn xmlns:p14="http://schemas.microsoft.com/office/powerpoint/2010/main" id="1" dur="indefinite" restart="never" nodeType="tmRoot"/>
       </p:par>
     </p:tnLst>
   </p:timing>
@@ -31145,70 +30222,6 @@
 </file>
 
 <file path=ppt/slides/slide5.xml><?xml version="1.0" encoding="utf-8"?>
-<p:sld xmlns:a="http://schemas.openxmlformats.org/drawingml/2006/main" xmlns:r="http://schemas.openxmlformats.org/officeDocument/2006/relationships" xmlns:p="http://schemas.openxmlformats.org/presentationml/2006/main">
-  <p:cSld>
-    <p:spTree>
-      <p:nvGrpSpPr>
-        <p:cNvPr id="1" name=""/>
-        <p:cNvGrpSpPr/>
-        <p:nvPr/>
-      </p:nvGrpSpPr>
-      <p:grpSpPr>
-        <a:xfrm>
-          <a:off x="0" y="0"/>
-          <a:ext cx="0" cy="0"/>
-          <a:chOff x="0" y="0"/>
-          <a:chExt cx="0" cy="0"/>
-        </a:xfrm>
-      </p:grpSpPr>
-      <p:sp>
-        <p:nvSpPr>
-          <p:cNvPr id="2" name="Title 1"/>
-          <p:cNvSpPr>
-            <a:spLocks noGrp="1"/>
-          </p:cNvSpPr>
-          <p:nvPr>
-            <p:ph type="ctrTitle"/>
-          </p:nvPr>
-        </p:nvSpPr>
-        <p:spPr/>
-        <p:txBody>
-          <a:bodyPr/>
-          <a:lstStyle/>
-          <a:p>
-            <a:r>
-              <a:rPr lang="sv-SE" dirty="0" smtClean="0"/>
-              <a:t>Overall </a:t>
-            </a:r>
-            <a:r>
-              <a:rPr lang="sv-SE" dirty="0" err="1" smtClean="0"/>
-              <a:t>performance</a:t>
-            </a:r>
-            <a:endParaRPr lang="sv-SE" dirty="0"/>
-          </a:p>
-        </p:txBody>
-      </p:sp>
-    </p:spTree>
-    <p:extLst>
-      <p:ext uri="{BB962C8B-B14F-4D97-AF65-F5344CB8AC3E}">
-        <p14:creationId xmlns:p14="http://schemas.microsoft.com/office/powerpoint/2010/main" val="4290779894"/>
-      </p:ext>
-    </p:extLst>
-  </p:cSld>
-  <p:clrMapOvr>
-    <a:masterClrMapping/>
-  </p:clrMapOvr>
-  <p:timing>
-    <p:tnLst>
-      <p:par>
-        <p:cTn id="1" dur="indefinite" restart="never" nodeType="tmRoot"/>
-      </p:par>
-    </p:tnLst>
-  </p:timing>
-</p:sld>
-</file>
-
-<file path=ppt/slides/slide6.xml><?xml version="1.0" encoding="utf-8"?>
 <p:sld xmlns:a="http://schemas.openxmlformats.org/drawingml/2006/main" xmlns:r="http://schemas.openxmlformats.org/officeDocument/2006/relationships" xmlns:p="http://schemas.openxmlformats.org/presentationml/2006/main">
   <p:cSld>
     <p:spTree>
@@ -31320,7 +30333,7 @@
           </a:prstGeom>
           <a:noFill/>
           <a:extLst>
-            <a:ext uri="{909E8E84-426E-40DD-AFC4-6F175D3DCCD1}">
+            <a:ext uri="{909E8E84-426E-40dd-AFC4-6F175D3DCCD1}">
               <a14:hiddenFill xmlns:a14="http://schemas.microsoft.com/office/drawing/2010/main">
                 <a:solidFill>
                   <a:srgbClr val="FFFFFF"/>
@@ -31361,7 +30374,7 @@
           </a:prstGeom>
           <a:noFill/>
           <a:extLst>
-            <a:ext uri="{909E8E84-426E-40DD-AFC4-6F175D3DCCD1}">
+            <a:ext uri="{909E8E84-426E-40dd-AFC4-6F175D3DCCD1}">
               <a14:hiddenFill xmlns:a14="http://schemas.microsoft.com/office/drawing/2010/main">
                 <a:solidFill>
                   <a:srgbClr val="FFFFFF"/>
@@ -31402,7 +30415,7 @@
           </a:prstGeom>
           <a:noFill/>
           <a:extLst>
-            <a:ext uri="{909E8E84-426E-40DD-AFC4-6F175D3DCCD1}">
+            <a:ext uri="{909E8E84-426E-40dd-AFC4-6F175D3DCCD1}">
               <a14:hiddenFill xmlns:a14="http://schemas.microsoft.com/office/drawing/2010/main">
                 <a:solidFill>
                   <a:srgbClr val="FFFFFF"/>
@@ -31443,7 +30456,7 @@
           </a:prstGeom>
           <a:noFill/>
           <a:extLst>
-            <a:ext uri="{909E8E84-426E-40DD-AFC4-6F175D3DCCD1}">
+            <a:ext uri="{909E8E84-426E-40dd-AFC4-6F175D3DCCD1}">
               <a14:hiddenFill xmlns:a14="http://schemas.microsoft.com/office/drawing/2010/main">
                 <a:solidFill>
                   <a:srgbClr val="FFFFFF"/>
@@ -31484,7 +30497,7 @@
           </a:prstGeom>
           <a:noFill/>
           <a:extLst>
-            <a:ext uri="{909E8E84-426E-40DD-AFC4-6F175D3DCCD1}">
+            <a:ext uri="{909E8E84-426E-40dd-AFC4-6F175D3DCCD1}">
               <a14:hiddenFill xmlns:a14="http://schemas.microsoft.com/office/drawing/2010/main">
                 <a:solidFill>
                   <a:srgbClr val="FFFFFF"/>
@@ -31803,7 +30816,7 @@
           </a:prstGeom>
           <a:noFill/>
           <a:extLst>
-            <a:ext uri="{909E8E84-426E-40DD-AFC4-6F175D3DCCD1}">
+            <a:ext uri="{909E8E84-426E-40dd-AFC4-6F175D3DCCD1}">
               <a14:hiddenFill xmlns:a14="http://schemas.microsoft.com/office/drawing/2010/main">
                 <a:solidFill>
                   <a:srgbClr val="FFFFFF"/>
@@ -31845,7 +30858,7 @@
           <a:noFill/>
           <a:effectLst/>
           <a:extLst>
-            <a:ext uri="{909E8E84-426E-40DD-AFC4-6F175D3DCCD1}">
+            <a:ext uri="{909E8E84-426E-40dd-AFC4-6F175D3DCCD1}">
               <a14:hiddenFill xmlns:a14="http://schemas.microsoft.com/office/drawing/2010/main">
                 <a:solidFill>
                   <a:srgbClr val="FFFFFF"/>
@@ -31868,7 +30881,217 @@
   <p:timing>
     <p:tnLst>
       <p:par>
-        <p:cTn id="1" dur="indefinite" restart="never" nodeType="tmRoot"/>
+        <p:cTn xmlns:p14="http://schemas.microsoft.com/office/powerpoint/2010/main" id="1" dur="indefinite" restart="never" nodeType="tmRoot"/>
+      </p:par>
+    </p:tnLst>
+  </p:timing>
+</p:sld>
+</file>
+
+<file path=ppt/slides/slide6.xml><?xml version="1.0" encoding="utf-8"?>
+<p:sld xmlns:a="http://schemas.openxmlformats.org/drawingml/2006/main" xmlns:r="http://schemas.openxmlformats.org/officeDocument/2006/relationships" xmlns:p="http://schemas.openxmlformats.org/presentationml/2006/main">
+  <p:cSld>
+    <p:spTree>
+      <p:nvGrpSpPr>
+        <p:cNvPr id="1" name=""/>
+        <p:cNvGrpSpPr/>
+        <p:nvPr/>
+      </p:nvGrpSpPr>
+      <p:grpSpPr>
+        <a:xfrm>
+          <a:off x="0" y="0"/>
+          <a:ext cx="0" cy="0"/>
+          <a:chOff x="0" y="0"/>
+          <a:chExt cx="0" cy="0"/>
+        </a:xfrm>
+      </p:grpSpPr>
+      <p:sp>
+        <p:nvSpPr>
+          <p:cNvPr id="2" name="Title 1"/>
+          <p:cNvSpPr>
+            <a:spLocks noGrp="1"/>
+          </p:cNvSpPr>
+          <p:nvPr>
+            <p:ph type="ctrTitle"/>
+          </p:nvPr>
+        </p:nvSpPr>
+        <p:spPr/>
+        <p:txBody>
+          <a:bodyPr/>
+          <a:lstStyle/>
+          <a:p>
+            <a:r>
+              <a:rPr lang="sv-SE" dirty="0" smtClean="0"/>
+              <a:t>DOM</a:t>
+            </a:r>
+            <a:endParaRPr lang="sv-SE" dirty="0"/>
+          </a:p>
+        </p:txBody>
+      </p:sp>
+      <p:sp>
+        <p:nvSpPr>
+          <p:cNvPr id="3" name="Subtitle 2"/>
+          <p:cNvSpPr>
+            <a:spLocks noGrp="1"/>
+          </p:cNvSpPr>
+          <p:nvPr>
+            <p:ph type="subTitle" idx="1"/>
+          </p:nvPr>
+        </p:nvSpPr>
+        <p:spPr>
+          <a:xfrm>
+            <a:off x="611560" y="1309677"/>
+            <a:ext cx="7890100" cy="1460500"/>
+          </a:xfrm>
+        </p:spPr>
+        <p:txBody>
+          <a:bodyPr/>
+          <a:lstStyle/>
+          <a:p>
+            <a:r>
+              <a:rPr lang="sv-SE" b="1" dirty="0" smtClean="0"/>
+              <a:t>DOM</a:t>
+            </a:r>
+            <a:r>
+              <a:rPr lang="sv-SE" dirty="0" smtClean="0"/>
+              <a:t> är </a:t>
+            </a:r>
+            <a:r>
+              <a:rPr lang="sv-SE" dirty="0"/>
+              <a:t>en standardiserad </a:t>
+            </a:r>
+            <a:r>
+              <a:rPr lang="sv-SE" dirty="0" smtClean="0"/>
+              <a:t>"modell" </a:t>
+            </a:r>
+            <a:r>
+              <a:rPr lang="sv-SE" dirty="0"/>
+              <a:t>av ett HTML-dokuments samtliga delar:</a:t>
+            </a:r>
+          </a:p>
+          <a:p>
+            <a:r>
+              <a:rPr lang="sv-SE" dirty="0"/>
+              <a:t>Bilder, formulär, tabeller, tabellrader, tabellceller o.s.v</a:t>
+            </a:r>
+            <a:r>
+              <a:rPr lang="sv-SE" dirty="0" smtClean="0"/>
+              <a:t>.</a:t>
+            </a:r>
+          </a:p>
+          <a:p>
+            <a:endParaRPr lang="sv-SE" dirty="0"/>
+          </a:p>
+          <a:p>
+            <a:r>
+              <a:rPr lang="sv-SE" b="1" dirty="0" smtClean="0"/>
+              <a:t>DOM</a:t>
+            </a:r>
+            <a:r>
+              <a:rPr lang="sv-SE" dirty="0" smtClean="0"/>
+              <a:t> hanterar innehållet på en webbsida, inte något som rör webbläsaren, det är </a:t>
+            </a:r>
+            <a:r>
+              <a:rPr lang="sv-SE" dirty="0" err="1" smtClean="0"/>
+              <a:t>BOM:ens</a:t>
+            </a:r>
+            <a:r>
+              <a:rPr lang="sv-SE" dirty="0" smtClean="0"/>
+              <a:t> ansvar.</a:t>
+            </a:r>
+          </a:p>
+          <a:p>
+            <a:endParaRPr lang="sv-SE" dirty="0"/>
+          </a:p>
+          <a:p>
+            <a:r>
+              <a:rPr lang="sv-SE" dirty="0" smtClean="0"/>
+              <a:t>Vi kommer att fokusera på DOM </a:t>
+            </a:r>
+            <a:r>
+              <a:rPr lang="sv-SE" dirty="0" err="1" smtClean="0"/>
+              <a:t>level</a:t>
+            </a:r>
+            <a:r>
+              <a:rPr lang="sv-SE" dirty="0" smtClean="0"/>
+              <a:t> 1. </a:t>
+            </a:r>
+          </a:p>
+          <a:p>
+            <a:r>
+              <a:rPr lang="sv-SE" sz="1800" dirty="0" smtClean="0"/>
+              <a:t>(</a:t>
+            </a:r>
+            <a:r>
+              <a:rPr lang="sv-SE" sz="1800" dirty="0" err="1" smtClean="0"/>
+              <a:t>Level</a:t>
+            </a:r>
+            <a:r>
+              <a:rPr lang="sv-SE" sz="1800" dirty="0" smtClean="0"/>
+              <a:t> 2 och 3 finns också)</a:t>
+            </a:r>
+            <a:endParaRPr lang="sv-SE" sz="1800" dirty="0"/>
+          </a:p>
+          <a:p>
+            <a:endParaRPr lang="sv-SE" dirty="0"/>
+          </a:p>
+        </p:txBody>
+      </p:sp>
+      <p:pic>
+        <p:nvPicPr>
+          <p:cNvPr id="5" name="Picture 3" descr="P:\Icons\48x48\shadow\text_tree.png"/>
+          <p:cNvPicPr>
+            <a:picLocks noChangeAspect="1" noChangeArrowheads="1"/>
+          </p:cNvPicPr>
+          <p:nvPr/>
+        </p:nvPicPr>
+        <p:blipFill>
+          <a:blip r:embed="rId2">
+            <a:extLst>
+              <a:ext uri="{28A0092B-C50C-407E-A947-70E740481C1C}">
+                <a14:useLocalDpi xmlns:a14="http://schemas.microsoft.com/office/drawing/2010/main" val="0"/>
+              </a:ext>
+            </a:extLst>
+          </a:blip>
+          <a:srcRect/>
+          <a:stretch>
+            <a:fillRect/>
+          </a:stretch>
+        </p:blipFill>
+        <p:spPr bwMode="auto">
+          <a:xfrm>
+            <a:off x="8244408" y="265212"/>
+            <a:ext cx="617538" cy="617537"/>
+          </a:xfrm>
+          <a:prstGeom prst="rect">
+            <a:avLst/>
+          </a:prstGeom>
+          <a:noFill/>
+          <a:extLst>
+            <a:ext uri="{909E8E84-426E-40dd-AFC4-6F175D3DCCD1}">
+              <a14:hiddenFill xmlns:a14="http://schemas.microsoft.com/office/drawing/2010/main">
+                <a:solidFill>
+                  <a:srgbClr val="FFFFFF"/>
+                </a:solidFill>
+              </a14:hiddenFill>
+            </a:ext>
+          </a:extLst>
+        </p:spPr>
+      </p:pic>
+    </p:spTree>
+    <p:extLst>
+      <p:ext uri="{BB962C8B-B14F-4D97-AF65-F5344CB8AC3E}">
+        <p14:creationId xmlns:p14="http://schemas.microsoft.com/office/powerpoint/2010/main" val="2528815651"/>
+      </p:ext>
+    </p:extLst>
+  </p:cSld>
+  <p:clrMapOvr>
+    <a:masterClrMapping/>
+  </p:clrMapOvr>
+  <p:timing>
+    <p:tnLst>
+      <p:par>
+        <p:cTn xmlns:p14="http://schemas.microsoft.com/office/powerpoint/2010/main" id="1" dur="indefinite" restart="never" nodeType="tmRoot"/>
       </p:par>
     </p:tnLst>
   </p:timing>
@@ -31909,216 +31132,6 @@
           <a:p>
             <a:r>
               <a:rPr lang="sv-SE" dirty="0" smtClean="0"/>
-              <a:t>DOM</a:t>
-            </a:r>
-            <a:endParaRPr lang="sv-SE" dirty="0"/>
-          </a:p>
-        </p:txBody>
-      </p:sp>
-      <p:sp>
-        <p:nvSpPr>
-          <p:cNvPr id="3" name="Subtitle 2"/>
-          <p:cNvSpPr>
-            <a:spLocks noGrp="1"/>
-          </p:cNvSpPr>
-          <p:nvPr>
-            <p:ph type="subTitle" idx="1"/>
-          </p:nvPr>
-        </p:nvSpPr>
-        <p:spPr>
-          <a:xfrm>
-            <a:off x="611560" y="1309677"/>
-            <a:ext cx="7890100" cy="1460500"/>
-          </a:xfrm>
-        </p:spPr>
-        <p:txBody>
-          <a:bodyPr/>
-          <a:lstStyle/>
-          <a:p>
-            <a:r>
-              <a:rPr lang="sv-SE" b="1" dirty="0" smtClean="0"/>
-              <a:t>DOM</a:t>
-            </a:r>
-            <a:r>
-              <a:rPr lang="sv-SE" dirty="0" smtClean="0"/>
-              <a:t> är </a:t>
-            </a:r>
-            <a:r>
-              <a:rPr lang="sv-SE" dirty="0"/>
-              <a:t>en standardiserad </a:t>
-            </a:r>
-            <a:r>
-              <a:rPr lang="sv-SE" dirty="0" smtClean="0"/>
-              <a:t>"modell" </a:t>
-            </a:r>
-            <a:r>
-              <a:rPr lang="sv-SE" dirty="0"/>
-              <a:t>av ett HTML-dokuments samtliga delar:</a:t>
-            </a:r>
-          </a:p>
-          <a:p>
-            <a:r>
-              <a:rPr lang="sv-SE" dirty="0"/>
-              <a:t>Bilder, formulär, tabeller, tabellrader, tabellceller o.s.v</a:t>
-            </a:r>
-            <a:r>
-              <a:rPr lang="sv-SE" dirty="0" smtClean="0"/>
-              <a:t>.</a:t>
-            </a:r>
-          </a:p>
-          <a:p>
-            <a:endParaRPr lang="sv-SE" dirty="0"/>
-          </a:p>
-          <a:p>
-            <a:r>
-              <a:rPr lang="sv-SE" b="1" dirty="0" smtClean="0"/>
-              <a:t>DOM</a:t>
-            </a:r>
-            <a:r>
-              <a:rPr lang="sv-SE" dirty="0" smtClean="0"/>
-              <a:t> hanterar innehållet på en webbsida, inte något som rör webbläsaren, det är </a:t>
-            </a:r>
-            <a:r>
-              <a:rPr lang="sv-SE" dirty="0" err="1" smtClean="0"/>
-              <a:t>BOM:ens</a:t>
-            </a:r>
-            <a:r>
-              <a:rPr lang="sv-SE" dirty="0" smtClean="0"/>
-              <a:t> ansvar.</a:t>
-            </a:r>
-          </a:p>
-          <a:p>
-            <a:endParaRPr lang="sv-SE" dirty="0"/>
-          </a:p>
-          <a:p>
-            <a:r>
-              <a:rPr lang="sv-SE" dirty="0" smtClean="0"/>
-              <a:t>Vi kommer att fokusera på DOM </a:t>
-            </a:r>
-            <a:r>
-              <a:rPr lang="sv-SE" dirty="0" err="1" smtClean="0"/>
-              <a:t>level</a:t>
-            </a:r>
-            <a:r>
-              <a:rPr lang="sv-SE" dirty="0" smtClean="0"/>
-              <a:t> 1. </a:t>
-            </a:r>
-          </a:p>
-          <a:p>
-            <a:r>
-              <a:rPr lang="sv-SE" sz="1800" dirty="0" smtClean="0"/>
-              <a:t>(</a:t>
-            </a:r>
-            <a:r>
-              <a:rPr lang="sv-SE" sz="1800" dirty="0" err="1" smtClean="0"/>
-              <a:t>Level</a:t>
-            </a:r>
-            <a:r>
-              <a:rPr lang="sv-SE" sz="1800" dirty="0" smtClean="0"/>
-              <a:t> 2 och 3 finns också)</a:t>
-            </a:r>
-            <a:endParaRPr lang="sv-SE" sz="1800" dirty="0"/>
-          </a:p>
-          <a:p>
-            <a:endParaRPr lang="sv-SE" dirty="0"/>
-          </a:p>
-        </p:txBody>
-      </p:sp>
-      <p:pic>
-        <p:nvPicPr>
-          <p:cNvPr id="5" name="Picture 3" descr="P:\Icons\48x48\shadow\text_tree.png"/>
-          <p:cNvPicPr>
-            <a:picLocks noChangeAspect="1" noChangeArrowheads="1"/>
-          </p:cNvPicPr>
-          <p:nvPr/>
-        </p:nvPicPr>
-        <p:blipFill>
-          <a:blip r:embed="rId2">
-            <a:extLst>
-              <a:ext uri="{28A0092B-C50C-407E-A947-70E740481C1C}">
-                <a14:useLocalDpi xmlns:a14="http://schemas.microsoft.com/office/drawing/2010/main" val="0"/>
-              </a:ext>
-            </a:extLst>
-          </a:blip>
-          <a:srcRect/>
-          <a:stretch>
-            <a:fillRect/>
-          </a:stretch>
-        </p:blipFill>
-        <p:spPr bwMode="auto">
-          <a:xfrm>
-            <a:off x="8244408" y="265212"/>
-            <a:ext cx="617538" cy="617537"/>
-          </a:xfrm>
-          <a:prstGeom prst="rect">
-            <a:avLst/>
-          </a:prstGeom>
-          <a:noFill/>
-          <a:extLst>
-            <a:ext uri="{909E8E84-426E-40DD-AFC4-6F175D3DCCD1}">
-              <a14:hiddenFill xmlns:a14="http://schemas.microsoft.com/office/drawing/2010/main">
-                <a:solidFill>
-                  <a:srgbClr val="FFFFFF"/>
-                </a:solidFill>
-              </a14:hiddenFill>
-            </a:ext>
-          </a:extLst>
-        </p:spPr>
-      </p:pic>
-    </p:spTree>
-    <p:extLst>
-      <p:ext uri="{BB962C8B-B14F-4D97-AF65-F5344CB8AC3E}">
-        <p14:creationId xmlns:p14="http://schemas.microsoft.com/office/powerpoint/2010/main" val="2528815651"/>
-      </p:ext>
-    </p:extLst>
-  </p:cSld>
-  <p:clrMapOvr>
-    <a:masterClrMapping/>
-  </p:clrMapOvr>
-  <p:timing>
-    <p:tnLst>
-      <p:par>
-        <p:cTn id="1" dur="indefinite" restart="never" nodeType="tmRoot"/>
-      </p:par>
-    </p:tnLst>
-  </p:timing>
-</p:sld>
-</file>
-
-<file path=ppt/slides/slide8.xml><?xml version="1.0" encoding="utf-8"?>
-<p:sld xmlns:a="http://schemas.openxmlformats.org/drawingml/2006/main" xmlns:r="http://schemas.openxmlformats.org/officeDocument/2006/relationships" xmlns:p="http://schemas.openxmlformats.org/presentationml/2006/main">
-  <p:cSld>
-    <p:spTree>
-      <p:nvGrpSpPr>
-        <p:cNvPr id="1" name=""/>
-        <p:cNvGrpSpPr/>
-        <p:nvPr/>
-      </p:nvGrpSpPr>
-      <p:grpSpPr>
-        <a:xfrm>
-          <a:off x="0" y="0"/>
-          <a:ext cx="0" cy="0"/>
-          <a:chOff x="0" y="0"/>
-          <a:chExt cx="0" cy="0"/>
-        </a:xfrm>
-      </p:grpSpPr>
-      <p:sp>
-        <p:nvSpPr>
-          <p:cNvPr id="2" name="Title 1"/>
-          <p:cNvSpPr>
-            <a:spLocks noGrp="1"/>
-          </p:cNvSpPr>
-          <p:nvPr>
-            <p:ph type="ctrTitle"/>
-          </p:nvPr>
-        </p:nvSpPr>
-        <p:spPr/>
-        <p:txBody>
-          <a:bodyPr/>
-          <a:lstStyle/>
-          <a:p>
-            <a:r>
-              <a:rPr lang="sv-SE" dirty="0" smtClean="0"/>
               <a:t>DOM-strukturen</a:t>
             </a:r>
             <a:endParaRPr lang="sv-SE" dirty="0"/>
@@ -32468,7 +31481,7 @@
           </a:prstGeom>
           <a:noFill/>
           <a:extLst>
-            <a:ext uri="{909E8E84-426E-40DD-AFC4-6F175D3DCCD1}">
+            <a:ext uri="{909E8E84-426E-40dd-AFC4-6F175D3DCCD1}">
               <a14:hiddenFill xmlns:a14="http://schemas.microsoft.com/office/drawing/2010/main">
                 <a:solidFill>
                   <a:srgbClr val="FFFFFF"/>
@@ -32513,14 +31526,14 @@
           </a:ln>
           <a:effectLst/>
           <a:extLst>
-            <a:ext uri="{909E8E84-426E-40DD-AFC4-6F175D3DCCD1}">
+            <a:ext uri="{909E8E84-426E-40dd-AFC4-6F175D3DCCD1}">
               <a14:hiddenFill xmlns:a14="http://schemas.microsoft.com/office/drawing/2010/main">
                 <a:solidFill>
                   <a:schemeClr val="accent1"/>
                 </a:solidFill>
               </a14:hiddenFill>
             </a:ext>
-            <a:ext uri="{91240B29-F687-4F45-9708-019B960494DF}">
+            <a:ext uri="{91240B29-F687-4f45-9708-019B960494DF}">
               <a14:hiddenLine xmlns:a14="http://schemas.microsoft.com/office/drawing/2010/main" w="9525">
                 <a:solidFill>
                   <a:schemeClr val="tx1"/>
@@ -32530,7 +31543,7 @@
                 <a:tailEnd/>
               </a14:hiddenLine>
             </a:ext>
-            <a:ext uri="{AF507438-7753-43E0-B8FC-AC1667EBCBE1}">
+            <a:ext uri="{AF507438-7753-43e0-B8FC-AC1667EBCBE1}">
               <a14:hiddenEffects xmlns:a14="http://schemas.microsoft.com/office/drawing/2010/main">
                 <a:effectLst>
                   <a:outerShdw dist="35921" dir="2700000" algn="ctr" rotWithShape="0">
@@ -32637,7 +31650,753 @@
   <p:timing>
     <p:tnLst>
       <p:par>
-        <p:cTn id="1" dur="indefinite" restart="never" nodeType="tmRoot"/>
+        <p:cTn xmlns:p14="http://schemas.microsoft.com/office/powerpoint/2010/main" id="1" dur="indefinite" restart="never" nodeType="tmRoot"/>
+      </p:par>
+    </p:tnLst>
+  </p:timing>
+</p:sld>
+</file>
+
+<file path=ppt/slides/slide8.xml><?xml version="1.0" encoding="utf-8"?>
+<p:sld xmlns:a="http://schemas.openxmlformats.org/drawingml/2006/main" xmlns:r="http://schemas.openxmlformats.org/officeDocument/2006/relationships" xmlns:p="http://schemas.openxmlformats.org/presentationml/2006/main">
+  <p:cSld>
+    <p:spTree>
+      <p:nvGrpSpPr>
+        <p:cNvPr id="1" name=""/>
+        <p:cNvGrpSpPr/>
+        <p:nvPr/>
+      </p:nvGrpSpPr>
+      <p:grpSpPr>
+        <a:xfrm>
+          <a:off x="0" y="0"/>
+          <a:ext cx="0" cy="0"/>
+          <a:chOff x="0" y="0"/>
+          <a:chExt cx="0" cy="0"/>
+        </a:xfrm>
+      </p:grpSpPr>
+      <p:sp>
+        <p:nvSpPr>
+          <p:cNvPr id="2" name="Title 1"/>
+          <p:cNvSpPr>
+            <a:spLocks noGrp="1"/>
+          </p:cNvSpPr>
+          <p:nvPr>
+            <p:ph type="ctrTitle"/>
+          </p:nvPr>
+        </p:nvSpPr>
+        <p:spPr/>
+        <p:txBody>
+          <a:bodyPr/>
+          <a:lstStyle/>
+          <a:p>
+            <a:r>
+              <a:rPr lang="sv-SE" dirty="0" smtClean="0"/>
+              <a:t>12 </a:t>
+            </a:r>
+            <a:r>
+              <a:rPr lang="sv-SE" dirty="0" err="1" smtClean="0"/>
+              <a:t>nodetyper</a:t>
+            </a:r>
+            <a:endParaRPr lang="sv-SE" dirty="0"/>
+          </a:p>
+        </p:txBody>
+      </p:sp>
+      <p:sp>
+        <p:nvSpPr>
+          <p:cNvPr id="3" name="Subtitle 2"/>
+          <p:cNvSpPr>
+            <a:spLocks noGrp="1"/>
+          </p:cNvSpPr>
+          <p:nvPr>
+            <p:ph type="subTitle" idx="1"/>
+          </p:nvPr>
+        </p:nvSpPr>
+        <p:spPr>
+          <a:xfrm>
+            <a:off x="179512" y="1345332"/>
+            <a:ext cx="3816424" cy="3456384"/>
+          </a:xfrm>
+        </p:spPr>
+        <p:txBody>
+          <a:bodyPr/>
+          <a:lstStyle/>
+          <a:p>
+            <a:pPr marL="457200" indent="-457200">
+              <a:buFont typeface="+mj-lt"/>
+              <a:buAutoNum type="arabicPeriod"/>
+            </a:pPr>
+            <a:r>
+              <a:rPr lang="sv-SE" b="1" dirty="0" smtClean="0"/>
+              <a:t>ELEMENT</a:t>
+            </a:r>
+            <a:r>
+              <a:rPr lang="sv-SE" b="1" dirty="0" smtClean="0">
+                <a:solidFill>
+                  <a:srgbClr val="000000"/>
+                </a:solidFill>
+                <a:latin typeface="Times New Roman"/>
+              </a:rPr>
+              <a:t>_</a:t>
+            </a:r>
+            <a:r>
+              <a:rPr lang="sv-SE" b="1" dirty="0" smtClean="0"/>
+              <a:t>NODE</a:t>
+            </a:r>
+            <a:endParaRPr lang="sv-SE" b="1" dirty="0"/>
+          </a:p>
+          <a:p>
+            <a:pPr marL="457200" indent="-457200">
+              <a:buFont typeface="+mj-lt"/>
+              <a:buAutoNum type="arabicPeriod"/>
+            </a:pPr>
+            <a:r>
+              <a:rPr lang="sv-SE" sz="1200" dirty="0" smtClean="0"/>
+              <a:t>ATTRIBUTE</a:t>
+            </a:r>
+            <a:r>
+              <a:rPr lang="sv-SE" sz="1200" dirty="0" smtClean="0">
+                <a:solidFill>
+                  <a:srgbClr val="000000"/>
+                </a:solidFill>
+                <a:latin typeface="Times New Roman"/>
+              </a:rPr>
+              <a:t>_</a:t>
+            </a:r>
+            <a:r>
+              <a:rPr lang="sv-SE" sz="1200" dirty="0" smtClean="0"/>
+              <a:t>NODE</a:t>
+            </a:r>
+          </a:p>
+          <a:p>
+            <a:pPr marL="457200" indent="-457200">
+              <a:buFont typeface="+mj-lt"/>
+              <a:buAutoNum type="arabicPeriod"/>
+            </a:pPr>
+            <a:r>
+              <a:rPr lang="sv-SE" b="1" dirty="0" smtClean="0"/>
+              <a:t>TEXT</a:t>
+            </a:r>
+            <a:r>
+              <a:rPr lang="sv-SE" b="1" dirty="0" smtClean="0">
+                <a:solidFill>
+                  <a:srgbClr val="000000"/>
+                </a:solidFill>
+                <a:latin typeface="Times New Roman"/>
+              </a:rPr>
+              <a:t>_</a:t>
+            </a:r>
+            <a:r>
+              <a:rPr lang="sv-SE" b="1" dirty="0" smtClean="0"/>
+              <a:t>NODE</a:t>
+            </a:r>
+          </a:p>
+          <a:p>
+            <a:pPr marL="457200" indent="-457200">
+              <a:buFont typeface="+mj-lt"/>
+              <a:buAutoNum type="arabicPeriod"/>
+            </a:pPr>
+            <a:r>
+              <a:rPr lang="sv-SE" sz="1400" dirty="0" smtClean="0"/>
+              <a:t>CDATA</a:t>
+            </a:r>
+            <a:r>
+              <a:rPr lang="sv-SE" sz="1400" dirty="0" smtClean="0">
+                <a:solidFill>
+                  <a:srgbClr val="000000"/>
+                </a:solidFill>
+                <a:latin typeface="Times New Roman"/>
+              </a:rPr>
+              <a:t>_</a:t>
+            </a:r>
+            <a:r>
+              <a:rPr lang="sv-SE" sz="1400" dirty="0" smtClean="0"/>
+              <a:t>SECTION</a:t>
+            </a:r>
+            <a:r>
+              <a:rPr lang="sv-SE" sz="1400" dirty="0" smtClean="0">
+                <a:solidFill>
+                  <a:srgbClr val="000000"/>
+                </a:solidFill>
+                <a:latin typeface="Times New Roman"/>
+              </a:rPr>
+              <a:t>_</a:t>
+            </a:r>
+            <a:r>
+              <a:rPr lang="sv-SE" sz="1400" dirty="0" smtClean="0"/>
+              <a:t>NODE</a:t>
+            </a:r>
+          </a:p>
+          <a:p>
+            <a:pPr marL="457200" indent="-457200">
+              <a:buFont typeface="+mj-lt"/>
+              <a:buAutoNum type="arabicPeriod"/>
+            </a:pPr>
+            <a:r>
+              <a:rPr lang="sv-SE" sz="1400" dirty="0" smtClean="0"/>
+              <a:t>ENTITY</a:t>
+            </a:r>
+            <a:r>
+              <a:rPr lang="sv-SE" sz="1400" dirty="0" smtClean="0">
+                <a:solidFill>
+                  <a:srgbClr val="000000"/>
+                </a:solidFill>
+                <a:latin typeface="Times New Roman"/>
+              </a:rPr>
+              <a:t>_</a:t>
+            </a:r>
+            <a:r>
+              <a:rPr lang="sv-SE" sz="1400" dirty="0" smtClean="0"/>
+              <a:t>REFERENCE</a:t>
+            </a:r>
+            <a:r>
+              <a:rPr lang="sv-SE" sz="1400" dirty="0" smtClean="0">
+                <a:solidFill>
+                  <a:srgbClr val="000000"/>
+                </a:solidFill>
+                <a:latin typeface="Times New Roman"/>
+              </a:rPr>
+              <a:t>_</a:t>
+            </a:r>
+            <a:r>
+              <a:rPr lang="sv-SE" sz="1400" dirty="0" smtClean="0"/>
+              <a:t>NODE</a:t>
+            </a:r>
+          </a:p>
+          <a:p>
+            <a:pPr marL="457200" indent="-457200">
+              <a:buFont typeface="+mj-lt"/>
+              <a:buAutoNum type="arabicPeriod"/>
+            </a:pPr>
+            <a:r>
+              <a:rPr lang="sv-SE" sz="1400" dirty="0" smtClean="0"/>
+              <a:t>ENTITY</a:t>
+            </a:r>
+            <a:r>
+              <a:rPr lang="sv-SE" sz="1400" dirty="0" smtClean="0">
+                <a:solidFill>
+                  <a:srgbClr val="000000"/>
+                </a:solidFill>
+                <a:latin typeface="Times New Roman"/>
+              </a:rPr>
+              <a:t>_</a:t>
+            </a:r>
+            <a:r>
+              <a:rPr lang="sv-SE" sz="1400" dirty="0" smtClean="0"/>
+              <a:t>NODE</a:t>
+            </a:r>
+          </a:p>
+          <a:p>
+            <a:pPr marL="457200" indent="-457200">
+              <a:buFont typeface="+mj-lt"/>
+              <a:buAutoNum type="arabicPeriod"/>
+            </a:pPr>
+            <a:r>
+              <a:rPr lang="sv-SE" sz="1400" dirty="0" smtClean="0"/>
+              <a:t>PROCESSONG</a:t>
+            </a:r>
+            <a:r>
+              <a:rPr lang="sv-SE" sz="1400" dirty="0" smtClean="0">
+                <a:solidFill>
+                  <a:srgbClr val="000000"/>
+                </a:solidFill>
+                <a:latin typeface="Times New Roman"/>
+              </a:rPr>
+              <a:t>_</a:t>
+            </a:r>
+            <a:r>
+              <a:rPr lang="sv-SE" sz="1400" dirty="0" smtClean="0"/>
+              <a:t>INSTRUCTION</a:t>
+            </a:r>
+            <a:r>
+              <a:rPr lang="sv-SE" sz="1400" dirty="0" smtClean="0">
+                <a:solidFill>
+                  <a:srgbClr val="000000"/>
+                </a:solidFill>
+                <a:latin typeface="Times New Roman"/>
+              </a:rPr>
+              <a:t>_</a:t>
+            </a:r>
+            <a:r>
+              <a:rPr lang="sv-SE" sz="1400" dirty="0" smtClean="0"/>
+              <a:t>NODE</a:t>
+            </a:r>
+          </a:p>
+          <a:p>
+            <a:pPr marL="457200" indent="-457200">
+              <a:buFont typeface="+mj-lt"/>
+              <a:buAutoNum type="arabicPeriod"/>
+            </a:pPr>
+            <a:r>
+              <a:rPr lang="sv-SE" sz="1400" dirty="0" smtClean="0"/>
+              <a:t>DOCUMENT</a:t>
+            </a:r>
+            <a:r>
+              <a:rPr lang="sv-SE" sz="1400" dirty="0" smtClean="0">
+                <a:solidFill>
+                  <a:srgbClr val="000000"/>
+                </a:solidFill>
+                <a:latin typeface="Times New Roman"/>
+              </a:rPr>
+              <a:t>_</a:t>
+            </a:r>
+            <a:r>
+              <a:rPr lang="sv-SE" sz="1400" dirty="0" smtClean="0"/>
+              <a:t>NODE</a:t>
+            </a:r>
+          </a:p>
+          <a:p>
+            <a:pPr marL="457200" indent="-457200">
+              <a:buFont typeface="+mj-lt"/>
+              <a:buAutoNum type="arabicPeriod"/>
+            </a:pPr>
+            <a:r>
+              <a:rPr lang="sv-SE" sz="1400" dirty="0" smtClean="0"/>
+              <a:t>DOCUMENT</a:t>
+            </a:r>
+            <a:r>
+              <a:rPr lang="sv-SE" sz="1400" dirty="0" smtClean="0">
+                <a:solidFill>
+                  <a:srgbClr val="000000"/>
+                </a:solidFill>
+                <a:latin typeface="Times New Roman"/>
+              </a:rPr>
+              <a:t>_</a:t>
+            </a:r>
+            <a:r>
+              <a:rPr lang="sv-SE" sz="1400" dirty="0" smtClean="0"/>
+              <a:t>TYPE</a:t>
+            </a:r>
+            <a:r>
+              <a:rPr lang="sv-SE" sz="1400" dirty="0" smtClean="0">
+                <a:solidFill>
+                  <a:srgbClr val="000000"/>
+                </a:solidFill>
+                <a:latin typeface="Times New Roman"/>
+              </a:rPr>
+              <a:t>_</a:t>
+            </a:r>
+            <a:r>
+              <a:rPr lang="sv-SE" sz="1400" dirty="0" smtClean="0"/>
+              <a:t>NODE</a:t>
+            </a:r>
+          </a:p>
+          <a:p>
+            <a:pPr marL="457200" indent="-457200">
+              <a:buFont typeface="+mj-lt"/>
+              <a:buAutoNum type="arabicPeriod"/>
+            </a:pPr>
+            <a:r>
+              <a:rPr lang="sv-SE" sz="1400" dirty="0" smtClean="0"/>
+              <a:t>CDATA</a:t>
+            </a:r>
+            <a:r>
+              <a:rPr lang="sv-SE" sz="1400" dirty="0" smtClean="0">
+                <a:solidFill>
+                  <a:srgbClr val="000000"/>
+                </a:solidFill>
+                <a:latin typeface="Times New Roman"/>
+              </a:rPr>
+              <a:t>_</a:t>
+            </a:r>
+            <a:r>
+              <a:rPr lang="sv-SE" sz="1400" dirty="0" smtClean="0"/>
+              <a:t>FRAGMENT</a:t>
+            </a:r>
+            <a:r>
+              <a:rPr lang="sv-SE" sz="1400" dirty="0" smtClean="0">
+                <a:solidFill>
+                  <a:srgbClr val="000000"/>
+                </a:solidFill>
+                <a:latin typeface="Times New Roman"/>
+              </a:rPr>
+              <a:t>_</a:t>
+            </a:r>
+            <a:r>
+              <a:rPr lang="sv-SE" sz="1400" dirty="0" smtClean="0"/>
+              <a:t>NODE</a:t>
+            </a:r>
+          </a:p>
+          <a:p>
+            <a:pPr marL="457200" indent="-457200">
+              <a:buFont typeface="+mj-lt"/>
+              <a:buAutoNum type="arabicPeriod"/>
+            </a:pPr>
+            <a:r>
+              <a:rPr lang="sv-SE" sz="1400" dirty="0" smtClean="0"/>
+              <a:t>NOTATION</a:t>
+            </a:r>
+            <a:r>
+              <a:rPr lang="sv-SE" sz="1400" dirty="0" smtClean="0">
+                <a:solidFill>
+                  <a:srgbClr val="000000"/>
+                </a:solidFill>
+                <a:latin typeface="Times New Roman"/>
+              </a:rPr>
+              <a:t>_</a:t>
+            </a:r>
+            <a:r>
+              <a:rPr lang="sv-SE" sz="1400" dirty="0" smtClean="0"/>
+              <a:t>NODE</a:t>
+            </a:r>
+            <a:endParaRPr lang="sv-SE" sz="1400" dirty="0"/>
+          </a:p>
+          <a:p>
+            <a:pPr marL="457200" indent="-457200">
+              <a:buFont typeface="+mj-lt"/>
+              <a:buAutoNum type="arabicPeriod"/>
+            </a:pPr>
+            <a:endParaRPr lang="sv-SE" dirty="0"/>
+          </a:p>
+          <a:p>
+            <a:pPr marL="457200" indent="-457200">
+              <a:buFont typeface="+mj-lt"/>
+              <a:buAutoNum type="arabicPeriod"/>
+            </a:pPr>
+            <a:endParaRPr lang="sv-SE" dirty="0"/>
+          </a:p>
+          <a:p>
+            <a:pPr marL="457200" indent="-457200">
+              <a:buFont typeface="+mj-lt"/>
+              <a:buAutoNum type="arabicPeriod"/>
+            </a:pPr>
+            <a:endParaRPr lang="sv-SE" dirty="0" smtClean="0"/>
+          </a:p>
+          <a:p>
+            <a:pPr marL="457200" indent="-457200">
+              <a:buFont typeface="+mj-lt"/>
+              <a:buAutoNum type="arabicPeriod"/>
+            </a:pPr>
+            <a:endParaRPr lang="sv-SE" dirty="0"/>
+          </a:p>
+          <a:p>
+            <a:pPr marL="457200" indent="-457200">
+              <a:buFont typeface="+mj-lt"/>
+              <a:buAutoNum type="arabicPeriod"/>
+            </a:pPr>
+            <a:endParaRPr lang="sv-SE" dirty="0"/>
+          </a:p>
+          <a:p>
+            <a:pPr marL="457200" indent="-457200">
+              <a:buFont typeface="+mj-lt"/>
+              <a:buAutoNum type="arabicPeriod"/>
+            </a:pPr>
+            <a:endParaRPr lang="sv-SE" dirty="0"/>
+          </a:p>
+          <a:p>
+            <a:pPr marL="457200" indent="-457200">
+              <a:buFont typeface="+mj-lt"/>
+              <a:buAutoNum type="arabicPeriod"/>
+            </a:pPr>
+            <a:endParaRPr lang="sv-SE" dirty="0"/>
+          </a:p>
+          <a:p>
+            <a:pPr marL="457200" indent="-457200">
+              <a:buFont typeface="+mj-lt"/>
+              <a:buAutoNum type="arabicPeriod"/>
+            </a:pPr>
+            <a:endParaRPr lang="sv-SE" dirty="0" smtClean="0"/>
+          </a:p>
+          <a:p>
+            <a:pPr marL="457200" indent="-457200">
+              <a:buFont typeface="+mj-lt"/>
+              <a:buAutoNum type="arabicPeriod"/>
+            </a:pPr>
+            <a:endParaRPr lang="sv-SE" dirty="0"/>
+          </a:p>
+          <a:p>
+            <a:pPr marL="457200" indent="-457200">
+              <a:buFont typeface="+mj-lt"/>
+              <a:buAutoNum type="arabicPeriod"/>
+            </a:pPr>
+            <a:endParaRPr lang="sv-SE" dirty="0"/>
+          </a:p>
+          <a:p>
+            <a:pPr marL="457200" indent="-457200">
+              <a:buFont typeface="+mj-lt"/>
+              <a:buAutoNum type="arabicPeriod"/>
+            </a:pPr>
+            <a:endParaRPr lang="sv-SE" dirty="0"/>
+          </a:p>
+          <a:p>
+            <a:pPr marL="457200" indent="-457200">
+              <a:buFont typeface="+mj-lt"/>
+              <a:buAutoNum type="arabicPeriod"/>
+            </a:pPr>
+            <a:endParaRPr lang="sv-SE" dirty="0"/>
+          </a:p>
+          <a:p>
+            <a:pPr marL="457200" indent="-457200">
+              <a:buFont typeface="+mj-lt"/>
+              <a:buAutoNum type="arabicPeriod"/>
+            </a:pPr>
+            <a:endParaRPr lang="sv-SE" dirty="0" smtClean="0"/>
+          </a:p>
+        </p:txBody>
+      </p:sp>
+      <p:sp>
+        <p:nvSpPr>
+          <p:cNvPr id="4" name="TextBox 3"/>
+          <p:cNvSpPr txBox="1"/>
+          <p:nvPr/>
+        </p:nvSpPr>
+        <p:spPr>
+          <a:xfrm>
+            <a:off x="3923928" y="1723370"/>
+            <a:ext cx="5009705" cy="2862322"/>
+          </a:xfrm>
+          <a:prstGeom prst="rect">
+            <a:avLst/>
+          </a:prstGeom>
+        </p:spPr>
+        <p:style>
+          <a:lnRef idx="1">
+            <a:schemeClr val="accent2"/>
+          </a:lnRef>
+          <a:fillRef idx="2">
+            <a:schemeClr val="accent2"/>
+          </a:fillRef>
+          <a:effectRef idx="1">
+            <a:schemeClr val="accent2"/>
+          </a:effectRef>
+          <a:fontRef idx="minor">
+            <a:schemeClr val="dk1"/>
+          </a:fontRef>
+        </p:style>
+        <p:txBody>
+          <a:bodyPr wrap="none" rtlCol="0">
+            <a:spAutoFit/>
+          </a:bodyPr>
+          <a:lstStyle/>
+          <a:p>
+            <a:r>
+              <a:rPr lang="sv-SE" dirty="0" err="1" smtClean="0">
+                <a:latin typeface="Courier New" pitchFamily="49" charset="0"/>
+                <a:cs typeface="Courier New" pitchFamily="49" charset="0"/>
+              </a:rPr>
+              <a:t>if</a:t>
+            </a:r>
+            <a:r>
+              <a:rPr lang="sv-SE" dirty="0" smtClean="0">
+                <a:latin typeface="Courier New" pitchFamily="49" charset="0"/>
+                <a:cs typeface="Courier New" pitchFamily="49" charset="0"/>
+              </a:rPr>
+              <a:t>(</a:t>
+            </a:r>
+            <a:r>
+              <a:rPr lang="sv-SE" dirty="0" err="1" smtClean="0">
+                <a:latin typeface="Courier New" pitchFamily="49" charset="0"/>
+                <a:cs typeface="Courier New" pitchFamily="49" charset="0"/>
+              </a:rPr>
+              <a:t>minDOMNode.</a:t>
+            </a:r>
+            <a:r>
+              <a:rPr lang="sv-SE" b="1" dirty="0" err="1" smtClean="0">
+                <a:latin typeface="Courier New" pitchFamily="49" charset="0"/>
+                <a:cs typeface="Courier New" pitchFamily="49" charset="0"/>
+              </a:rPr>
+              <a:t>nodeType</a:t>
+            </a:r>
+            <a:r>
+              <a:rPr lang="sv-SE" b="1" dirty="0" smtClean="0">
+                <a:latin typeface="Courier New" pitchFamily="49" charset="0"/>
+                <a:cs typeface="Courier New" pitchFamily="49" charset="0"/>
+              </a:rPr>
+              <a:t> === 1</a:t>
+            </a:r>
+            <a:r>
+              <a:rPr lang="sv-SE" dirty="0" smtClean="0">
+                <a:latin typeface="Courier New" pitchFamily="49" charset="0"/>
+                <a:cs typeface="Courier New" pitchFamily="49" charset="0"/>
+              </a:rPr>
+              <a:t>) {</a:t>
+            </a:r>
+          </a:p>
+          <a:p>
+            <a:endParaRPr lang="sv-SE" dirty="0" smtClean="0">
+              <a:latin typeface="Courier New" pitchFamily="49" charset="0"/>
+              <a:cs typeface="Courier New" pitchFamily="49" charset="0"/>
+            </a:endParaRPr>
+          </a:p>
+          <a:p>
+            <a:r>
+              <a:rPr lang="sv-SE" dirty="0">
+                <a:latin typeface="Courier New" pitchFamily="49" charset="0"/>
+                <a:cs typeface="Courier New" pitchFamily="49" charset="0"/>
+              </a:rPr>
+              <a:t> </a:t>
+            </a:r>
+            <a:r>
+              <a:rPr lang="sv-SE" dirty="0" smtClean="0">
+                <a:latin typeface="Courier New" pitchFamily="49" charset="0"/>
+                <a:cs typeface="Courier New" pitchFamily="49" charset="0"/>
+              </a:rPr>
+              <a:t>   console.log("Ett element");</a:t>
+            </a:r>
+          </a:p>
+          <a:p>
+            <a:endParaRPr lang="sv-SE" dirty="0" smtClean="0">
+              <a:latin typeface="Courier New" pitchFamily="49" charset="0"/>
+              <a:cs typeface="Courier New" pitchFamily="49" charset="0"/>
+            </a:endParaRPr>
+          </a:p>
+          <a:p>
+            <a:r>
+              <a:rPr lang="sv-SE" dirty="0" smtClean="0">
+                <a:latin typeface="Courier New" pitchFamily="49" charset="0"/>
+                <a:cs typeface="Courier New" pitchFamily="49" charset="0"/>
+              </a:rPr>
+              <a:t>} </a:t>
+            </a:r>
+          </a:p>
+          <a:p>
+            <a:r>
+              <a:rPr lang="sv-SE" dirty="0" err="1" smtClean="0">
+                <a:latin typeface="Courier New" pitchFamily="49" charset="0"/>
+                <a:cs typeface="Courier New" pitchFamily="49" charset="0"/>
+              </a:rPr>
+              <a:t>else</a:t>
+            </a:r>
+            <a:r>
+              <a:rPr lang="sv-SE" dirty="0" smtClean="0">
+                <a:latin typeface="Courier New" pitchFamily="49" charset="0"/>
+                <a:cs typeface="Courier New" pitchFamily="49" charset="0"/>
+              </a:rPr>
+              <a:t> </a:t>
+            </a:r>
+            <a:r>
+              <a:rPr lang="sv-SE" dirty="0" err="1" smtClean="0">
+                <a:latin typeface="Courier New" pitchFamily="49" charset="0"/>
+                <a:cs typeface="Courier New" pitchFamily="49" charset="0"/>
+              </a:rPr>
+              <a:t>if</a:t>
+            </a:r>
+            <a:r>
+              <a:rPr lang="sv-SE" dirty="0" smtClean="0">
+                <a:latin typeface="Courier New" pitchFamily="49" charset="0"/>
+                <a:cs typeface="Courier New" pitchFamily="49" charset="0"/>
+              </a:rPr>
+              <a:t>(</a:t>
+            </a:r>
+            <a:r>
+              <a:rPr lang="sv-SE" dirty="0" err="1" smtClean="0">
+                <a:latin typeface="Courier New" pitchFamily="49" charset="0"/>
+                <a:cs typeface="Courier New" pitchFamily="49" charset="0"/>
+              </a:rPr>
+              <a:t>minDOMNode.</a:t>
+            </a:r>
+            <a:r>
+              <a:rPr lang="sv-SE" b="1" dirty="0" err="1" smtClean="0">
+                <a:latin typeface="Courier New" pitchFamily="49" charset="0"/>
+                <a:cs typeface="Courier New" pitchFamily="49" charset="0"/>
+              </a:rPr>
+              <a:t>nodeType</a:t>
+            </a:r>
+            <a:r>
+              <a:rPr lang="sv-SE" b="1" dirty="0" smtClean="0">
+                <a:latin typeface="Courier New" pitchFamily="49" charset="0"/>
+                <a:cs typeface="Courier New" pitchFamily="49" charset="0"/>
+              </a:rPr>
+              <a:t> === 3</a:t>
+            </a:r>
+            <a:r>
+              <a:rPr lang="sv-SE" dirty="0" smtClean="0">
+                <a:latin typeface="Courier New" pitchFamily="49" charset="0"/>
+                <a:cs typeface="Courier New" pitchFamily="49" charset="0"/>
+              </a:rPr>
+              <a:t>){</a:t>
+            </a:r>
+          </a:p>
+          <a:p>
+            <a:endParaRPr lang="sv-SE" dirty="0" smtClean="0">
+              <a:latin typeface="Courier New" pitchFamily="49" charset="0"/>
+              <a:cs typeface="Courier New" pitchFamily="49" charset="0"/>
+            </a:endParaRPr>
+          </a:p>
+          <a:p>
+            <a:r>
+              <a:rPr lang="sv-SE" dirty="0" smtClean="0">
+                <a:latin typeface="Courier New" pitchFamily="49" charset="0"/>
+                <a:cs typeface="Courier New" pitchFamily="49" charset="0"/>
+              </a:rPr>
+              <a:t>    console.log("Du hittade text");</a:t>
+            </a:r>
+            <a:endParaRPr lang="sv-SE" dirty="0">
+              <a:latin typeface="Courier New" pitchFamily="49" charset="0"/>
+              <a:cs typeface="Courier New" pitchFamily="49" charset="0"/>
+            </a:endParaRPr>
+          </a:p>
+          <a:p>
+            <a:endParaRPr lang="sv-SE" dirty="0" smtClean="0">
+              <a:latin typeface="Courier New" pitchFamily="49" charset="0"/>
+              <a:cs typeface="Courier New" pitchFamily="49" charset="0"/>
+            </a:endParaRPr>
+          </a:p>
+          <a:p>
+            <a:r>
+              <a:rPr lang="sv-SE" dirty="0" smtClean="0">
+                <a:latin typeface="Courier New" pitchFamily="49" charset="0"/>
+                <a:cs typeface="Courier New" pitchFamily="49" charset="0"/>
+              </a:rPr>
+              <a:t>}</a:t>
+            </a:r>
+          </a:p>
+        </p:txBody>
+      </p:sp>
+      <p:pic>
+        <p:nvPicPr>
+          <p:cNvPr id="5" name="Picture 3" descr="P:\Icons\48x48\shadow\text_tree.png"/>
+          <p:cNvPicPr>
+            <a:picLocks noChangeAspect="1" noChangeArrowheads="1"/>
+          </p:cNvPicPr>
+          <p:nvPr/>
+        </p:nvPicPr>
+        <p:blipFill>
+          <a:blip r:embed="rId3">
+            <a:extLst>
+              <a:ext uri="{28A0092B-C50C-407E-A947-70E740481C1C}">
+                <a14:useLocalDpi xmlns:a14="http://schemas.microsoft.com/office/drawing/2010/main" val="0"/>
+              </a:ext>
+            </a:extLst>
+          </a:blip>
+          <a:srcRect/>
+          <a:stretch>
+            <a:fillRect/>
+          </a:stretch>
+        </p:blipFill>
+        <p:spPr bwMode="auto">
+          <a:xfrm>
+            <a:off x="8244408" y="265212"/>
+            <a:ext cx="617538" cy="617537"/>
+          </a:xfrm>
+          <a:prstGeom prst="rect">
+            <a:avLst/>
+          </a:prstGeom>
+          <a:noFill/>
+          <a:extLst>
+            <a:ext uri="{909E8E84-426E-40dd-AFC4-6F175D3DCCD1}">
+              <a14:hiddenFill xmlns:a14="http://schemas.microsoft.com/office/drawing/2010/main">
+                <a:solidFill>
+                  <a:srgbClr val="FFFFFF"/>
+                </a:solidFill>
+              </a14:hiddenFill>
+            </a:ext>
+          </a:extLst>
+        </p:spPr>
+      </p:pic>
+    </p:spTree>
+    <p:extLst>
+      <p:ext uri="{BB962C8B-B14F-4D97-AF65-F5344CB8AC3E}">
+        <p14:creationId xmlns:p14="http://schemas.microsoft.com/office/powerpoint/2010/main" val="3462382320"/>
+      </p:ext>
+    </p:extLst>
+  </p:cSld>
+  <p:clrMapOvr>
+    <a:masterClrMapping/>
+  </p:clrMapOvr>
+  <p:timing>
+    <p:tnLst>
+      <p:par>
+        <p:cTn xmlns:p14="http://schemas.microsoft.com/office/powerpoint/2010/main" id="1" dur="indefinite" restart="never" nodeType="tmRoot"/>
       </p:par>
     </p:tnLst>
   </p:timing>
@@ -32678,11 +32437,7 @@
           <a:p>
             <a:r>
               <a:rPr lang="sv-SE" dirty="0" smtClean="0"/>
-              <a:t>12 </a:t>
-            </a:r>
-            <a:r>
-              <a:rPr lang="sv-SE" dirty="0" err="1" smtClean="0"/>
-              <a:t>nodetyper</a:t>
+              <a:t>Välja ut element</a:t>
             </a:r>
             <a:endParaRPr lang="sv-SE" dirty="0"/>
           </a:p>
@@ -32700,673 +32455,940 @@
         </p:nvSpPr>
         <p:spPr>
           <a:xfrm>
-            <a:off x="179512" y="1345332"/>
-            <a:ext cx="3816424" cy="3456384"/>
+            <a:off x="354308" y="1036960"/>
+            <a:ext cx="7962108" cy="1460500"/>
           </a:xfrm>
         </p:spPr>
         <p:txBody>
           <a:bodyPr/>
           <a:lstStyle/>
           <a:p>
-            <a:pPr marL="457200" indent="-457200">
-              <a:buFont typeface="+mj-lt"/>
-              <a:buAutoNum type="arabicPeriod"/>
-            </a:pPr>
-            <a:r>
-              <a:rPr lang="sv-SE" b="1" dirty="0" smtClean="0"/>
-              <a:t>ELEMENT</a:t>
-            </a:r>
-            <a:r>
-              <a:rPr lang="sv-SE" b="1" dirty="0" smtClean="0">
-                <a:solidFill>
-                  <a:srgbClr val="000000"/>
-                </a:solidFill>
-                <a:latin typeface="Times New Roman"/>
-              </a:rPr>
-              <a:t>_</a:t>
-            </a:r>
-            <a:r>
-              <a:rPr lang="sv-SE" b="1" dirty="0" smtClean="0"/>
-              <a:t>NODE</a:t>
-            </a:r>
-            <a:endParaRPr lang="sv-SE" b="1" dirty="0"/>
-          </a:p>
-          <a:p>
-            <a:pPr marL="457200" indent="-457200">
-              <a:buFont typeface="+mj-lt"/>
-              <a:buAutoNum type="arabicPeriod"/>
-            </a:pPr>
-            <a:r>
-              <a:rPr lang="sv-SE" sz="1200" dirty="0" smtClean="0"/>
-              <a:t>ATTRIBUTE</a:t>
-            </a:r>
-            <a:r>
-              <a:rPr lang="sv-SE" sz="1200" dirty="0" smtClean="0">
-                <a:solidFill>
-                  <a:srgbClr val="000000"/>
-                </a:solidFill>
-                <a:latin typeface="Times New Roman"/>
-              </a:rPr>
-              <a:t>_</a:t>
-            </a:r>
-            <a:r>
-              <a:rPr lang="sv-SE" sz="1200" dirty="0" smtClean="0"/>
-              <a:t>NODE</a:t>
-            </a:r>
-          </a:p>
-          <a:p>
-            <a:pPr marL="457200" indent="-457200">
-              <a:buFont typeface="+mj-lt"/>
-              <a:buAutoNum type="arabicPeriod"/>
-            </a:pPr>
-            <a:r>
-              <a:rPr lang="sv-SE" b="1" dirty="0" smtClean="0"/>
-              <a:t>TEXT</a:t>
-            </a:r>
-            <a:r>
-              <a:rPr lang="sv-SE" b="1" dirty="0" smtClean="0">
-                <a:solidFill>
-                  <a:srgbClr val="000000"/>
-                </a:solidFill>
-                <a:latin typeface="Times New Roman"/>
-              </a:rPr>
-              <a:t>_</a:t>
-            </a:r>
-            <a:r>
-              <a:rPr lang="sv-SE" b="1" dirty="0" smtClean="0"/>
-              <a:t>NODE</a:t>
-            </a:r>
-          </a:p>
-          <a:p>
-            <a:pPr marL="457200" indent="-457200">
-              <a:buFont typeface="+mj-lt"/>
-              <a:buAutoNum type="arabicPeriod"/>
-            </a:pPr>
-            <a:r>
-              <a:rPr lang="sv-SE" sz="1400" dirty="0" smtClean="0"/>
-              <a:t>CDATA</a:t>
-            </a:r>
-            <a:r>
-              <a:rPr lang="sv-SE" sz="1400" dirty="0" smtClean="0">
-                <a:solidFill>
-                  <a:srgbClr val="000000"/>
-                </a:solidFill>
-                <a:latin typeface="Times New Roman"/>
-              </a:rPr>
-              <a:t>_</a:t>
-            </a:r>
-            <a:r>
-              <a:rPr lang="sv-SE" sz="1400" dirty="0" smtClean="0"/>
-              <a:t>SECTION</a:t>
-            </a:r>
-            <a:r>
-              <a:rPr lang="sv-SE" sz="1400" dirty="0" smtClean="0">
-                <a:solidFill>
-                  <a:srgbClr val="000000"/>
-                </a:solidFill>
-                <a:latin typeface="Times New Roman"/>
-              </a:rPr>
-              <a:t>_</a:t>
-            </a:r>
-            <a:r>
-              <a:rPr lang="sv-SE" sz="1400" dirty="0" smtClean="0"/>
-              <a:t>NODE</a:t>
-            </a:r>
-          </a:p>
-          <a:p>
-            <a:pPr marL="457200" indent="-457200">
-              <a:buFont typeface="+mj-lt"/>
-              <a:buAutoNum type="arabicPeriod"/>
-            </a:pPr>
-            <a:r>
-              <a:rPr lang="sv-SE" sz="1400" dirty="0" smtClean="0"/>
-              <a:t>ENTITY</a:t>
-            </a:r>
-            <a:r>
-              <a:rPr lang="sv-SE" sz="1400" dirty="0" smtClean="0">
-                <a:solidFill>
-                  <a:srgbClr val="000000"/>
-                </a:solidFill>
-                <a:latin typeface="Times New Roman"/>
-              </a:rPr>
-              <a:t>_</a:t>
-            </a:r>
-            <a:r>
-              <a:rPr lang="sv-SE" sz="1400" dirty="0" smtClean="0"/>
-              <a:t>REFERENCE</a:t>
-            </a:r>
-            <a:r>
-              <a:rPr lang="sv-SE" sz="1400" dirty="0" smtClean="0">
-                <a:solidFill>
-                  <a:srgbClr val="000000"/>
-                </a:solidFill>
-                <a:latin typeface="Times New Roman"/>
-              </a:rPr>
-              <a:t>_</a:t>
-            </a:r>
-            <a:r>
-              <a:rPr lang="sv-SE" sz="1400" dirty="0" smtClean="0"/>
-              <a:t>NODE</a:t>
-            </a:r>
-          </a:p>
-          <a:p>
-            <a:pPr marL="457200" indent="-457200">
-              <a:buFont typeface="+mj-lt"/>
-              <a:buAutoNum type="arabicPeriod"/>
-            </a:pPr>
-            <a:r>
-              <a:rPr lang="sv-SE" sz="1400" dirty="0" smtClean="0"/>
-              <a:t>ENTITY</a:t>
-            </a:r>
-            <a:r>
-              <a:rPr lang="sv-SE" sz="1400" dirty="0" smtClean="0">
-                <a:solidFill>
-                  <a:srgbClr val="000000"/>
-                </a:solidFill>
-                <a:latin typeface="Times New Roman"/>
-              </a:rPr>
-              <a:t>_</a:t>
-            </a:r>
-            <a:r>
-              <a:rPr lang="sv-SE" sz="1400" dirty="0" smtClean="0"/>
-              <a:t>NODE</a:t>
-            </a:r>
-          </a:p>
-          <a:p>
-            <a:pPr marL="457200" indent="-457200">
-              <a:buFont typeface="+mj-lt"/>
-              <a:buAutoNum type="arabicPeriod"/>
-            </a:pPr>
-            <a:r>
-              <a:rPr lang="sv-SE" sz="1400" dirty="0" smtClean="0"/>
-              <a:t>PROCESSONG</a:t>
-            </a:r>
-            <a:r>
-              <a:rPr lang="sv-SE" sz="1400" dirty="0" smtClean="0">
-                <a:solidFill>
-                  <a:srgbClr val="000000"/>
-                </a:solidFill>
-                <a:latin typeface="Times New Roman"/>
-              </a:rPr>
-              <a:t>_</a:t>
-            </a:r>
-            <a:r>
-              <a:rPr lang="sv-SE" sz="1400" dirty="0" smtClean="0"/>
-              <a:t>INSTRUCTION</a:t>
-            </a:r>
-            <a:r>
-              <a:rPr lang="sv-SE" sz="1400" dirty="0" smtClean="0">
-                <a:solidFill>
-                  <a:srgbClr val="000000"/>
-                </a:solidFill>
-                <a:latin typeface="Times New Roman"/>
-              </a:rPr>
-              <a:t>_</a:t>
-            </a:r>
-            <a:r>
-              <a:rPr lang="sv-SE" sz="1400" dirty="0" smtClean="0"/>
-              <a:t>NODE</a:t>
-            </a:r>
-          </a:p>
-          <a:p>
-            <a:pPr marL="457200" indent="-457200">
-              <a:buFont typeface="+mj-lt"/>
-              <a:buAutoNum type="arabicPeriod"/>
-            </a:pPr>
-            <a:r>
-              <a:rPr lang="sv-SE" sz="1400" dirty="0" smtClean="0"/>
-              <a:t>DOCUMENT</a:t>
-            </a:r>
-            <a:r>
-              <a:rPr lang="sv-SE" sz="1400" dirty="0" smtClean="0">
-                <a:solidFill>
-                  <a:srgbClr val="000000"/>
-                </a:solidFill>
-                <a:latin typeface="Times New Roman"/>
-              </a:rPr>
-              <a:t>_</a:t>
-            </a:r>
-            <a:r>
-              <a:rPr lang="sv-SE" sz="1400" dirty="0" smtClean="0"/>
-              <a:t>NODE</a:t>
-            </a:r>
-          </a:p>
-          <a:p>
-            <a:pPr marL="457200" indent="-457200">
-              <a:buFont typeface="+mj-lt"/>
-              <a:buAutoNum type="arabicPeriod"/>
-            </a:pPr>
-            <a:r>
-              <a:rPr lang="sv-SE" sz="1400" dirty="0" smtClean="0"/>
-              <a:t>DOCUMENT</a:t>
-            </a:r>
-            <a:r>
-              <a:rPr lang="sv-SE" sz="1400" dirty="0" smtClean="0">
-                <a:solidFill>
-                  <a:srgbClr val="000000"/>
-                </a:solidFill>
-                <a:latin typeface="Times New Roman"/>
-              </a:rPr>
-              <a:t>_</a:t>
-            </a:r>
-            <a:r>
-              <a:rPr lang="sv-SE" sz="1400" dirty="0" smtClean="0"/>
-              <a:t>TYPE</a:t>
-            </a:r>
-            <a:r>
-              <a:rPr lang="sv-SE" sz="1400" dirty="0" smtClean="0">
-                <a:solidFill>
-                  <a:srgbClr val="000000"/>
-                </a:solidFill>
-                <a:latin typeface="Times New Roman"/>
-              </a:rPr>
-              <a:t>_</a:t>
-            </a:r>
-            <a:r>
-              <a:rPr lang="sv-SE" sz="1400" dirty="0" smtClean="0"/>
-              <a:t>NODE</a:t>
-            </a:r>
-          </a:p>
-          <a:p>
-            <a:pPr marL="457200" indent="-457200">
-              <a:buFont typeface="+mj-lt"/>
-              <a:buAutoNum type="arabicPeriod"/>
-            </a:pPr>
-            <a:r>
-              <a:rPr lang="sv-SE" sz="1400" dirty="0" smtClean="0"/>
-              <a:t>CDATA</a:t>
-            </a:r>
-            <a:r>
-              <a:rPr lang="sv-SE" sz="1400" dirty="0" smtClean="0">
-                <a:solidFill>
-                  <a:srgbClr val="000000"/>
-                </a:solidFill>
-                <a:latin typeface="Times New Roman"/>
-              </a:rPr>
-              <a:t>_</a:t>
-            </a:r>
-            <a:r>
-              <a:rPr lang="sv-SE" sz="1400" dirty="0" smtClean="0"/>
-              <a:t>FRAGMENT</a:t>
-            </a:r>
-            <a:r>
-              <a:rPr lang="sv-SE" sz="1400" dirty="0" smtClean="0">
-                <a:solidFill>
-                  <a:srgbClr val="000000"/>
-                </a:solidFill>
-                <a:latin typeface="Times New Roman"/>
-              </a:rPr>
-              <a:t>_</a:t>
-            </a:r>
-            <a:r>
-              <a:rPr lang="sv-SE" sz="1400" dirty="0" smtClean="0"/>
-              <a:t>NODE</a:t>
-            </a:r>
-          </a:p>
-          <a:p>
-            <a:pPr marL="457200" indent="-457200">
-              <a:buFont typeface="+mj-lt"/>
-              <a:buAutoNum type="arabicPeriod"/>
-            </a:pPr>
-            <a:r>
-              <a:rPr lang="sv-SE" sz="1400" dirty="0" smtClean="0"/>
-              <a:t>NOTATION</a:t>
-            </a:r>
-            <a:r>
-              <a:rPr lang="sv-SE" sz="1400" dirty="0" smtClean="0">
-                <a:solidFill>
-                  <a:srgbClr val="000000"/>
-                </a:solidFill>
-                <a:latin typeface="Times New Roman"/>
-              </a:rPr>
-              <a:t>_</a:t>
-            </a:r>
-            <a:r>
-              <a:rPr lang="sv-SE" sz="1400" dirty="0" smtClean="0"/>
-              <a:t>NODE</a:t>
-            </a:r>
-            <a:endParaRPr lang="sv-SE" sz="1400" dirty="0"/>
-          </a:p>
-          <a:p>
-            <a:pPr marL="457200" indent="-457200">
-              <a:buFont typeface="+mj-lt"/>
-              <a:buAutoNum type="arabicPeriod"/>
-            </a:pPr>
+            <a:r>
+              <a:rPr lang="sv-SE" dirty="0" smtClean="0"/>
+              <a:t>För att komma åt en eller flera noder i trädet kan vi t.ex. använda dessa metoder:</a:t>
+            </a:r>
             <a:endParaRPr lang="sv-SE" dirty="0"/>
-          </a:p>
-          <a:p>
-            <a:pPr marL="457200" indent="-457200">
-              <a:buFont typeface="+mj-lt"/>
-              <a:buAutoNum type="arabicPeriod"/>
-            </a:pPr>
-            <a:endParaRPr lang="sv-SE" dirty="0"/>
-          </a:p>
-          <a:p>
-            <a:pPr marL="457200" indent="-457200">
-              <a:buFont typeface="+mj-lt"/>
-              <a:buAutoNum type="arabicPeriod"/>
-            </a:pPr>
-            <a:endParaRPr lang="sv-SE" dirty="0" smtClean="0"/>
-          </a:p>
-          <a:p>
-            <a:pPr marL="457200" indent="-457200">
-              <a:buFont typeface="+mj-lt"/>
-              <a:buAutoNum type="arabicPeriod"/>
-            </a:pPr>
-            <a:endParaRPr lang="sv-SE" dirty="0"/>
-          </a:p>
-          <a:p>
-            <a:pPr marL="457200" indent="-457200">
-              <a:buFont typeface="+mj-lt"/>
-              <a:buAutoNum type="arabicPeriod"/>
-            </a:pPr>
-            <a:endParaRPr lang="sv-SE" dirty="0"/>
-          </a:p>
-          <a:p>
-            <a:pPr marL="457200" indent="-457200">
-              <a:buFont typeface="+mj-lt"/>
-              <a:buAutoNum type="arabicPeriod"/>
-            </a:pPr>
-            <a:endParaRPr lang="sv-SE" dirty="0"/>
-          </a:p>
-          <a:p>
-            <a:pPr marL="457200" indent="-457200">
-              <a:buFont typeface="+mj-lt"/>
-              <a:buAutoNum type="arabicPeriod"/>
-            </a:pPr>
-            <a:endParaRPr lang="sv-SE" dirty="0"/>
-          </a:p>
-          <a:p>
-            <a:pPr marL="457200" indent="-457200">
-              <a:buFont typeface="+mj-lt"/>
-              <a:buAutoNum type="arabicPeriod"/>
-            </a:pPr>
-            <a:endParaRPr lang="sv-SE" dirty="0" smtClean="0"/>
-          </a:p>
-          <a:p>
-            <a:pPr marL="457200" indent="-457200">
-              <a:buFont typeface="+mj-lt"/>
-              <a:buAutoNum type="arabicPeriod"/>
-            </a:pPr>
-            <a:endParaRPr lang="sv-SE" dirty="0"/>
-          </a:p>
-          <a:p>
-            <a:pPr marL="457200" indent="-457200">
-              <a:buFont typeface="+mj-lt"/>
-              <a:buAutoNum type="arabicPeriod"/>
-            </a:pPr>
-            <a:endParaRPr lang="sv-SE" dirty="0"/>
-          </a:p>
-          <a:p>
-            <a:pPr marL="457200" indent="-457200">
-              <a:buFont typeface="+mj-lt"/>
-              <a:buAutoNum type="arabicPeriod"/>
-            </a:pPr>
-            <a:endParaRPr lang="sv-SE" dirty="0"/>
-          </a:p>
-          <a:p>
-            <a:pPr marL="457200" indent="-457200">
-              <a:buFont typeface="+mj-lt"/>
-              <a:buAutoNum type="arabicPeriod"/>
-            </a:pPr>
-            <a:endParaRPr lang="sv-SE" dirty="0"/>
-          </a:p>
-          <a:p>
-            <a:pPr marL="457200" indent="-457200">
-              <a:buFont typeface="+mj-lt"/>
-              <a:buAutoNum type="arabicPeriod"/>
-            </a:pPr>
-            <a:endParaRPr lang="sv-SE" dirty="0" smtClean="0"/>
           </a:p>
         </p:txBody>
       </p:sp>
+      <p:graphicFrame>
+        <p:nvGraphicFramePr>
+          <p:cNvPr id="4" name="Group 19"/>
+          <p:cNvGraphicFramePr>
+            <a:graphicFrameLocks noGrp="1"/>
+          </p:cNvGraphicFramePr>
+          <p:nvPr>
+            <p:extLst>
+              <p:ext uri="{D42A27DB-BD31-4B8C-83A1-F6EECF244321}">
+                <p14:modId xmlns:p14="http://schemas.microsoft.com/office/powerpoint/2010/main" val="893397887"/>
+              </p:ext>
+            </p:extLst>
+          </p:nvPr>
+        </p:nvGraphicFramePr>
+        <p:xfrm>
+          <a:off x="394146" y="2042608"/>
+          <a:ext cx="8282310" cy="2098146"/>
+        </p:xfrm>
+        <a:graphic>
+          <a:graphicData uri="http://schemas.openxmlformats.org/drawingml/2006/table">
+            <a:tbl>
+              <a:tblPr>
+                <a:tableStyleId>{8A107856-5554-42FB-B03E-39F5DBC370BA}</a:tableStyleId>
+              </a:tblPr>
+              <a:tblGrid>
+                <a:gridCol w="3727772"/>
+                <a:gridCol w="4554538"/>
+              </a:tblGrid>
+              <a:tr h="539750">
+                <a:tc>
+                  <a:txBody>
+                    <a:bodyPr/>
+                    <a:lstStyle/>
+                    <a:p>
+                      <a:pPr marL="0" marR="0" lvl="0" indent="0" algn="l" defTabSz="914400" rtl="0" eaLnBrk="1" fontAlgn="base" latinLnBrk="0" hangingPunct="1">
+                        <a:lnSpc>
+                          <a:spcPct val="100000"/>
+                        </a:lnSpc>
+                        <a:spcBef>
+                          <a:spcPct val="20000"/>
+                        </a:spcBef>
+                        <a:spcAft>
+                          <a:spcPct val="0"/>
+                        </a:spcAft>
+                        <a:buClrTx/>
+                        <a:buSzTx/>
+                        <a:buFontTx/>
+                        <a:buNone/>
+                        <a:tabLst/>
+                      </a:pPr>
+                      <a:r>
+                        <a:rPr kumimoji="0" lang="sv-SE" sz="1200" b="1" u="none" strike="noStrike" cap="none" normalizeH="0" baseline="0" dirty="0" err="1" smtClean="0">
+                          <a:ln>
+                            <a:noFill/>
+                          </a:ln>
+                          <a:effectLst/>
+                          <a:latin typeface="Courier New" pitchFamily="49" charset="0"/>
+                          <a:cs typeface="Courier New" pitchFamily="49" charset="0"/>
+                        </a:rPr>
+                        <a:t>document.getElementById</a:t>
+                      </a:r>
+                      <a:r>
+                        <a:rPr kumimoji="0" lang="sv-SE" sz="1200" b="1" u="none" strike="noStrike" cap="none" normalizeH="0" baseline="0" dirty="0" smtClean="0">
+                          <a:ln>
+                            <a:noFill/>
+                          </a:ln>
+                          <a:effectLst/>
+                          <a:latin typeface="Courier New" pitchFamily="49" charset="0"/>
+                          <a:cs typeface="Courier New" pitchFamily="49" charset="0"/>
+                        </a:rPr>
+                        <a:t>( </a:t>
+                      </a:r>
+                      <a:r>
+                        <a:rPr kumimoji="0" lang="sv-SE" sz="1200" b="1" u="none" strike="noStrike" cap="none" normalizeH="0" baseline="0" dirty="0" err="1" smtClean="0">
+                          <a:ln>
+                            <a:noFill/>
+                          </a:ln>
+                          <a:effectLst/>
+                          <a:latin typeface="Courier New" pitchFamily="49" charset="0"/>
+                          <a:cs typeface="Courier New" pitchFamily="49" charset="0"/>
+                        </a:rPr>
+                        <a:t>idvalue</a:t>
+                      </a:r>
+                      <a:r>
+                        <a:rPr kumimoji="0" lang="sv-SE" sz="1200" b="1" u="none" strike="noStrike" cap="none" normalizeH="0" baseline="0" dirty="0" smtClean="0">
+                          <a:ln>
+                            <a:noFill/>
+                          </a:ln>
+                          <a:effectLst/>
+                          <a:latin typeface="Courier New" pitchFamily="49" charset="0"/>
+                          <a:cs typeface="Courier New" pitchFamily="49" charset="0"/>
+                        </a:rPr>
+                        <a:t> )</a:t>
+                      </a:r>
+                      <a:endParaRPr kumimoji="0" lang="en-US" sz="1200" b="1" i="0" u="none" strike="noStrike" cap="none" normalizeH="0" baseline="0" dirty="0" smtClean="0">
+                        <a:ln>
+                          <a:noFill/>
+                        </a:ln>
+                        <a:solidFill>
+                          <a:schemeClr val="tx1"/>
+                        </a:solidFill>
+                        <a:effectLst/>
+                        <a:latin typeface="Courier New" pitchFamily="49" charset="0"/>
+                        <a:cs typeface="Courier New" pitchFamily="49" charset="0"/>
+                      </a:endParaRPr>
+                    </a:p>
+                  </a:txBody>
+                  <a:tcPr marT="38100" marB="38100" horzOverflow="overflow"/>
+                </a:tc>
+                <a:tc>
+                  <a:txBody>
+                    <a:bodyPr/>
+                    <a:lstStyle/>
+                    <a:p>
+                      <a:pPr marL="0" marR="0" lvl="0" indent="0" algn="l" defTabSz="914400" rtl="0" eaLnBrk="1" fontAlgn="base" latinLnBrk="0" hangingPunct="1">
+                        <a:lnSpc>
+                          <a:spcPct val="100000"/>
+                        </a:lnSpc>
+                        <a:spcBef>
+                          <a:spcPct val="20000"/>
+                        </a:spcBef>
+                        <a:spcAft>
+                          <a:spcPct val="0"/>
+                        </a:spcAft>
+                        <a:buClrTx/>
+                        <a:buSzTx/>
+                        <a:buFontTx/>
+                        <a:buNone/>
+                        <a:tabLst/>
+                      </a:pPr>
+                      <a:r>
+                        <a:rPr kumimoji="0" lang="sv-SE" sz="1400" u="none" strike="noStrike" cap="none" normalizeH="0" baseline="0" dirty="0" smtClean="0">
+                          <a:ln>
+                            <a:noFill/>
+                          </a:ln>
+                          <a:effectLst/>
+                        </a:rPr>
+                        <a:t>Returnerar en referens till den nod i trädet som har det angivna </a:t>
+                      </a:r>
+                      <a:r>
+                        <a:rPr kumimoji="0" lang="sv-SE" sz="1400" u="none" strike="noStrike" cap="none" normalizeH="0" baseline="0" dirty="0" err="1" smtClean="0">
+                          <a:ln>
+                            <a:noFill/>
+                          </a:ln>
+                          <a:effectLst/>
+                        </a:rPr>
+                        <a:t>ID:t</a:t>
+                      </a:r>
+                      <a:r>
+                        <a:rPr kumimoji="0" lang="sv-SE" sz="1400" u="none" strike="noStrike" cap="none" normalizeH="0" baseline="0" dirty="0" smtClean="0">
+                          <a:ln>
+                            <a:noFill/>
+                          </a:ln>
+                          <a:effectLst/>
+                        </a:rPr>
+                        <a:t>.</a:t>
+                      </a:r>
+                      <a:endParaRPr kumimoji="0" lang="en-US" sz="1400" b="0" i="0" u="none" strike="noStrike" cap="none" normalizeH="0" baseline="0" dirty="0" smtClean="0">
+                        <a:ln>
+                          <a:noFill/>
+                        </a:ln>
+                        <a:solidFill>
+                          <a:schemeClr val="tx1"/>
+                        </a:solidFill>
+                        <a:effectLst/>
+                        <a:latin typeface="Minya Nouvelle" charset="0"/>
+                      </a:endParaRPr>
+                    </a:p>
+                  </a:txBody>
+                  <a:tcPr marT="38100" marB="38100" horzOverflow="overflow"/>
+                </a:tc>
+              </a:tr>
+              <a:tr h="779198">
+                <a:tc>
+                  <a:txBody>
+                    <a:bodyPr/>
+                    <a:lstStyle/>
+                    <a:p>
+                      <a:pPr marL="0" marR="0" lvl="0" indent="0" algn="l" defTabSz="914400" rtl="0" eaLnBrk="1" fontAlgn="base" latinLnBrk="0" hangingPunct="1">
+                        <a:lnSpc>
+                          <a:spcPct val="100000"/>
+                        </a:lnSpc>
+                        <a:spcBef>
+                          <a:spcPct val="20000"/>
+                        </a:spcBef>
+                        <a:spcAft>
+                          <a:spcPct val="0"/>
+                        </a:spcAft>
+                        <a:buClrTx/>
+                        <a:buSzTx/>
+                        <a:buFontTx/>
+                        <a:buNone/>
+                        <a:tabLst/>
+                        <a:defRPr/>
+                      </a:pPr>
+                      <a:r>
+                        <a:rPr kumimoji="0" lang="sv-SE" sz="1100" b="1" u="none" strike="noStrike" cap="none" normalizeH="0" baseline="0" dirty="0" err="1" smtClean="0">
+                          <a:ln>
+                            <a:noFill/>
+                          </a:ln>
+                          <a:effectLst/>
+                          <a:latin typeface="Courier New" pitchFamily="49" charset="0"/>
+                          <a:cs typeface="Courier New" pitchFamily="49" charset="0"/>
+                        </a:rPr>
+                        <a:t>document.getElementsByTagName</a:t>
+                      </a:r>
+                      <a:r>
+                        <a:rPr kumimoji="0" lang="sv-SE" sz="1100" b="1" u="none" strike="noStrike" cap="none" normalizeH="0" baseline="0" dirty="0" smtClean="0">
+                          <a:ln>
+                            <a:noFill/>
+                          </a:ln>
+                          <a:effectLst/>
+                          <a:latin typeface="Courier New" pitchFamily="49" charset="0"/>
+                          <a:cs typeface="Courier New" pitchFamily="49" charset="0"/>
+                        </a:rPr>
+                        <a:t>(</a:t>
+                      </a:r>
+                      <a:r>
+                        <a:rPr kumimoji="0" lang="sv-SE" sz="1100" b="1" u="none" strike="noStrike" cap="none" normalizeH="0" baseline="0" dirty="0" err="1" smtClean="0">
+                          <a:ln>
+                            <a:noFill/>
+                          </a:ln>
+                          <a:effectLst/>
+                          <a:latin typeface="Courier New" pitchFamily="49" charset="0"/>
+                          <a:cs typeface="Courier New" pitchFamily="49" charset="0"/>
+                        </a:rPr>
+                        <a:t>tagname</a:t>
+                      </a:r>
+                      <a:r>
+                        <a:rPr kumimoji="0" lang="sv-SE" sz="1100" b="1" u="none" strike="noStrike" cap="none" normalizeH="0" baseline="0" dirty="0" smtClean="0">
+                          <a:ln>
+                            <a:noFill/>
+                          </a:ln>
+                          <a:effectLst/>
+                          <a:latin typeface="Courier New" pitchFamily="49" charset="0"/>
+                          <a:cs typeface="Courier New" pitchFamily="49" charset="0"/>
+                        </a:rPr>
+                        <a:t>)</a:t>
+                      </a:r>
+                      <a:endParaRPr kumimoji="0" lang="en-US" sz="1100" b="1" u="none" strike="noStrike" cap="none" normalizeH="0" baseline="0" dirty="0" smtClean="0">
+                        <a:ln>
+                          <a:noFill/>
+                        </a:ln>
+                        <a:effectLst/>
+                        <a:latin typeface="Courier New" pitchFamily="49" charset="0"/>
+                        <a:cs typeface="Courier New" pitchFamily="49" charset="0"/>
+                      </a:endParaRPr>
+                    </a:p>
+                    <a:p>
+                      <a:pPr marL="0" marR="0" lvl="0" indent="0" algn="l" defTabSz="914400" rtl="0" eaLnBrk="1" fontAlgn="base" latinLnBrk="0" hangingPunct="1">
+                        <a:lnSpc>
+                          <a:spcPct val="100000"/>
+                        </a:lnSpc>
+                        <a:spcBef>
+                          <a:spcPct val="20000"/>
+                        </a:spcBef>
+                        <a:spcAft>
+                          <a:spcPct val="0"/>
+                        </a:spcAft>
+                        <a:buClrTx/>
+                        <a:buSzTx/>
+                        <a:buFontTx/>
+                        <a:buNone/>
+                        <a:tabLst/>
+                      </a:pPr>
+                      <a:r>
+                        <a:rPr kumimoji="0" lang="sv-SE" sz="1100" b="1" u="none" strike="noStrike" cap="none" normalizeH="0" baseline="0" dirty="0" smtClean="0">
+                          <a:ln>
+                            <a:noFill/>
+                          </a:ln>
+                          <a:effectLst/>
+                          <a:latin typeface="Courier New" pitchFamily="49" charset="0"/>
+                          <a:cs typeface="Courier New" pitchFamily="49" charset="0"/>
+                        </a:rPr>
+                        <a:t/>
+                      </a:r>
+                      <a:br>
+                        <a:rPr kumimoji="0" lang="sv-SE" sz="1100" b="1" u="none" strike="noStrike" cap="none" normalizeH="0" baseline="0" dirty="0" smtClean="0">
+                          <a:ln>
+                            <a:noFill/>
+                          </a:ln>
+                          <a:effectLst/>
+                          <a:latin typeface="Courier New" pitchFamily="49" charset="0"/>
+                          <a:cs typeface="Courier New" pitchFamily="49" charset="0"/>
+                        </a:rPr>
+                      </a:br>
+                      <a:r>
+                        <a:rPr kumimoji="0" lang="sv-SE" sz="1100" b="1" u="none" strike="noStrike" cap="none" normalizeH="0" baseline="0" dirty="0" err="1" smtClean="0">
+                          <a:ln>
+                            <a:noFill/>
+                          </a:ln>
+                          <a:effectLst/>
+                          <a:latin typeface="Courier New" pitchFamily="49" charset="0"/>
+                          <a:cs typeface="Courier New" pitchFamily="49" charset="0"/>
+                        </a:rPr>
+                        <a:t>node.getElementsByTagName</a:t>
+                      </a:r>
+                      <a:r>
+                        <a:rPr kumimoji="0" lang="sv-SE" sz="1100" b="1" u="none" strike="noStrike" cap="none" normalizeH="0" baseline="0" dirty="0" smtClean="0">
+                          <a:ln>
+                            <a:noFill/>
+                          </a:ln>
+                          <a:effectLst/>
+                          <a:latin typeface="Courier New" pitchFamily="49" charset="0"/>
+                          <a:cs typeface="Courier New" pitchFamily="49" charset="0"/>
+                        </a:rPr>
+                        <a:t>(</a:t>
+                      </a:r>
+                      <a:r>
+                        <a:rPr kumimoji="0" lang="sv-SE" sz="1100" b="1" u="none" strike="noStrike" cap="none" normalizeH="0" baseline="0" dirty="0" err="1" smtClean="0">
+                          <a:ln>
+                            <a:noFill/>
+                          </a:ln>
+                          <a:effectLst/>
+                          <a:latin typeface="Courier New" pitchFamily="49" charset="0"/>
+                          <a:cs typeface="Courier New" pitchFamily="49" charset="0"/>
+                        </a:rPr>
+                        <a:t>tagname</a:t>
+                      </a:r>
+                      <a:r>
+                        <a:rPr kumimoji="0" lang="sv-SE" sz="1100" b="1" u="none" strike="noStrike" cap="none" normalizeH="0" baseline="0" dirty="0" smtClean="0">
+                          <a:ln>
+                            <a:noFill/>
+                          </a:ln>
+                          <a:effectLst/>
+                          <a:latin typeface="Courier New" pitchFamily="49" charset="0"/>
+                          <a:cs typeface="Courier New" pitchFamily="49" charset="0"/>
+                        </a:rPr>
+                        <a:t>)</a:t>
+                      </a:r>
+                      <a:endParaRPr kumimoji="0" lang="en-US" sz="1100" b="1" i="0" u="none" strike="noStrike" cap="none" normalizeH="0" baseline="0" dirty="0" smtClean="0">
+                        <a:ln>
+                          <a:noFill/>
+                        </a:ln>
+                        <a:solidFill>
+                          <a:schemeClr val="tx1"/>
+                        </a:solidFill>
+                        <a:effectLst/>
+                        <a:latin typeface="Courier New" pitchFamily="49" charset="0"/>
+                        <a:cs typeface="Courier New" pitchFamily="49" charset="0"/>
+                      </a:endParaRPr>
+                    </a:p>
+                  </a:txBody>
+                  <a:tcPr marT="38100" marB="38100" horzOverflow="overflow"/>
+                </a:tc>
+                <a:tc>
+                  <a:txBody>
+                    <a:bodyPr/>
+                    <a:lstStyle/>
+                    <a:p>
+                      <a:pPr marL="0" marR="0" lvl="0" indent="0" algn="l" defTabSz="914400" rtl="0" eaLnBrk="1" fontAlgn="base" latinLnBrk="0" hangingPunct="1">
+                        <a:lnSpc>
+                          <a:spcPct val="100000"/>
+                        </a:lnSpc>
+                        <a:spcBef>
+                          <a:spcPct val="20000"/>
+                        </a:spcBef>
+                        <a:spcAft>
+                          <a:spcPct val="0"/>
+                        </a:spcAft>
+                        <a:buClrTx/>
+                        <a:buSzTx/>
+                        <a:buFontTx/>
+                        <a:buNone/>
+                        <a:tabLst/>
+                      </a:pPr>
+                      <a:r>
+                        <a:rPr kumimoji="0" lang="sv-SE" sz="1400" u="none" strike="noStrike" cap="none" normalizeH="0" baseline="0" dirty="0" smtClean="0">
+                          <a:ln>
+                            <a:noFill/>
+                          </a:ln>
+                          <a:effectLst/>
+                        </a:rPr>
+                        <a:t>Returnerar en </a:t>
+                      </a:r>
+                      <a:r>
+                        <a:rPr kumimoji="0" lang="sv-SE" sz="1400" u="none" strike="noStrike" cap="none" normalizeH="0" baseline="0" dirty="0" err="1" smtClean="0">
+                          <a:ln>
+                            <a:noFill/>
+                          </a:ln>
+                          <a:effectLst/>
+                        </a:rPr>
+                        <a:t>nodlista</a:t>
+                      </a:r>
+                      <a:r>
+                        <a:rPr kumimoji="0" lang="sv-SE" sz="1400" u="none" strike="noStrike" cap="none" normalizeH="0" baseline="0" dirty="0" smtClean="0">
+                          <a:ln>
+                            <a:noFill/>
+                          </a:ln>
+                          <a:effectLst/>
+                        </a:rPr>
+                        <a:t> med noder (0 eller flera) med det angivna tagg-namnet.</a:t>
+                      </a:r>
+                    </a:p>
+                    <a:p>
+                      <a:pPr marL="0" marR="0" lvl="0" indent="0" algn="l" defTabSz="914400" rtl="0" eaLnBrk="1" fontAlgn="base" latinLnBrk="0" hangingPunct="1">
+                        <a:lnSpc>
+                          <a:spcPct val="100000"/>
+                        </a:lnSpc>
+                        <a:spcBef>
+                          <a:spcPct val="20000"/>
+                        </a:spcBef>
+                        <a:spcAft>
+                          <a:spcPct val="0"/>
+                        </a:spcAft>
+                        <a:buClrTx/>
+                        <a:buSzTx/>
+                        <a:buFontTx/>
+                        <a:buNone/>
+                        <a:tabLst/>
+                      </a:pPr>
+                      <a:r>
+                        <a:rPr kumimoji="0" lang="sv-SE" sz="1400" u="none" strike="noStrike" cap="none" normalizeH="0" baseline="0" dirty="0" smtClean="0">
+                          <a:ln>
+                            <a:noFill/>
+                          </a:ln>
+                          <a:effectLst/>
+                        </a:rPr>
+                        <a:t>Listan fungerar ungefär som en </a:t>
+                      </a:r>
+                      <a:r>
+                        <a:rPr kumimoji="0" lang="sv-SE" sz="1400" u="none" strike="noStrike" cap="none" normalizeH="0" baseline="0" dirty="0" err="1" smtClean="0">
+                          <a:ln>
+                            <a:noFill/>
+                          </a:ln>
+                          <a:effectLst/>
+                        </a:rPr>
+                        <a:t>array</a:t>
+                      </a:r>
+                      <a:r>
+                        <a:rPr kumimoji="0" lang="sv-SE" sz="1400" u="none" strike="noStrike" cap="none" normalizeH="0" baseline="0" dirty="0" smtClean="0">
+                          <a:ln>
+                            <a:noFill/>
+                          </a:ln>
+                          <a:effectLst/>
+                        </a:rPr>
+                        <a:t>.</a:t>
+                      </a:r>
+                      <a:endParaRPr kumimoji="0" lang="en-US" sz="1400" b="0" i="0" u="none" strike="noStrike" cap="none" normalizeH="0" baseline="0" dirty="0" smtClean="0">
+                        <a:ln>
+                          <a:noFill/>
+                        </a:ln>
+                        <a:solidFill>
+                          <a:schemeClr val="tx1"/>
+                        </a:solidFill>
+                        <a:effectLst/>
+                        <a:latin typeface="Minya Nouvelle" charset="0"/>
+                      </a:endParaRPr>
+                    </a:p>
+                  </a:txBody>
+                  <a:tcPr marT="38100" marB="38100" horzOverflow="overflow"/>
+                </a:tc>
+              </a:tr>
+              <a:tr h="779198">
+                <a:tc>
+                  <a:txBody>
+                    <a:bodyPr/>
+                    <a:lstStyle/>
+                    <a:p>
+                      <a:pPr marL="0" marR="0" lvl="0" indent="0" algn="l" defTabSz="914400" rtl="0" eaLnBrk="1" fontAlgn="base" latinLnBrk="0" hangingPunct="1">
+                        <a:lnSpc>
+                          <a:spcPct val="100000"/>
+                        </a:lnSpc>
+                        <a:spcBef>
+                          <a:spcPct val="20000"/>
+                        </a:spcBef>
+                        <a:spcAft>
+                          <a:spcPct val="0"/>
+                        </a:spcAft>
+                        <a:buClrTx/>
+                        <a:buSzTx/>
+                        <a:buFontTx/>
+                        <a:buNone/>
+                        <a:tabLst/>
+                      </a:pPr>
+                      <a:r>
+                        <a:rPr kumimoji="0" lang="en-US" sz="1100" b="1" i="0" u="none" strike="noStrike" cap="none" normalizeH="0" baseline="0" dirty="0" err="1" smtClean="0">
+                          <a:ln>
+                            <a:noFill/>
+                          </a:ln>
+                          <a:solidFill>
+                            <a:schemeClr val="tx1"/>
+                          </a:solidFill>
+                          <a:effectLst/>
+                          <a:latin typeface="Courier New" pitchFamily="49" charset="0"/>
+                          <a:cs typeface="Courier New" pitchFamily="49" charset="0"/>
+                        </a:rPr>
+                        <a:t>document.getElementsByClassName</a:t>
+                      </a:r>
+                      <a:r>
+                        <a:rPr kumimoji="0" lang="en-US" sz="1100" b="1" i="0" u="none" strike="noStrike" cap="none" normalizeH="0" baseline="0" dirty="0" smtClean="0">
+                          <a:ln>
+                            <a:noFill/>
+                          </a:ln>
+                          <a:solidFill>
+                            <a:schemeClr val="tx1"/>
+                          </a:solidFill>
+                          <a:effectLst/>
+                          <a:latin typeface="Courier New" pitchFamily="49" charset="0"/>
+                          <a:cs typeface="Courier New" pitchFamily="49" charset="0"/>
+                        </a:rPr>
+                        <a:t>(</a:t>
+                      </a:r>
+                      <a:r>
+                        <a:rPr kumimoji="0" lang="en-US" sz="1100" b="1" i="0" u="none" strike="noStrike" cap="none" normalizeH="0" baseline="0" dirty="0" err="1" smtClean="0">
+                          <a:ln>
+                            <a:noFill/>
+                          </a:ln>
+                          <a:solidFill>
+                            <a:schemeClr val="tx1"/>
+                          </a:solidFill>
+                          <a:effectLst/>
+                          <a:latin typeface="Courier New" pitchFamily="49" charset="0"/>
+                          <a:cs typeface="Courier New" pitchFamily="49" charset="0"/>
+                        </a:rPr>
+                        <a:t>classname</a:t>
+                      </a:r>
+                      <a:r>
+                        <a:rPr kumimoji="0" lang="en-US" sz="1100" b="1" i="0" u="none" strike="noStrike" cap="none" normalizeH="0" baseline="0" dirty="0" smtClean="0">
+                          <a:ln>
+                            <a:noFill/>
+                          </a:ln>
+                          <a:solidFill>
+                            <a:schemeClr val="tx1"/>
+                          </a:solidFill>
+                          <a:effectLst/>
+                          <a:latin typeface="Courier New" pitchFamily="49" charset="0"/>
+                          <a:cs typeface="Courier New" pitchFamily="49" charset="0"/>
+                        </a:rPr>
+                        <a:t>)</a:t>
+                      </a:r>
+                    </a:p>
+                    <a:p>
+                      <a:pPr marL="0" marR="0" lvl="0" indent="0" algn="l" defTabSz="914400" rtl="0" eaLnBrk="1" fontAlgn="base" latinLnBrk="0" hangingPunct="1">
+                        <a:lnSpc>
+                          <a:spcPct val="100000"/>
+                        </a:lnSpc>
+                        <a:spcBef>
+                          <a:spcPct val="20000"/>
+                        </a:spcBef>
+                        <a:spcAft>
+                          <a:spcPct val="0"/>
+                        </a:spcAft>
+                        <a:buClrTx/>
+                        <a:buSzTx/>
+                        <a:buFontTx/>
+                        <a:buNone/>
+                        <a:tabLst/>
+                      </a:pPr>
+                      <a:endParaRPr kumimoji="0" lang="en-US" sz="1100" b="1" i="0" u="none" strike="noStrike" cap="none" normalizeH="0" baseline="0" dirty="0" smtClean="0">
+                        <a:ln>
+                          <a:noFill/>
+                        </a:ln>
+                        <a:solidFill>
+                          <a:schemeClr val="tx1"/>
+                        </a:solidFill>
+                        <a:effectLst/>
+                        <a:latin typeface="Courier New" pitchFamily="49" charset="0"/>
+                        <a:cs typeface="Courier New" pitchFamily="49" charset="0"/>
+                      </a:endParaRPr>
+                    </a:p>
+                    <a:p>
+                      <a:pPr marL="0" marR="0" lvl="0" indent="0" algn="l" defTabSz="914400" rtl="0" eaLnBrk="1" fontAlgn="base" latinLnBrk="0" hangingPunct="1">
+                        <a:lnSpc>
+                          <a:spcPct val="100000"/>
+                        </a:lnSpc>
+                        <a:spcBef>
+                          <a:spcPct val="20000"/>
+                        </a:spcBef>
+                        <a:spcAft>
+                          <a:spcPct val="0"/>
+                        </a:spcAft>
+                        <a:buClrTx/>
+                        <a:buSzTx/>
+                        <a:buFontTx/>
+                        <a:buNone/>
+                        <a:tabLst/>
+                      </a:pPr>
+                      <a:r>
+                        <a:rPr kumimoji="0" lang="en-US" sz="1100" b="1" i="0" u="none" strike="noStrike" cap="none" normalizeH="0" baseline="0" dirty="0" err="1" smtClean="0">
+                          <a:ln>
+                            <a:noFill/>
+                          </a:ln>
+                          <a:solidFill>
+                            <a:schemeClr val="tx1"/>
+                          </a:solidFill>
+                          <a:effectLst/>
+                          <a:latin typeface="Courier New" pitchFamily="49" charset="0"/>
+                          <a:cs typeface="Courier New" pitchFamily="49" charset="0"/>
+                        </a:rPr>
+                        <a:t>node.getElementsByClassName</a:t>
+                      </a:r>
+                      <a:r>
+                        <a:rPr kumimoji="0" lang="en-US" sz="1100" b="1" i="0" u="none" strike="noStrike" cap="none" normalizeH="0" baseline="0" dirty="0" smtClean="0">
+                          <a:ln>
+                            <a:noFill/>
+                          </a:ln>
+                          <a:solidFill>
+                            <a:schemeClr val="tx1"/>
+                          </a:solidFill>
+                          <a:effectLst/>
+                          <a:latin typeface="Courier New" pitchFamily="49" charset="0"/>
+                          <a:cs typeface="Courier New" pitchFamily="49" charset="0"/>
+                        </a:rPr>
+                        <a:t>(</a:t>
+                      </a:r>
+                      <a:r>
+                        <a:rPr kumimoji="0" lang="en-US" sz="1100" b="1" i="0" u="none" strike="noStrike" cap="none" normalizeH="0" baseline="0" dirty="0" err="1" smtClean="0">
+                          <a:ln>
+                            <a:noFill/>
+                          </a:ln>
+                          <a:solidFill>
+                            <a:schemeClr val="tx1"/>
+                          </a:solidFill>
+                          <a:effectLst/>
+                          <a:latin typeface="Courier New" pitchFamily="49" charset="0"/>
+                          <a:cs typeface="Courier New" pitchFamily="49" charset="0"/>
+                        </a:rPr>
+                        <a:t>classname</a:t>
+                      </a:r>
+                      <a:r>
+                        <a:rPr kumimoji="0" lang="en-US" sz="1100" b="1" i="0" u="none" strike="noStrike" cap="none" normalizeH="0" baseline="0" dirty="0" smtClean="0">
+                          <a:ln>
+                            <a:noFill/>
+                          </a:ln>
+                          <a:solidFill>
+                            <a:schemeClr val="tx1"/>
+                          </a:solidFill>
+                          <a:effectLst/>
+                          <a:latin typeface="Courier New" pitchFamily="49" charset="0"/>
+                          <a:cs typeface="Courier New" pitchFamily="49" charset="0"/>
+                        </a:rPr>
+                        <a:t>)</a:t>
+                      </a:r>
+                    </a:p>
+                  </a:txBody>
+                  <a:tcPr marT="38100" marB="38100" horzOverflow="overflow"/>
+                </a:tc>
+                <a:tc>
+                  <a:txBody>
+                    <a:bodyPr/>
+                    <a:lstStyle/>
+                    <a:p>
+                      <a:pPr marL="0" marR="0" lvl="0" indent="0" algn="l" defTabSz="914400" rtl="0" eaLnBrk="1" fontAlgn="base" latinLnBrk="0" hangingPunct="1">
+                        <a:lnSpc>
+                          <a:spcPct val="100000"/>
+                        </a:lnSpc>
+                        <a:spcBef>
+                          <a:spcPct val="20000"/>
+                        </a:spcBef>
+                        <a:spcAft>
+                          <a:spcPct val="0"/>
+                        </a:spcAft>
+                        <a:buClrTx/>
+                        <a:buSzTx/>
+                        <a:buFontTx/>
+                        <a:buNone/>
+                        <a:tabLst/>
+                      </a:pPr>
+                      <a:r>
+                        <a:rPr kumimoji="0" lang="sv-SE" sz="1400" u="none" strike="noStrike" cap="none" normalizeH="0" baseline="0" dirty="0" smtClean="0">
+                          <a:ln>
+                            <a:noFill/>
+                          </a:ln>
+                          <a:effectLst/>
+                        </a:rPr>
+                        <a:t>Likt ovan men observera, Internet Explorer 9+</a:t>
+                      </a:r>
+                      <a:br>
+                        <a:rPr kumimoji="0" lang="sv-SE" sz="1400" u="none" strike="noStrike" cap="none" normalizeH="0" baseline="0" dirty="0" smtClean="0">
+                          <a:ln>
+                            <a:noFill/>
+                          </a:ln>
+                          <a:effectLst/>
+                        </a:rPr>
+                      </a:br>
+                      <a:r>
+                        <a:rPr kumimoji="0" lang="sv-SE" sz="1400" i="1" u="none" strike="noStrike" cap="none" normalizeH="0" baseline="0" dirty="0" smtClean="0">
+                          <a:ln>
+                            <a:noFill/>
+                          </a:ln>
+                          <a:effectLst/>
+                        </a:rPr>
+                        <a:t>(HTML5-utökning av DOM lvl1)</a:t>
+                      </a:r>
+                      <a:endParaRPr kumimoji="0" lang="en-US" sz="1400" b="0" i="1" u="none" strike="noStrike" cap="none" normalizeH="0" baseline="0" dirty="0" smtClean="0">
+                        <a:ln>
+                          <a:noFill/>
+                        </a:ln>
+                        <a:solidFill>
+                          <a:schemeClr val="tx1"/>
+                        </a:solidFill>
+                        <a:effectLst/>
+                        <a:latin typeface="Minya Nouvelle" charset="0"/>
+                      </a:endParaRPr>
+                    </a:p>
+                  </a:txBody>
+                  <a:tcPr marT="38100" marB="38100" horzOverflow="overflow"/>
+                </a:tc>
+              </a:tr>
+            </a:tbl>
+          </a:graphicData>
+        </a:graphic>
+      </p:graphicFrame>
       <p:sp>
         <p:nvSpPr>
-          <p:cNvPr id="4" name="TextBox 3"/>
-          <p:cNvSpPr txBox="1"/>
+          <p:cNvPr id="5" name="Subtitle 2"/>
+          <p:cNvSpPr txBox="1">
+            <a:spLocks/>
+          </p:cNvSpPr>
           <p:nvPr/>
         </p:nvSpPr>
         <p:spPr>
           <a:xfrm>
-            <a:off x="3923928" y="1723370"/>
-            <a:ext cx="5009705" cy="2862322"/>
+            <a:off x="354308" y="4421336"/>
+            <a:ext cx="7962108" cy="1460500"/>
           </a:xfrm>
           <a:prstGeom prst="rect">
             <a:avLst/>
           </a:prstGeom>
         </p:spPr>
-        <p:style>
-          <a:lnRef idx="1">
-            <a:schemeClr val="accent2"/>
-          </a:lnRef>
-          <a:fillRef idx="2">
-            <a:schemeClr val="accent2"/>
-          </a:fillRef>
-          <a:effectRef idx="1">
-            <a:schemeClr val="accent2"/>
-          </a:effectRef>
-          <a:fontRef idx="minor">
-            <a:schemeClr val="dk1"/>
-          </a:fontRef>
-        </p:style>
         <p:txBody>
-          <a:bodyPr wrap="none" rtlCol="0">
-            <a:spAutoFit/>
-          </a:bodyPr>
-          <a:lstStyle/>
-          <a:p>
-            <a:r>
-              <a:rPr lang="sv-SE" dirty="0" err="1" smtClean="0">
-                <a:latin typeface="Courier New" pitchFamily="49" charset="0"/>
-                <a:cs typeface="Courier New" pitchFamily="49" charset="0"/>
-              </a:rPr>
-              <a:t>if</a:t>
-            </a:r>
-            <a:r>
-              <a:rPr lang="sv-SE" dirty="0" smtClean="0">
-                <a:latin typeface="Courier New" pitchFamily="49" charset="0"/>
-                <a:cs typeface="Courier New" pitchFamily="49" charset="0"/>
-              </a:rPr>
-              <a:t>(</a:t>
-            </a:r>
-            <a:r>
-              <a:rPr lang="sv-SE" dirty="0" err="1" smtClean="0">
-                <a:latin typeface="Courier New" pitchFamily="49" charset="0"/>
-                <a:cs typeface="Courier New" pitchFamily="49" charset="0"/>
-              </a:rPr>
-              <a:t>minDOMNode.</a:t>
-            </a:r>
-            <a:r>
-              <a:rPr lang="sv-SE" b="1" dirty="0" err="1" smtClean="0">
-                <a:latin typeface="Courier New" pitchFamily="49" charset="0"/>
-                <a:cs typeface="Courier New" pitchFamily="49" charset="0"/>
-              </a:rPr>
-              <a:t>nodeType</a:t>
-            </a:r>
-            <a:r>
-              <a:rPr lang="sv-SE" b="1" dirty="0" smtClean="0">
-                <a:latin typeface="Courier New" pitchFamily="49" charset="0"/>
-                <a:cs typeface="Courier New" pitchFamily="49" charset="0"/>
-              </a:rPr>
-              <a:t> === 1</a:t>
-            </a:r>
-            <a:r>
-              <a:rPr lang="sv-SE" dirty="0" smtClean="0">
-                <a:latin typeface="Courier New" pitchFamily="49" charset="0"/>
-                <a:cs typeface="Courier New" pitchFamily="49" charset="0"/>
-              </a:rPr>
-              <a:t>) {</a:t>
-            </a:r>
-          </a:p>
-          <a:p>
-            <a:endParaRPr lang="sv-SE" dirty="0" smtClean="0">
-              <a:latin typeface="Courier New" pitchFamily="49" charset="0"/>
-              <a:cs typeface="Courier New" pitchFamily="49" charset="0"/>
-            </a:endParaRPr>
-          </a:p>
-          <a:p>
-            <a:r>
-              <a:rPr lang="sv-SE" dirty="0">
-                <a:latin typeface="Courier New" pitchFamily="49" charset="0"/>
-                <a:cs typeface="Courier New" pitchFamily="49" charset="0"/>
-              </a:rPr>
-              <a:t> </a:t>
-            </a:r>
-            <a:r>
-              <a:rPr lang="sv-SE" dirty="0" smtClean="0">
-                <a:latin typeface="Courier New" pitchFamily="49" charset="0"/>
-                <a:cs typeface="Courier New" pitchFamily="49" charset="0"/>
-              </a:rPr>
-              <a:t>   </a:t>
-            </a:r>
-            <a:r>
-              <a:rPr lang="sv-SE" dirty="0" smtClean="0">
-                <a:latin typeface="Courier New" pitchFamily="49" charset="0"/>
-                <a:cs typeface="Courier New" pitchFamily="49" charset="0"/>
-              </a:rPr>
-              <a:t>console.log("</a:t>
-            </a:r>
-            <a:r>
-              <a:rPr lang="sv-SE" dirty="0" smtClean="0">
-                <a:latin typeface="Courier New" pitchFamily="49" charset="0"/>
-                <a:cs typeface="Courier New" pitchFamily="49" charset="0"/>
-              </a:rPr>
-              <a:t>Ett element");</a:t>
-            </a:r>
-          </a:p>
-          <a:p>
-            <a:endParaRPr lang="sv-SE" dirty="0" smtClean="0">
-              <a:latin typeface="Courier New" pitchFamily="49" charset="0"/>
-              <a:cs typeface="Courier New" pitchFamily="49" charset="0"/>
-            </a:endParaRPr>
-          </a:p>
-          <a:p>
-            <a:r>
-              <a:rPr lang="sv-SE" dirty="0" smtClean="0">
-                <a:latin typeface="Courier New" pitchFamily="49" charset="0"/>
-                <a:cs typeface="Courier New" pitchFamily="49" charset="0"/>
-              </a:rPr>
-              <a:t>} </a:t>
-            </a:r>
-          </a:p>
-          <a:p>
-            <a:r>
-              <a:rPr lang="sv-SE" dirty="0" err="1" smtClean="0">
-                <a:latin typeface="Courier New" pitchFamily="49" charset="0"/>
-                <a:cs typeface="Courier New" pitchFamily="49" charset="0"/>
-              </a:rPr>
-              <a:t>else</a:t>
-            </a:r>
-            <a:r>
-              <a:rPr lang="sv-SE" dirty="0" smtClean="0">
-                <a:latin typeface="Courier New" pitchFamily="49" charset="0"/>
-                <a:cs typeface="Courier New" pitchFamily="49" charset="0"/>
-              </a:rPr>
-              <a:t> </a:t>
-            </a:r>
-            <a:r>
-              <a:rPr lang="sv-SE" dirty="0" err="1" smtClean="0">
-                <a:latin typeface="Courier New" pitchFamily="49" charset="0"/>
-                <a:cs typeface="Courier New" pitchFamily="49" charset="0"/>
-              </a:rPr>
-              <a:t>if</a:t>
-            </a:r>
-            <a:r>
-              <a:rPr lang="sv-SE" dirty="0" smtClean="0">
-                <a:latin typeface="Courier New" pitchFamily="49" charset="0"/>
-                <a:cs typeface="Courier New" pitchFamily="49" charset="0"/>
-              </a:rPr>
-              <a:t>(</a:t>
-            </a:r>
-            <a:r>
-              <a:rPr lang="sv-SE" dirty="0" err="1" smtClean="0">
-                <a:latin typeface="Courier New" pitchFamily="49" charset="0"/>
-                <a:cs typeface="Courier New" pitchFamily="49" charset="0"/>
-              </a:rPr>
-              <a:t>minDOMNode.</a:t>
-            </a:r>
-            <a:r>
-              <a:rPr lang="sv-SE" b="1" dirty="0" err="1" smtClean="0">
-                <a:latin typeface="Courier New" pitchFamily="49" charset="0"/>
-                <a:cs typeface="Courier New" pitchFamily="49" charset="0"/>
-              </a:rPr>
-              <a:t>nodeType</a:t>
-            </a:r>
-            <a:r>
-              <a:rPr lang="sv-SE" b="1" dirty="0" smtClean="0">
-                <a:latin typeface="Courier New" pitchFamily="49" charset="0"/>
-                <a:cs typeface="Courier New" pitchFamily="49" charset="0"/>
-              </a:rPr>
-              <a:t> === 3</a:t>
-            </a:r>
-            <a:r>
-              <a:rPr lang="sv-SE" dirty="0" smtClean="0">
-                <a:latin typeface="Courier New" pitchFamily="49" charset="0"/>
-                <a:cs typeface="Courier New" pitchFamily="49" charset="0"/>
-              </a:rPr>
-              <a:t>){</a:t>
-            </a:r>
-          </a:p>
-          <a:p>
-            <a:endParaRPr lang="sv-SE" dirty="0" smtClean="0">
-              <a:latin typeface="Courier New" pitchFamily="49" charset="0"/>
-              <a:cs typeface="Courier New" pitchFamily="49" charset="0"/>
-            </a:endParaRPr>
-          </a:p>
-          <a:p>
-            <a:r>
-              <a:rPr lang="sv-SE" dirty="0" smtClean="0">
-                <a:latin typeface="Courier New" pitchFamily="49" charset="0"/>
-                <a:cs typeface="Courier New" pitchFamily="49" charset="0"/>
-              </a:rPr>
-              <a:t>    </a:t>
-            </a:r>
-            <a:r>
-              <a:rPr lang="sv-SE" dirty="0" smtClean="0">
-                <a:latin typeface="Courier New" pitchFamily="49" charset="0"/>
-                <a:cs typeface="Courier New" pitchFamily="49" charset="0"/>
-              </a:rPr>
-              <a:t>console.log("</a:t>
-            </a:r>
-            <a:r>
-              <a:rPr lang="sv-SE" dirty="0" smtClean="0">
-                <a:latin typeface="Courier New" pitchFamily="49" charset="0"/>
-                <a:cs typeface="Courier New" pitchFamily="49" charset="0"/>
-              </a:rPr>
-              <a:t>Du hittade text");</a:t>
-            </a:r>
-            <a:endParaRPr lang="sv-SE" dirty="0">
-              <a:latin typeface="Courier New" pitchFamily="49" charset="0"/>
-              <a:cs typeface="Courier New" pitchFamily="49" charset="0"/>
-            </a:endParaRPr>
-          </a:p>
-          <a:p>
-            <a:endParaRPr lang="sv-SE" dirty="0" smtClean="0">
-              <a:latin typeface="Courier New" pitchFamily="49" charset="0"/>
-              <a:cs typeface="Courier New" pitchFamily="49" charset="0"/>
-            </a:endParaRPr>
-          </a:p>
-          <a:p>
-            <a:r>
-              <a:rPr lang="sv-SE" dirty="0" smtClean="0">
-                <a:latin typeface="Courier New" pitchFamily="49" charset="0"/>
-                <a:cs typeface="Courier New" pitchFamily="49" charset="0"/>
-              </a:rPr>
-              <a:t>}</a:t>
+          <a:bodyPr/>
+          <a:lstStyle>
+            <a:lvl1pPr marL="0" indent="0" algn="l" defTabSz="914400" rtl="0" eaLnBrk="1" latinLnBrk="0" hangingPunct="1">
+              <a:spcBef>
+                <a:spcPct val="20000"/>
+              </a:spcBef>
+              <a:buFont typeface="Arial" pitchFamily="34" charset="0"/>
+              <a:buNone/>
+              <a:defRPr sz="2400" kern="1200">
+                <a:solidFill>
+                  <a:schemeClr val="tx1"/>
+                </a:solidFill>
+                <a:latin typeface="Minya Nouvelle" pitchFamily="2" charset="0"/>
+                <a:ea typeface="+mn-ea"/>
+                <a:cs typeface="+mn-cs"/>
+              </a:defRPr>
+            </a:lvl1pPr>
+            <a:lvl2pPr marL="457200" indent="0" algn="ctr" defTabSz="914400" rtl="0" eaLnBrk="1" latinLnBrk="0" hangingPunct="1">
+              <a:spcBef>
+                <a:spcPct val="20000"/>
+              </a:spcBef>
+              <a:buFont typeface="Arial" pitchFamily="34" charset="0"/>
+              <a:buNone/>
+              <a:defRPr sz="2800" kern="1200">
+                <a:solidFill>
+                  <a:schemeClr val="tx1">
+                    <a:tint val="75000"/>
+                  </a:schemeClr>
+                </a:solidFill>
+                <a:latin typeface="+mn-lt"/>
+                <a:ea typeface="+mn-ea"/>
+                <a:cs typeface="+mn-cs"/>
+              </a:defRPr>
+            </a:lvl2pPr>
+            <a:lvl3pPr marL="914400" indent="0" algn="ctr" defTabSz="914400" rtl="0" eaLnBrk="1" latinLnBrk="0" hangingPunct="1">
+              <a:spcBef>
+                <a:spcPct val="20000"/>
+              </a:spcBef>
+              <a:buFont typeface="Arial" pitchFamily="34" charset="0"/>
+              <a:buNone/>
+              <a:defRPr sz="2400" kern="1200">
+                <a:solidFill>
+                  <a:schemeClr val="tx1">
+                    <a:tint val="75000"/>
+                  </a:schemeClr>
+                </a:solidFill>
+                <a:latin typeface="+mn-lt"/>
+                <a:ea typeface="+mn-ea"/>
+                <a:cs typeface="+mn-cs"/>
+              </a:defRPr>
+            </a:lvl3pPr>
+            <a:lvl4pPr marL="1371600" indent="0" algn="ctr" defTabSz="914400" rtl="0" eaLnBrk="1" latinLnBrk="0" hangingPunct="1">
+              <a:spcBef>
+                <a:spcPct val="20000"/>
+              </a:spcBef>
+              <a:buFont typeface="Arial" pitchFamily="34" charset="0"/>
+              <a:buNone/>
+              <a:defRPr sz="2000" kern="1200">
+                <a:solidFill>
+                  <a:schemeClr val="tx1">
+                    <a:tint val="75000"/>
+                  </a:schemeClr>
+                </a:solidFill>
+                <a:latin typeface="+mn-lt"/>
+                <a:ea typeface="+mn-ea"/>
+                <a:cs typeface="+mn-cs"/>
+              </a:defRPr>
+            </a:lvl4pPr>
+            <a:lvl5pPr marL="1828800" indent="0" algn="ctr" defTabSz="914400" rtl="0" eaLnBrk="1" latinLnBrk="0" hangingPunct="1">
+              <a:spcBef>
+                <a:spcPct val="20000"/>
+              </a:spcBef>
+              <a:buFont typeface="Arial" pitchFamily="34" charset="0"/>
+              <a:buNone/>
+              <a:defRPr sz="2000" kern="1200">
+                <a:solidFill>
+                  <a:schemeClr val="tx1">
+                    <a:tint val="75000"/>
+                  </a:schemeClr>
+                </a:solidFill>
+                <a:latin typeface="+mn-lt"/>
+                <a:ea typeface="+mn-ea"/>
+                <a:cs typeface="+mn-cs"/>
+              </a:defRPr>
+            </a:lvl5pPr>
+            <a:lvl6pPr marL="2286000" indent="0" algn="ctr" defTabSz="914400" rtl="0" eaLnBrk="1" latinLnBrk="0" hangingPunct="1">
+              <a:spcBef>
+                <a:spcPct val="20000"/>
+              </a:spcBef>
+              <a:buFont typeface="Arial" pitchFamily="34" charset="0"/>
+              <a:buNone/>
+              <a:defRPr sz="2000" kern="1200">
+                <a:solidFill>
+                  <a:schemeClr val="tx1">
+                    <a:tint val="75000"/>
+                  </a:schemeClr>
+                </a:solidFill>
+                <a:latin typeface="+mn-lt"/>
+                <a:ea typeface="+mn-ea"/>
+                <a:cs typeface="+mn-cs"/>
+              </a:defRPr>
+            </a:lvl6pPr>
+            <a:lvl7pPr marL="2743200" indent="0" algn="ctr" defTabSz="914400" rtl="0" eaLnBrk="1" latinLnBrk="0" hangingPunct="1">
+              <a:spcBef>
+                <a:spcPct val="20000"/>
+              </a:spcBef>
+              <a:buFont typeface="Arial" pitchFamily="34" charset="0"/>
+              <a:buNone/>
+              <a:defRPr sz="2000" kern="1200">
+                <a:solidFill>
+                  <a:schemeClr val="tx1">
+                    <a:tint val="75000"/>
+                  </a:schemeClr>
+                </a:solidFill>
+                <a:latin typeface="+mn-lt"/>
+                <a:ea typeface="+mn-ea"/>
+                <a:cs typeface="+mn-cs"/>
+              </a:defRPr>
+            </a:lvl7pPr>
+            <a:lvl8pPr marL="3200400" indent="0" algn="ctr" defTabSz="914400" rtl="0" eaLnBrk="1" latinLnBrk="0" hangingPunct="1">
+              <a:spcBef>
+                <a:spcPct val="20000"/>
+              </a:spcBef>
+              <a:buFont typeface="Arial" pitchFamily="34" charset="0"/>
+              <a:buNone/>
+              <a:defRPr sz="2000" kern="1200">
+                <a:solidFill>
+                  <a:schemeClr val="tx1">
+                    <a:tint val="75000"/>
+                  </a:schemeClr>
+                </a:solidFill>
+                <a:latin typeface="+mn-lt"/>
+                <a:ea typeface="+mn-ea"/>
+                <a:cs typeface="+mn-cs"/>
+              </a:defRPr>
+            </a:lvl8pPr>
+            <a:lvl9pPr marL="3657600" indent="0" algn="ctr" defTabSz="914400" rtl="0" eaLnBrk="1" latinLnBrk="0" hangingPunct="1">
+              <a:spcBef>
+                <a:spcPct val="20000"/>
+              </a:spcBef>
+              <a:buFont typeface="Arial" pitchFamily="34" charset="0"/>
+              <a:buNone/>
+              <a:defRPr sz="2000" kern="1200">
+                <a:solidFill>
+                  <a:schemeClr val="tx1">
+                    <a:tint val="75000"/>
+                  </a:schemeClr>
+                </a:solidFill>
+                <a:latin typeface="+mn-lt"/>
+                <a:ea typeface="+mn-ea"/>
+                <a:cs typeface="+mn-cs"/>
+              </a:defRPr>
+            </a:lvl9pPr>
+          </a:lstStyle>
+          <a:p>
+            <a:r>
+              <a:rPr lang="sv-SE" dirty="0" smtClean="0"/>
+              <a:t>Vi får </a:t>
+            </a:r>
+            <a:r>
+              <a:rPr lang="sv-SE" dirty="0" err="1" smtClean="0"/>
+              <a:t>refrenser</a:t>
+            </a:r>
+            <a:r>
+              <a:rPr lang="sv-SE" dirty="0" smtClean="0"/>
+              <a:t> till noderna direkt i </a:t>
+            </a:r>
+            <a:r>
+              <a:rPr lang="sv-SE" dirty="0" err="1" smtClean="0"/>
+              <a:t>DOMen</a:t>
+            </a:r>
+            <a:r>
+              <a:rPr lang="sv-SE" dirty="0" smtClean="0"/>
+              <a:t>. Vi får alltså </a:t>
+            </a:r>
+            <a:r>
+              <a:rPr lang="sv-SE" u="sng" dirty="0" smtClean="0"/>
+              <a:t>inte</a:t>
+            </a:r>
+            <a:r>
+              <a:rPr lang="sv-SE" dirty="0" smtClean="0"/>
+              <a:t> en kopia av noderna.</a:t>
             </a:r>
           </a:p>
         </p:txBody>
       </p:sp>
       <p:pic>
         <p:nvPicPr>
-          <p:cNvPr id="5" name="Picture 3" descr="P:\Icons\48x48\shadow\text_tree.png"/>
+          <p:cNvPr id="6" name="Picture 3" descr="P:\Icons\48x48\shadow\text_tree.png"/>
           <p:cNvPicPr>
             <a:picLocks noChangeAspect="1" noChangeArrowheads="1"/>
           </p:cNvPicPr>
           <p:nvPr/>
         </p:nvPicPr>
         <p:blipFill>
-          <a:blip r:embed="rId3">
+          <a:blip r:embed="rId2">
             <a:extLst>
               <a:ext uri="{28A0092B-C50C-407E-A947-70E740481C1C}">
                 <a14:useLocalDpi xmlns:a14="http://schemas.microsoft.com/office/drawing/2010/main" val="0"/>
@@ -33388,7 +33410,7 @@
           </a:prstGeom>
           <a:noFill/>
           <a:extLst>
-            <a:ext uri="{909E8E84-426E-40DD-AFC4-6F175D3DCCD1}">
+            <a:ext uri="{909E8E84-426E-40dd-AFC4-6F175D3DCCD1}">
               <a14:hiddenFill xmlns:a14="http://schemas.microsoft.com/office/drawing/2010/main">
                 <a:solidFill>
                   <a:srgbClr val="FFFFFF"/>
@@ -33401,7 +33423,7 @@
     </p:spTree>
     <p:extLst>
       <p:ext uri="{BB962C8B-B14F-4D97-AF65-F5344CB8AC3E}">
-        <p14:creationId xmlns:p14="http://schemas.microsoft.com/office/powerpoint/2010/main" val="3462382320"/>
+        <p14:creationId xmlns:p14="http://schemas.microsoft.com/office/powerpoint/2010/main" val="2953897707"/>
       </p:ext>
     </p:extLst>
   </p:cSld>
@@ -33411,7 +33433,7 @@
   <p:timing>
     <p:tnLst>
       <p:par>
-        <p:cTn id="1" dur="indefinite" restart="never" nodeType="tmRoot"/>
+        <p:cTn xmlns:p14="http://schemas.microsoft.com/office/powerpoint/2010/main" id="1" dur="indefinite" restart="never" nodeType="tmRoot"/>
       </p:par>
     </p:tnLst>
   </p:timing>

--- a/lectures/E06-Why-We-Fight/E06 - Why We Fight.pptx
+++ b/lectures/E06-Why-We-Fight/E06 - Why We Fight.pptx
@@ -1028,10 +1028,10 @@
           </a:p>
           <a:p>
             <a:r>
-              <a:rPr lang="en-US" smtClean="0"/>
+              <a:rPr lang="en-US" dirty="0" smtClean="0"/>
               <a:t>}</a:t>
             </a:r>
-            <a:endParaRPr lang="en-US"/>
+            <a:endParaRPr lang="en-US" dirty="0"/>
           </a:p>
         </p:txBody>
       </p:sp>
@@ -29853,8 +29853,8 @@
         </p:nvSpPr>
         <p:spPr>
           <a:xfrm>
-            <a:off x="1691680" y="2676857"/>
-            <a:ext cx="2544414" cy="861774"/>
+            <a:off x="1691680" y="2785492"/>
+            <a:ext cx="1954381" cy="400110"/>
           </a:xfrm>
           <a:prstGeom prst="rect">
             <a:avLst/>
@@ -29868,63 +29868,14 @@
           <a:lstStyle/>
           <a:p>
             <a:r>
-              <a:rPr lang="sv-SE" sz="2000" b="1" dirty="0" smtClean="0">
-                <a:latin typeface="Minya Nouvelle" pitchFamily="2" charset="0"/>
-              </a:rPr>
-              <a:t>Jäger </a:t>
-            </a:r>
-            <a:r>
               <a:rPr lang="sv-SE" sz="2000" b="1" dirty="0" err="1" smtClean="0">
                 <a:latin typeface="Minya Nouvelle" pitchFamily="2" charset="0"/>
               </a:rPr>
-              <a:t>Monkey</a:t>
-            </a:r>
-            <a:r>
-              <a:rPr lang="sv-SE" sz="2000" dirty="0" smtClean="0">
-                <a:latin typeface="Minya Nouvelle" pitchFamily="2" charset="0"/>
-              </a:rPr>
-              <a:t> (FF4)</a:t>
-            </a:r>
-          </a:p>
-          <a:p>
-            <a:r>
-              <a:rPr lang="sv-SE" sz="1600" b="1" dirty="0" err="1" smtClean="0">
-                <a:latin typeface="Minya Nouvelle" pitchFamily="2" charset="0"/>
-              </a:rPr>
-              <a:t>Trace</a:t>
-            </a:r>
-            <a:r>
-              <a:rPr lang="sv-SE" sz="1600" b="1" dirty="0" smtClean="0">
-                <a:latin typeface="Minya Nouvelle" pitchFamily="2" charset="0"/>
-              </a:rPr>
-              <a:t> </a:t>
-            </a:r>
-            <a:r>
-              <a:rPr lang="sv-SE" sz="1600" b="1" dirty="0" err="1" smtClean="0">
-                <a:latin typeface="Minya Nouvelle" pitchFamily="2" charset="0"/>
-              </a:rPr>
-              <a:t>Monkey</a:t>
-            </a:r>
-            <a:r>
-              <a:rPr lang="sv-SE" sz="1600" b="1" dirty="0" smtClean="0">
-                <a:latin typeface="Minya Nouvelle" pitchFamily="2" charset="0"/>
-              </a:rPr>
-              <a:t> (FF3.5)</a:t>
-            </a:r>
-          </a:p>
-          <a:p>
-            <a:r>
-              <a:rPr lang="sv-SE" sz="1400" dirty="0" err="1" smtClean="0">
-                <a:latin typeface="Minya Nouvelle" pitchFamily="2" charset="0"/>
-              </a:rPr>
               <a:t>SpiderMonkey</a:t>
             </a:r>
-            <a:r>
-              <a:rPr lang="sv-SE" sz="1400" dirty="0" smtClean="0">
-                <a:latin typeface="Minya Nouvelle" pitchFamily="2" charset="0"/>
-              </a:rPr>
-              <a:t> (&lt; FF3.5)</a:t>
-            </a:r>
+            <a:endParaRPr lang="sv-SE" sz="2000" dirty="0" smtClean="0">
+              <a:latin typeface="Minya Nouvelle" pitchFamily="2" charset="0"/>
+            </a:endParaRPr>
           </a:p>
         </p:txBody>
       </p:sp>
@@ -29971,7 +29922,7 @@
         <p:spPr>
           <a:xfrm>
             <a:off x="1691680" y="1273324"/>
-            <a:ext cx="2316660" cy="646331"/>
+            <a:ext cx="2121194" cy="646331"/>
           </a:xfrm>
           <a:prstGeom prst="rect">
             <a:avLst/>
@@ -29999,13 +29950,13 @@
           </a:p>
           <a:p>
             <a:r>
-              <a:rPr lang="sv-SE" sz="1600" b="1" dirty="0" err="1" smtClean="0">
+              <a:rPr lang="sv-SE" sz="1600" dirty="0" err="1" smtClean="0">
                 <a:latin typeface="Minya Nouvelle" pitchFamily="2" charset="0"/>
               </a:rPr>
               <a:t>JScript</a:t>
             </a:r>
             <a:r>
-              <a:rPr lang="sv-SE" sz="1600" b="1" dirty="0" smtClean="0">
+              <a:rPr lang="sv-SE" sz="1600" dirty="0" smtClean="0">
                 <a:latin typeface="Minya Nouvelle" pitchFamily="2" charset="0"/>
               </a:rPr>
               <a:t> (Trident &lt;IE9)</a:t>
@@ -30022,7 +29973,7 @@
         <p:spPr>
           <a:xfrm>
             <a:off x="5868144" y="1721855"/>
-            <a:ext cx="1854995" cy="861774"/>
+            <a:ext cx="1723950" cy="861774"/>
           </a:xfrm>
           <a:prstGeom prst="rect">
             <a:avLst/>
@@ -30050,13 +30001,13 @@
           </a:p>
           <a:p>
             <a:r>
-              <a:rPr lang="sv-SE" sz="1600" b="1" dirty="0" err="1" smtClean="0">
+              <a:rPr lang="sv-SE" sz="1600" dirty="0" err="1" smtClean="0">
                 <a:latin typeface="Minya Nouvelle" pitchFamily="2" charset="0"/>
               </a:rPr>
               <a:t>SquirrelFish</a:t>
             </a:r>
             <a:r>
-              <a:rPr lang="sv-SE" sz="1600" b="1" dirty="0" smtClean="0">
+              <a:rPr lang="sv-SE" sz="1600" dirty="0" smtClean="0">
                 <a:latin typeface="Minya Nouvelle" pitchFamily="2" charset="0"/>
               </a:rPr>
               <a:t> (S4)</a:t>
@@ -30064,7 +30015,7 @@
           </a:p>
           <a:p>
             <a:r>
-              <a:rPr lang="sv-SE" sz="1400" dirty="0" err="1" smtClean="0">
+              <a:rPr lang="sv-SE" sz="1200" dirty="0" err="1" smtClean="0">
                 <a:latin typeface="Minya Nouvelle" pitchFamily="2" charset="0"/>
               </a:rPr>
               <a:t>JavaScriptCore</a:t>
@@ -30083,8 +30034,8 @@
         </p:nvSpPr>
         <p:spPr>
           <a:xfrm>
-            <a:off x="5868144" y="3651910"/>
-            <a:ext cx="1880643" cy="1077218"/>
+            <a:off x="5868144" y="3868514"/>
+            <a:ext cx="1762847" cy="1261884"/>
           </a:xfrm>
           <a:prstGeom prst="rect">
             <a:avLst/>
@@ -30098,50 +30049,38 @@
           <a:lstStyle/>
           <a:p>
             <a:r>
-              <a:rPr lang="sv-SE" sz="2000" b="1" dirty="0" err="1" smtClean="0">
-                <a:latin typeface="Minya Nouvelle" pitchFamily="2" charset="0"/>
-              </a:rPr>
-              <a:t>Carakan</a:t>
-            </a:r>
-            <a:r>
               <a:rPr lang="sv-SE" sz="2000" b="1" dirty="0" smtClean="0">
                 <a:latin typeface="Minya Nouvelle" pitchFamily="2" charset="0"/>
               </a:rPr>
+              <a:t>V8</a:t>
+            </a:r>
+          </a:p>
+          <a:p>
+            <a:r>
+              <a:rPr lang="sv-SE" dirty="0" err="1" smtClean="0">
+                <a:latin typeface="Minya Nouvelle" pitchFamily="2" charset="0"/>
+              </a:rPr>
+              <a:t>Carakan</a:t>
+            </a:r>
+            <a:r>
+              <a:rPr lang="sv-SE" dirty="0" smtClean="0">
+                <a:latin typeface="Minya Nouvelle" pitchFamily="2" charset="0"/>
+              </a:rPr>
               <a:t> </a:t>
             </a:r>
             <a:r>
-              <a:rPr lang="sv-SE" sz="2000" dirty="0" smtClean="0">
+              <a:rPr lang="sv-SE" dirty="0" smtClean="0">
                 <a:latin typeface="Minya Nouvelle" pitchFamily="2" charset="0"/>
               </a:rPr>
               <a:t>(10.5)</a:t>
             </a:r>
           </a:p>
           <a:p>
-            <a:r>
-              <a:rPr lang="sv-SE" sz="1600" b="1" dirty="0" smtClean="0">
-                <a:latin typeface="Minya Nouvelle" pitchFamily="2" charset="0"/>
-              </a:rPr>
-              <a:t>Futhark </a:t>
-            </a:r>
-            <a:r>
-              <a:rPr lang="sv-SE" sz="1600" dirty="0" smtClean="0">
-                <a:latin typeface="Minya Nouvelle" pitchFamily="2" charset="0"/>
-              </a:rPr>
-              <a:t>(9.5)</a:t>
-            </a:r>
-          </a:p>
-          <a:p>
-            <a:r>
-              <a:rPr lang="sv-SE" sz="1400" dirty="0" err="1" smtClean="0">
-                <a:latin typeface="Minya Nouvelle" pitchFamily="2" charset="0"/>
-              </a:rPr>
-              <a:t>Linear</a:t>
-            </a:r>
             <a:r>
               <a:rPr lang="sv-SE" sz="1400" dirty="0" smtClean="0">
                 <a:latin typeface="Minya Nouvelle" pitchFamily="2" charset="0"/>
               </a:rPr>
-              <a:t> B (7.0)</a:t>
+              <a:t>Futhark (9.5)</a:t>
             </a:r>
           </a:p>
           <a:p>
@@ -30153,6 +30092,20 @@
             </a:r>
             <a:r>
               <a:rPr lang="sv-SE" sz="1200" dirty="0" smtClean="0">
+                <a:latin typeface="Minya Nouvelle" pitchFamily="2" charset="0"/>
+              </a:rPr>
+              <a:t> B (7.0)</a:t>
+            </a:r>
+          </a:p>
+          <a:p>
+            <a:r>
+              <a:rPr lang="sv-SE" sz="1100" dirty="0" err="1" smtClean="0">
+                <a:latin typeface="Minya Nouvelle" pitchFamily="2" charset="0"/>
+              </a:rPr>
+              <a:t>Linear</a:t>
+            </a:r>
+            <a:r>
+              <a:rPr lang="sv-SE" sz="1100" dirty="0" smtClean="0">
                 <a:latin typeface="Minya Nouvelle" pitchFamily="2" charset="0"/>
               </a:rPr>
               <a:t> A (4.0)</a:t>

--- a/lectures/E06-Why-We-Fight/E06 - Why We Fight.pptx
+++ b/lectures/E06-Why-We-Fight/E06 - Why We Fight.pptx
@@ -223,7 +223,7 @@
             <a:fld id="{D591C14E-198E-48A7-ABEC-7FB80E868E55}" type="datetimeFigureOut">
               <a:rPr lang="sv-SE" smtClean="0"/>
               <a:pPr/>
-              <a:t>2013-11-25</a:t>
+              <a:t>2013-11-26</a:t>
             </a:fld>
             <a:endParaRPr lang="sv-SE"/>
           </a:p>
@@ -390,7 +390,7 @@
             <a:fld id="{188BB863-C913-48B5-BD1A-638D82A0C76B}" type="datetimeFigureOut">
               <a:rPr lang="sv-SE" smtClean="0"/>
               <a:pPr/>
-              <a:t>2013-11-25</a:t>
+              <a:t>2013-11-26</a:t>
             </a:fld>
             <a:endParaRPr lang="sv-SE"/>
           </a:p>
@@ -7867,17 +7867,8 @@
               <a:rPr lang="sv-SE" sz="2800" b="1" dirty="0" smtClean="0">
                 <a:latin typeface="Minya Nouvelle" pitchFamily="2" charset="0"/>
               </a:rPr>
-              <a:t>, </a:t>
-            </a:r>
-            <a:r>
-              <a:rPr lang="sv-SE" sz="2800" b="1" dirty="0" smtClean="0">
-                <a:latin typeface="Minya Nouvelle" pitchFamily="2" charset="0"/>
-              </a:rPr>
-              <a:t>HT2013</a:t>
-            </a:r>
-            <a:endParaRPr lang="sv-SE" sz="2800" b="1" dirty="0" smtClean="0">
-              <a:latin typeface="Minya Nouvelle" pitchFamily="2" charset="0"/>
-            </a:endParaRPr>
+              <a:t>, HT2013</a:t>
+            </a:r>
           </a:p>
           <a:p>
             <a:r>
@@ -27555,8 +27546,8 @@
         </p:nvSpPr>
         <p:spPr bwMode="auto">
           <a:xfrm>
-            <a:off x="1622404" y="1830988"/>
-            <a:ext cx="5832475" cy="1512888"/>
+            <a:off x="4283968" y="1830988"/>
+            <a:ext cx="3170911" cy="1512888"/>
           </a:xfrm>
           <a:prstGeom prst="roundRect">
             <a:avLst>
@@ -27593,7 +27584,7 @@
           </a:sp3d>
         </p:spPr>
         <p:txBody>
-          <a:bodyPr anchor="ctr">
+          <a:bodyPr wrap="square" anchor="ctr">
             <a:spAutoFit/>
           </a:bodyPr>
           <a:lstStyle/>
@@ -27649,8 +27640,8 @@
         </p:blipFill>
         <p:spPr bwMode="auto">
           <a:xfrm>
-            <a:off x="4071938" y="1986571"/>
-            <a:ext cx="927100" cy="927100"/>
+            <a:off x="6804248" y="2641476"/>
+            <a:ext cx="567060" cy="567060"/>
           </a:xfrm>
           <a:prstGeom prst="rect">
             <a:avLst/>
@@ -27674,8 +27665,8 @@
         </p:nvSpPr>
         <p:spPr bwMode="auto">
           <a:xfrm>
-            <a:off x="1742082" y="1973874"/>
-            <a:ext cx="5616000" cy="972000"/>
+            <a:off x="1619672" y="1826536"/>
+            <a:ext cx="2664296" cy="1557873"/>
           </a:xfrm>
           <a:prstGeom prst="roundRect">
             <a:avLst>
@@ -27712,7 +27703,7 @@
           </a:sp3d>
         </p:spPr>
         <p:txBody>
-          <a:bodyPr anchor="ctr">
+          <a:bodyPr wrap="square" anchor="ctr">
             <a:spAutoFit/>
           </a:bodyPr>
           <a:lstStyle/>
@@ -27734,52 +27725,13 @@
               <a:tabLst/>
               <a:defRPr/>
             </a:pPr>
-            <a:endParaRPr kumimoji="0" lang="sv-SE" sz="1800" b="0" i="0" u="none" strike="noStrike" kern="0" cap="none" spc="0" normalizeH="0" baseline="0" noProof="0">
-              <a:ln>
-                <a:noFill/>
-              </a:ln>
+            <a:endParaRPr lang="sv-SE" kern="0" noProof="0" dirty="0" smtClean="0">
               <a:solidFill>
                 <a:srgbClr val="FFFFFF"/>
               </a:solidFill>
-              <a:effectLst/>
-              <a:uLnTx/>
-              <a:uFillTx/>
               <a:latin typeface="Verdana"/>
-              <a:ea typeface="+mn-ea"/>
-              <a:cs typeface="+mn-cs"/>
             </a:endParaRPr>
           </a:p>
-        </p:txBody>
-      </p:sp>
-      <p:sp>
-        <p:nvSpPr>
-          <p:cNvPr id="69" name="Text Box 17"/>
-          <p:cNvSpPr txBox="1">
-            <a:spLocks noChangeArrowheads="1"/>
-          </p:cNvSpPr>
-          <p:nvPr/>
-        </p:nvSpPr>
-        <p:spPr bwMode="auto">
-          <a:xfrm>
-            <a:off x="900113" y="2200884"/>
-            <a:ext cx="6985000" cy="517525"/>
-          </a:xfrm>
-          <a:prstGeom prst="rect">
-            <a:avLst/>
-          </a:prstGeom>
-          <a:noFill/>
-          <a:ln w="9525" algn="ctr">
-            <a:noFill/>
-            <a:miter lim="800000"/>
-            <a:headEnd/>
-            <a:tailEnd/>
-          </a:ln>
-        </p:spPr>
-        <p:txBody>
-          <a:bodyPr>
-            <a:spAutoFit/>
-          </a:bodyPr>
-          <a:lstStyle/>
           <a:p>
             <a:pPr marL="0" marR="0" lvl="0" indent="0" algn="ctr" defTabSz="914400" eaLnBrk="1" fontAlgn="auto" latinLnBrk="0" hangingPunct="1">
               <a:lnSpc>
@@ -27798,8 +27750,188 @@
               <a:tabLst/>
               <a:defRPr/>
             </a:pPr>
-            <a:r>
-              <a:rPr kumimoji="0" lang="sv-SE" sz="1800" b="1" i="0" u="none" strike="noStrike" kern="0" cap="none" spc="0" normalizeH="0" baseline="0" noProof="0">
+            <a:endParaRPr kumimoji="0" lang="sv-SE" sz="1800" b="0" i="0" u="none" strike="noStrike" kern="0" cap="none" spc="0" normalizeH="0" baseline="0" dirty="0">
+              <a:ln>
+                <a:noFill/>
+              </a:ln>
+              <a:solidFill>
+                <a:srgbClr val="FFFFFF"/>
+              </a:solidFill>
+              <a:effectLst/>
+              <a:uLnTx/>
+              <a:uFillTx/>
+              <a:latin typeface="Verdana"/>
+              <a:ea typeface="+mn-ea"/>
+              <a:cs typeface="+mn-cs"/>
+            </a:endParaRPr>
+          </a:p>
+          <a:p>
+            <a:pPr marL="0" marR="0" lvl="0" indent="0" algn="ctr" defTabSz="914400" eaLnBrk="1" fontAlgn="auto" latinLnBrk="0" hangingPunct="1">
+              <a:lnSpc>
+                <a:spcPct val="100000"/>
+              </a:lnSpc>
+              <a:spcBef>
+                <a:spcPts val="0"/>
+              </a:spcBef>
+              <a:spcAft>
+                <a:spcPts val="0"/>
+              </a:spcAft>
+              <a:buClrTx/>
+              <a:buSzTx/>
+              <a:buFontTx/>
+              <a:buNone/>
+              <a:tabLst/>
+              <a:defRPr/>
+            </a:pPr>
+            <a:endParaRPr lang="sv-SE" kern="0" noProof="0" dirty="0" smtClean="0">
+              <a:solidFill>
+                <a:srgbClr val="FFFFFF"/>
+              </a:solidFill>
+              <a:latin typeface="Verdana"/>
+            </a:endParaRPr>
+          </a:p>
+          <a:p>
+            <a:pPr marL="0" marR="0" lvl="0" indent="0" algn="ctr" defTabSz="914400" eaLnBrk="1" fontAlgn="auto" latinLnBrk="0" hangingPunct="1">
+              <a:lnSpc>
+                <a:spcPct val="100000"/>
+              </a:lnSpc>
+              <a:spcBef>
+                <a:spcPts val="0"/>
+              </a:spcBef>
+              <a:spcAft>
+                <a:spcPts val="0"/>
+              </a:spcAft>
+              <a:buClrTx/>
+              <a:buSzTx/>
+              <a:buFontTx/>
+              <a:buNone/>
+              <a:tabLst/>
+              <a:defRPr/>
+            </a:pPr>
+            <a:endParaRPr kumimoji="0" lang="sv-SE" sz="1050" b="0" i="0" u="none" strike="noStrike" kern="0" cap="none" spc="0" normalizeH="0" baseline="0" dirty="0">
+              <a:ln>
+                <a:noFill/>
+              </a:ln>
+              <a:solidFill>
+                <a:srgbClr val="FFFFFF"/>
+              </a:solidFill>
+              <a:effectLst/>
+              <a:uLnTx/>
+              <a:uFillTx/>
+              <a:latin typeface="Verdana"/>
+              <a:ea typeface="+mn-ea"/>
+              <a:cs typeface="+mn-cs"/>
+            </a:endParaRPr>
+          </a:p>
+          <a:p>
+            <a:pPr marL="0" marR="0" lvl="0" indent="0" algn="ctr" defTabSz="914400" eaLnBrk="1" fontAlgn="auto" latinLnBrk="0" hangingPunct="1">
+              <a:lnSpc>
+                <a:spcPct val="100000"/>
+              </a:lnSpc>
+              <a:spcBef>
+                <a:spcPts val="0"/>
+              </a:spcBef>
+              <a:spcAft>
+                <a:spcPts val="0"/>
+              </a:spcAft>
+              <a:buClrTx/>
+              <a:buSzTx/>
+              <a:buFontTx/>
+              <a:buNone/>
+              <a:tabLst/>
+              <a:defRPr/>
+            </a:pPr>
+            <a:endParaRPr lang="sv-SE" sz="1050" kern="0" noProof="0" dirty="0" smtClean="0">
+              <a:solidFill>
+                <a:srgbClr val="FFFFFF"/>
+              </a:solidFill>
+              <a:latin typeface="Verdana"/>
+            </a:endParaRPr>
+          </a:p>
+          <a:p>
+            <a:pPr marL="0" marR="0" lvl="0" indent="0" algn="ctr" defTabSz="914400" eaLnBrk="1" fontAlgn="auto" latinLnBrk="0" hangingPunct="1">
+              <a:lnSpc>
+                <a:spcPct val="100000"/>
+              </a:lnSpc>
+              <a:spcBef>
+                <a:spcPts val="0"/>
+              </a:spcBef>
+              <a:spcAft>
+                <a:spcPts val="0"/>
+              </a:spcAft>
+              <a:buClrTx/>
+              <a:buSzTx/>
+              <a:buFontTx/>
+              <a:buNone/>
+              <a:tabLst/>
+              <a:defRPr/>
+            </a:pPr>
+            <a:endParaRPr kumimoji="0" lang="sv-SE" sz="1050" b="0" i="0" u="none" strike="noStrike" kern="0" cap="none" spc="0" normalizeH="0" baseline="0" noProof="0" dirty="0" smtClean="0">
+              <a:ln>
+                <a:noFill/>
+              </a:ln>
+              <a:solidFill>
+                <a:srgbClr val="FFFFFF"/>
+              </a:solidFill>
+              <a:effectLst/>
+              <a:uLnTx/>
+              <a:uFillTx/>
+              <a:latin typeface="Verdana"/>
+              <a:ea typeface="+mn-ea"/>
+              <a:cs typeface="+mn-cs"/>
+            </a:endParaRPr>
+          </a:p>
+        </p:txBody>
+      </p:sp>
+      <p:sp>
+        <p:nvSpPr>
+          <p:cNvPr id="69" name="Text Box 17"/>
+          <p:cNvSpPr txBox="1">
+            <a:spLocks noChangeArrowheads="1"/>
+          </p:cNvSpPr>
+          <p:nvPr/>
+        </p:nvSpPr>
+        <p:spPr bwMode="auto">
+          <a:xfrm>
+            <a:off x="1691680" y="2200884"/>
+            <a:ext cx="2520280" cy="646331"/>
+          </a:xfrm>
+          <a:prstGeom prst="rect">
+            <a:avLst/>
+          </a:prstGeom>
+          <a:noFill/>
+          <a:ln w="9525" algn="ctr">
+            <a:noFill/>
+            <a:miter lim="800000"/>
+            <a:headEnd/>
+            <a:tailEnd/>
+          </a:ln>
+        </p:spPr>
+        <p:txBody>
+          <a:bodyPr wrap="square">
+            <a:spAutoFit/>
+          </a:bodyPr>
+          <a:lstStyle/>
+          <a:p>
+            <a:pPr marL="0" marR="0" lvl="0" indent="0" algn="ctr" defTabSz="914400" eaLnBrk="1" fontAlgn="auto" latinLnBrk="0" hangingPunct="1">
+              <a:lnSpc>
+                <a:spcPct val="100000"/>
+              </a:lnSpc>
+              <a:spcBef>
+                <a:spcPts val="0"/>
+              </a:spcBef>
+              <a:spcAft>
+                <a:spcPts val="0"/>
+              </a:spcAft>
+              <a:buClrTx/>
+              <a:buSzTx/>
+              <a:buFontTx/>
+              <a:buNone/>
+              <a:tabLst/>
+              <a:defRPr/>
+            </a:pPr>
+            <a:r>
+              <a:rPr kumimoji="0" lang="sv-SE" sz="1800" b="1" i="0" u="none" strike="noStrike" kern="0" cap="none" spc="0" normalizeH="0" baseline="0" noProof="0" dirty="0">
                 <a:ln>
                   <a:noFill/>
                 </a:ln>
@@ -27813,7 +27945,7 @@
               <a:t>Uppförande </a:t>
             </a:r>
             <a:r>
-              <a:rPr kumimoji="0" lang="sv-SE" sz="1800" b="0" i="0" u="none" strike="noStrike" kern="0" cap="none" spc="0" normalizeH="0" baseline="0" noProof="0">
+              <a:rPr kumimoji="0" lang="sv-SE" sz="1800" b="0" i="0" u="none" strike="noStrike" kern="0" cap="none" spc="0" normalizeH="0" baseline="0" noProof="0" dirty="0">
                 <a:ln>
                   <a:noFill/>
                 </a:ln>
@@ -27824,10 +27956,10 @@
                 <a:uLnTx/>
                 <a:uFillTx/>
               </a:rPr>
-              <a:t>(Behavior)</a:t>
-            </a:r>
-            <a:br>
-              <a:rPr kumimoji="0" lang="sv-SE" sz="1800" b="0" i="0" u="none" strike="noStrike" kern="0" cap="none" spc="0" normalizeH="0" baseline="0" noProof="0">
+              <a:t>(</a:t>
+            </a:r>
+            <a:r>
+              <a:rPr kumimoji="0" lang="sv-SE" sz="1800" b="0" i="0" u="none" strike="noStrike" kern="0" cap="none" spc="0" normalizeH="0" baseline="0" noProof="0" dirty="0" err="1">
                 <a:ln>
                   <a:noFill/>
                 </a:ln>
@@ -27838,9 +27970,37 @@
                 <a:uLnTx/>
                 <a:uFillTx/>
               </a:rPr>
+              <a:t>Behavior</a:t>
+            </a:r>
+            <a:r>
+              <a:rPr kumimoji="0" lang="sv-SE" sz="1800" b="0" i="0" u="none" strike="noStrike" kern="0" cap="none" spc="0" normalizeH="0" baseline="0" noProof="0" dirty="0">
+                <a:ln>
+                  <a:noFill/>
+                </a:ln>
+                <a:solidFill>
+                  <a:sysClr val="windowText" lastClr="000000"/>
+                </a:solidFill>
+                <a:effectLst/>
+                <a:uLnTx/>
+                <a:uFillTx/>
+              </a:rPr>
+              <a:t>)</a:t>
+            </a:r>
+            <a:br>
+              <a:rPr kumimoji="0" lang="sv-SE" sz="1800" b="0" i="0" u="none" strike="noStrike" kern="0" cap="none" spc="0" normalizeH="0" baseline="0" noProof="0" dirty="0">
+                <a:ln>
+                  <a:noFill/>
+                </a:ln>
+                <a:solidFill>
+                  <a:sysClr val="windowText" lastClr="000000"/>
+                </a:solidFill>
+                <a:effectLst/>
+                <a:uLnTx/>
+                <a:uFillTx/>
+              </a:rPr>
             </a:br>
             <a:r>
-              <a:rPr kumimoji="0" lang="sv-SE" sz="1800" b="0" i="0" u="none" strike="noStrike" kern="0" cap="none" spc="0" normalizeH="0" baseline="0" noProof="0">
+              <a:rPr kumimoji="0" lang="sv-SE" sz="1800" b="0" i="0" u="none" strike="noStrike" kern="0" cap="none" spc="0" normalizeH="0" baseline="0" noProof="0" dirty="0">
                 <a:ln>
                   <a:noFill/>
                 </a:ln>
@@ -28022,7 +28182,7 @@
         </p:nvSpPr>
         <p:spPr bwMode="auto">
           <a:xfrm>
-            <a:off x="1042988" y="2961296"/>
+            <a:off x="2411760" y="2137420"/>
             <a:ext cx="6985000" cy="304800"/>
           </a:xfrm>
           <a:prstGeom prst="rect">
@@ -28060,7 +28220,7 @@
               <a:defRPr/>
             </a:pPr>
             <a:r>
-              <a:rPr kumimoji="0" lang="sv-SE" sz="1800" b="1" i="0" u="none" strike="noStrike" kern="0" cap="none" spc="0" normalizeH="0" baseline="0" noProof="0">
+              <a:rPr kumimoji="0" lang="sv-SE" sz="1800" b="1" i="0" u="none" strike="noStrike" kern="0" cap="none" spc="0" normalizeH="0" baseline="0" noProof="0" dirty="0">
                 <a:ln>
                   <a:noFill/>
                 </a:ln>
@@ -28074,7 +28234,7 @@
               <a:t>Presentation </a:t>
             </a:r>
             <a:r>
-              <a:rPr kumimoji="0" lang="sv-SE" sz="1800" b="0" i="0" u="none" strike="noStrike" kern="0" cap="none" spc="0" normalizeH="0" baseline="0" noProof="0">
+              <a:rPr kumimoji="0" lang="sv-SE" sz="1800" b="0" i="0" u="none" strike="noStrike" kern="0" cap="none" spc="0" normalizeH="0" baseline="0" noProof="0" dirty="0">
                 <a:ln>
                   <a:noFill/>
                 </a:ln>
@@ -28199,8 +28359,8 @@
         </p:blipFill>
         <p:spPr bwMode="auto">
           <a:xfrm>
-            <a:off x="6215063" y="2129446"/>
-            <a:ext cx="609600" cy="609600"/>
+            <a:off x="3707904" y="2641476"/>
+            <a:ext cx="360040" cy="360040"/>
           </a:xfrm>
           <a:prstGeom prst="rect">
             <a:avLst/>
@@ -30066,13 +30226,7 @@
               <a:rPr lang="sv-SE" dirty="0" smtClean="0">
                 <a:latin typeface="Minya Nouvelle" pitchFamily="2" charset="0"/>
               </a:rPr>
-              <a:t> </a:t>
-            </a:r>
-            <a:r>
-              <a:rPr lang="sv-SE" dirty="0" smtClean="0">
-                <a:latin typeface="Minya Nouvelle" pitchFamily="2" charset="0"/>
-              </a:rPr>
-              <a:t>(10.5)</a:t>
+              <a:t> (10.5)</a:t>
             </a:r>
           </a:p>
           <a:p>

--- a/lectures/E06-Why-We-Fight/E06 - Why We Fight.pptx
+++ b/lectures/E06-Why-We-Fight/E06 - Why We Fight.pptx
@@ -223,7 +223,7 @@
             <a:fld id="{D591C14E-198E-48A7-ABEC-7FB80E868E55}" type="datetimeFigureOut">
               <a:rPr lang="sv-SE" smtClean="0"/>
               <a:pPr/>
-              <a:t>2013-11-26</a:t>
+              <a:t>14-11-17</a:t>
             </a:fld>
             <a:endParaRPr lang="sv-SE"/>
           </a:p>
@@ -390,7 +390,7 @@
             <a:fld id="{188BB863-C913-48B5-BD1A-638D82A0C76B}" type="datetimeFigureOut">
               <a:rPr lang="sv-SE" smtClean="0"/>
               <a:pPr/>
-              <a:t>2013-11-26</a:t>
+              <a:t>14-11-17</a:t>
             </a:fld>
             <a:endParaRPr lang="sv-SE"/>
           </a:p>
@@ -7864,11 +7864,20 @@
               <a:t>6</a:t>
             </a:r>
             <a:r>
-              <a:rPr lang="sv-SE" sz="2800" b="1" dirty="0" smtClean="0">
+              <a:rPr lang="sv-SE" sz="2800" b="1" smtClean="0">
                 <a:latin typeface="Minya Nouvelle" pitchFamily="2" charset="0"/>
               </a:rPr>
-              <a:t>, HT2013</a:t>
-            </a:r>
+              <a:t>, </a:t>
+            </a:r>
+            <a:r>
+              <a:rPr lang="sv-SE" sz="2800" b="1" smtClean="0">
+                <a:latin typeface="Minya Nouvelle" pitchFamily="2" charset="0"/>
+              </a:rPr>
+              <a:t>HT2014</a:t>
+            </a:r>
+            <a:endParaRPr lang="sv-SE" sz="2800" b="1" dirty="0" smtClean="0">
+              <a:latin typeface="Minya Nouvelle" pitchFamily="2" charset="0"/>
+            </a:endParaRPr>
           </a:p>
           <a:p>
             <a:r>
@@ -7957,47 +7966,6 @@
           </a:p>
         </p:txBody>
       </p:sp>
-      <p:pic>
-        <p:nvPicPr>
-          <p:cNvPr id="115714" name="Picture 2" descr="C:\Dropbox\Avatar\Avatar228x228.jpg"/>
-          <p:cNvPicPr>
-            <a:picLocks noChangeAspect="1" noChangeArrowheads="1"/>
-          </p:cNvPicPr>
-          <p:nvPr/>
-        </p:nvPicPr>
-        <p:blipFill>
-          <a:blip r:embed="rId2">
-            <a:extLst>
-              <a:ext uri="{28A0092B-C50C-407E-A947-70E740481C1C}">
-                <a14:useLocalDpi xmlns:a14="http://schemas.microsoft.com/office/drawing/2010/main" val="0"/>
-              </a:ext>
-            </a:extLst>
-          </a:blip>
-          <a:srcRect/>
-          <a:stretch>
-            <a:fillRect/>
-          </a:stretch>
-        </p:blipFill>
-        <p:spPr bwMode="auto">
-          <a:xfrm>
-            <a:off x="5508104" y="2137420"/>
-            <a:ext cx="2736304" cy="2736304"/>
-          </a:xfrm>
-          <a:prstGeom prst="rect">
-            <a:avLst/>
-          </a:prstGeom>
-          <a:noFill/>
-          <a:extLst>
-            <a:ext uri="{909E8E84-426E-40dd-AFC4-6F175D3DCCD1}">
-              <a14:hiddenFill xmlns:a14="http://schemas.microsoft.com/office/drawing/2010/main">
-                <a:solidFill>
-                  <a:srgbClr val="FFFFFF"/>
-                </a:solidFill>
-              </a14:hiddenFill>
-            </a:ext>
-          </a:extLst>
-        </p:spPr>
-      </p:pic>
       <p:sp>
         <p:nvSpPr>
           <p:cNvPr id="4" name="TextBox 3"/>
@@ -8030,6 +7998,36 @@
           </a:p>
         </p:txBody>
       </p:sp>
+      <p:pic>
+        <p:nvPicPr>
+          <p:cNvPr id="7" name="Picture 6" descr="square.jpg"/>
+          <p:cNvPicPr>
+            <a:picLocks noChangeAspect="1"/>
+          </p:cNvPicPr>
+          <p:nvPr/>
+        </p:nvPicPr>
+        <p:blipFill>
+          <a:blip r:embed="rId2" cstate="print">
+            <a:extLst>
+              <a:ext uri="{28A0092B-C50C-407E-A947-70E740481C1C}">
+                <a14:useLocalDpi xmlns:a14="http://schemas.microsoft.com/office/drawing/2010/main" val="0"/>
+              </a:ext>
+            </a:extLst>
+          </a:blip>
+          <a:stretch>
+            <a:fillRect/>
+          </a:stretch>
+        </p:blipFill>
+        <p:spPr>
+          <a:xfrm>
+            <a:off x="5580112" y="2137420"/>
+            <a:ext cx="2641476" cy="2641476"/>
+          </a:xfrm>
+          <a:prstGeom prst="rect">
+            <a:avLst/>
+          </a:prstGeom>
+        </p:spPr>
+      </p:pic>
     </p:spTree>
     <p:extLst>
       <p:ext uri="{BB962C8B-B14F-4D97-AF65-F5344CB8AC3E}">
